--- a/Figures/Arcs/Architecture_Rerun.pptx
+++ b/Figures/Arcs/Architecture_Rerun.pptx
@@ -259,7 +259,7 @@
           <a:p>
             <a:fld id="{DCB782F2-2E39-4C4F-8A71-AA967E78B1E0}" type="datetimeFigureOut">
               <a:rPr lang="en-US" smtClean="0"/>
-              <a:t>6/16/23</a:t>
+              <a:t>8/21/23</a:t>
             </a:fld>
             <a:endParaRPr lang="en-US"/>
           </a:p>
@@ -457,7 +457,7 @@
           <a:p>
             <a:fld id="{DCB782F2-2E39-4C4F-8A71-AA967E78B1E0}" type="datetimeFigureOut">
               <a:rPr lang="en-US" smtClean="0"/>
-              <a:t>6/16/23</a:t>
+              <a:t>8/21/23</a:t>
             </a:fld>
             <a:endParaRPr lang="en-US"/>
           </a:p>
@@ -665,7 +665,7 @@
           <a:p>
             <a:fld id="{DCB782F2-2E39-4C4F-8A71-AA967E78B1E0}" type="datetimeFigureOut">
               <a:rPr lang="en-US" smtClean="0"/>
-              <a:t>6/16/23</a:t>
+              <a:t>8/21/23</a:t>
             </a:fld>
             <a:endParaRPr lang="en-US"/>
           </a:p>
@@ -863,7 +863,7 @@
           <a:p>
             <a:fld id="{DCB782F2-2E39-4C4F-8A71-AA967E78B1E0}" type="datetimeFigureOut">
               <a:rPr lang="en-US" smtClean="0"/>
-              <a:t>6/16/23</a:t>
+              <a:t>8/21/23</a:t>
             </a:fld>
             <a:endParaRPr lang="en-US"/>
           </a:p>
@@ -1138,7 +1138,7 @@
           <a:p>
             <a:fld id="{DCB782F2-2E39-4C4F-8A71-AA967E78B1E0}" type="datetimeFigureOut">
               <a:rPr lang="en-US" smtClean="0"/>
-              <a:t>6/16/23</a:t>
+              <a:t>8/21/23</a:t>
             </a:fld>
             <a:endParaRPr lang="en-US"/>
           </a:p>
@@ -1403,7 +1403,7 @@
           <a:p>
             <a:fld id="{DCB782F2-2E39-4C4F-8A71-AA967E78B1E0}" type="datetimeFigureOut">
               <a:rPr lang="en-US" smtClean="0"/>
-              <a:t>6/16/23</a:t>
+              <a:t>8/21/23</a:t>
             </a:fld>
             <a:endParaRPr lang="en-US"/>
           </a:p>
@@ -1815,7 +1815,7 @@
           <a:p>
             <a:fld id="{DCB782F2-2E39-4C4F-8A71-AA967E78B1E0}" type="datetimeFigureOut">
               <a:rPr lang="en-US" smtClean="0"/>
-              <a:t>6/16/23</a:t>
+              <a:t>8/21/23</a:t>
             </a:fld>
             <a:endParaRPr lang="en-US"/>
           </a:p>
@@ -1956,7 +1956,7 @@
           <a:p>
             <a:fld id="{DCB782F2-2E39-4C4F-8A71-AA967E78B1E0}" type="datetimeFigureOut">
               <a:rPr lang="en-US" smtClean="0"/>
-              <a:t>6/16/23</a:t>
+              <a:t>8/21/23</a:t>
             </a:fld>
             <a:endParaRPr lang="en-US"/>
           </a:p>
@@ -2069,7 +2069,7 @@
           <a:p>
             <a:fld id="{DCB782F2-2E39-4C4F-8A71-AA967E78B1E0}" type="datetimeFigureOut">
               <a:rPr lang="en-US" smtClean="0"/>
-              <a:t>6/16/23</a:t>
+              <a:t>8/21/23</a:t>
             </a:fld>
             <a:endParaRPr lang="en-US"/>
           </a:p>
@@ -2380,7 +2380,7 @@
           <a:p>
             <a:fld id="{DCB782F2-2E39-4C4F-8A71-AA967E78B1E0}" type="datetimeFigureOut">
               <a:rPr lang="en-US" smtClean="0"/>
-              <a:t>6/16/23</a:t>
+              <a:t>8/21/23</a:t>
             </a:fld>
             <a:endParaRPr lang="en-US"/>
           </a:p>
@@ -2668,7 +2668,7 @@
           <a:p>
             <a:fld id="{DCB782F2-2E39-4C4F-8A71-AA967E78B1E0}" type="datetimeFigureOut">
               <a:rPr lang="en-US" smtClean="0"/>
-              <a:t>6/16/23</a:t>
+              <a:t>8/21/23</a:t>
             </a:fld>
             <a:endParaRPr lang="en-US"/>
           </a:p>
@@ -2909,7 +2909,7 @@
           <a:p>
             <a:fld id="{DCB782F2-2E39-4C4F-8A71-AA967E78B1E0}" type="datetimeFigureOut">
               <a:rPr lang="en-US" smtClean="0"/>
-              <a:t>6/16/23</a:t>
+              <a:t>8/21/23</a:t>
             </a:fld>
             <a:endParaRPr lang="en-US"/>
           </a:p>
@@ -3328,98 +3328,6 @@
       </p:grpSpPr>
       <p:sp>
         <p:nvSpPr>
-          <p:cNvPr id="4" name="Can 3">
-            <a:extLst>
-              <a:ext uri="{FF2B5EF4-FFF2-40B4-BE49-F238E27FC236}">
-                <a16:creationId xmlns:a16="http://schemas.microsoft.com/office/drawing/2014/main" id="{9A5E55D8-A2AA-1CA6-C4ED-2DED608A69FB}"/>
-              </a:ext>
-            </a:extLst>
-          </p:cNvPr>
-          <p:cNvSpPr/>
-          <p:nvPr/>
-        </p:nvSpPr>
-        <p:spPr>
-          <a:xfrm>
-            <a:off x="1192681" y="3671586"/>
-            <a:ext cx="563301" cy="410114"/>
-          </a:xfrm>
-          <a:prstGeom prst="can">
-            <a:avLst/>
-          </a:prstGeom>
-          <a:solidFill>
-            <a:schemeClr val="bg1"/>
-          </a:solidFill>
-          <a:ln w="28575" cmpd="sng">
-            <a:solidFill>
-              <a:schemeClr val="tx1"/>
-            </a:solidFill>
-          </a:ln>
-          <a:effectLst/>
-        </p:spPr>
-        <p:style>
-          <a:lnRef idx="1">
-            <a:schemeClr val="accent1"/>
-          </a:lnRef>
-          <a:fillRef idx="3">
-            <a:schemeClr val="accent1"/>
-          </a:fillRef>
-          <a:effectRef idx="2">
-            <a:schemeClr val="accent1"/>
-          </a:effectRef>
-          <a:fontRef idx="minor">
-            <a:schemeClr val="lt1"/>
-          </a:fontRef>
-        </p:style>
-        <p:txBody>
-          <a:bodyPr rtlCol="0" anchor="ctr"/>
-          <a:lstStyle/>
-          <a:p>
-            <a:pPr algn="ctr"/>
-            <a:endParaRPr lang="en-US" sz="2000" dirty="0">
-              <a:solidFill>
-                <a:schemeClr val="tx1"/>
-              </a:solidFill>
-            </a:endParaRPr>
-          </a:p>
-        </p:txBody>
-      </p:sp>
-      <p:sp>
-        <p:nvSpPr>
-          <p:cNvPr id="5" name="TextBox 4">
-            <a:extLst>
-              <a:ext uri="{FF2B5EF4-FFF2-40B4-BE49-F238E27FC236}">
-                <a16:creationId xmlns:a16="http://schemas.microsoft.com/office/drawing/2014/main" id="{E99DD82A-DEB4-5552-39EE-B29CE07D78B4}"/>
-              </a:ext>
-            </a:extLst>
-          </p:cNvPr>
-          <p:cNvSpPr txBox="1"/>
-          <p:nvPr/>
-        </p:nvSpPr>
-        <p:spPr>
-          <a:xfrm>
-            <a:off x="1045497" y="4056983"/>
-            <a:ext cx="907595" cy="369332"/>
-          </a:xfrm>
-          <a:prstGeom prst="rect">
-            <a:avLst/>
-          </a:prstGeom>
-          <a:noFill/>
-        </p:spPr>
-        <p:txBody>
-          <a:bodyPr wrap="square" rtlCol="0">
-            <a:spAutoFit/>
-          </a:bodyPr>
-          <a:lstStyle/>
-          <a:p>
-            <a:r>
-              <a:rPr lang="en-US" dirty="0"/>
-              <a:t>Dataset</a:t>
-            </a:r>
-          </a:p>
-        </p:txBody>
-      </p:sp>
-      <p:sp>
-        <p:nvSpPr>
           <p:cNvPr id="6" name="Can 5">
             <a:extLst>
               <a:ext uri="{FF2B5EF4-FFF2-40B4-BE49-F238E27FC236}">
@@ -3816,254 +3724,6 @@
           </a:p>
         </p:txBody>
       </p:sp>
-      <p:grpSp>
-        <p:nvGrpSpPr>
-          <p:cNvPr id="14" name="Group 13">
-            <a:extLst>
-              <a:ext uri="{FF2B5EF4-FFF2-40B4-BE49-F238E27FC236}">
-                <a16:creationId xmlns:a16="http://schemas.microsoft.com/office/drawing/2014/main" id="{BD8C42DD-CB34-C4B2-5A98-2AF645C8878F}"/>
-              </a:ext>
-            </a:extLst>
-          </p:cNvPr>
-          <p:cNvGrpSpPr/>
-          <p:nvPr/>
-        </p:nvGrpSpPr>
-        <p:grpSpPr>
-          <a:xfrm>
-            <a:off x="1755982" y="3057898"/>
-            <a:ext cx="788141" cy="1424522"/>
-            <a:chOff x="1469456" y="1255261"/>
-            <a:chExt cx="788141" cy="1424522"/>
-          </a:xfrm>
-        </p:grpSpPr>
-        <p:cxnSp>
-          <p:nvCxnSpPr>
-            <p:cNvPr id="15" name="Straight Arrow Connector 14">
-              <a:extLst>
-                <a:ext uri="{FF2B5EF4-FFF2-40B4-BE49-F238E27FC236}">
-                  <a16:creationId xmlns:a16="http://schemas.microsoft.com/office/drawing/2014/main" id="{8B33ECB0-41FF-B419-71BC-B56C88555D6C}"/>
-                </a:ext>
-              </a:extLst>
-            </p:cNvPr>
-            <p:cNvCxnSpPr>
-              <a:cxnSpLocks/>
-            </p:cNvCxnSpPr>
-            <p:nvPr/>
-          </p:nvCxnSpPr>
-          <p:spPr>
-            <a:xfrm>
-              <a:off x="1844675" y="1261578"/>
-              <a:ext cx="412922" cy="0"/>
-            </a:xfrm>
-            <a:prstGeom prst="straightConnector1">
-              <a:avLst/>
-            </a:prstGeom>
-            <a:ln w="38100" cap="flat" cmpd="sng" algn="ctr">
-              <a:solidFill>
-                <a:schemeClr val="dk1"/>
-              </a:solidFill>
-              <a:prstDash val="solid"/>
-              <a:round/>
-              <a:headEnd type="none" w="med" len="med"/>
-              <a:tailEnd type="arrow" w="med" len="med"/>
-            </a:ln>
-          </p:spPr>
-          <p:style>
-            <a:lnRef idx="0">
-              <a:scrgbClr r="0" g="0" b="0"/>
-            </a:lnRef>
-            <a:fillRef idx="0">
-              <a:scrgbClr r="0" g="0" b="0"/>
-            </a:fillRef>
-            <a:effectRef idx="0">
-              <a:scrgbClr r="0" g="0" b="0"/>
-            </a:effectRef>
-            <a:fontRef idx="minor">
-              <a:schemeClr val="tx1"/>
-            </a:fontRef>
-          </p:style>
-        </p:cxnSp>
-        <p:cxnSp>
-          <p:nvCxnSpPr>
-            <p:cNvPr id="16" name="Straight Arrow Connector 15">
-              <a:extLst>
-                <a:ext uri="{FF2B5EF4-FFF2-40B4-BE49-F238E27FC236}">
-                  <a16:creationId xmlns:a16="http://schemas.microsoft.com/office/drawing/2014/main" id="{AEA6B648-E1C9-1DEF-9F8A-229D2ED9C231}"/>
-                </a:ext>
-              </a:extLst>
-            </p:cNvPr>
-            <p:cNvCxnSpPr>
-              <a:cxnSpLocks/>
-            </p:cNvCxnSpPr>
-            <p:nvPr/>
-          </p:nvCxnSpPr>
-          <p:spPr>
-            <a:xfrm>
-              <a:off x="1862533" y="1805139"/>
-              <a:ext cx="388714" cy="0"/>
-            </a:xfrm>
-            <a:prstGeom prst="straightConnector1">
-              <a:avLst/>
-            </a:prstGeom>
-            <a:ln w="38100" cap="flat" cmpd="sng" algn="ctr">
-              <a:solidFill>
-                <a:schemeClr val="dk1"/>
-              </a:solidFill>
-              <a:prstDash val="solid"/>
-              <a:round/>
-              <a:headEnd type="none" w="med" len="med"/>
-              <a:tailEnd type="arrow" w="med" len="med"/>
-            </a:ln>
-          </p:spPr>
-          <p:style>
-            <a:lnRef idx="0">
-              <a:scrgbClr r="0" g="0" b="0"/>
-            </a:lnRef>
-            <a:fillRef idx="0">
-              <a:scrgbClr r="0" g="0" b="0"/>
-            </a:fillRef>
-            <a:effectRef idx="0">
-              <a:scrgbClr r="0" g="0" b="0"/>
-            </a:effectRef>
-            <a:fontRef idx="minor">
-              <a:schemeClr val="tx1"/>
-            </a:fontRef>
-          </p:style>
-        </p:cxnSp>
-        <p:cxnSp>
-          <p:nvCxnSpPr>
-            <p:cNvPr id="17" name="Straight Arrow Connector 16">
-              <a:extLst>
-                <a:ext uri="{FF2B5EF4-FFF2-40B4-BE49-F238E27FC236}">
-                  <a16:creationId xmlns:a16="http://schemas.microsoft.com/office/drawing/2014/main" id="{2F7E4BFA-7719-22A7-6A15-2693AA91CC47}"/>
-                </a:ext>
-              </a:extLst>
-            </p:cNvPr>
-            <p:cNvCxnSpPr>
-              <a:cxnSpLocks/>
-            </p:cNvCxnSpPr>
-            <p:nvPr/>
-          </p:nvCxnSpPr>
-          <p:spPr>
-            <a:xfrm>
-              <a:off x="1844675" y="2679783"/>
-              <a:ext cx="406572" cy="0"/>
-            </a:xfrm>
-            <a:prstGeom prst="straightConnector1">
-              <a:avLst/>
-            </a:prstGeom>
-            <a:ln w="38100" cap="flat" cmpd="sng" algn="ctr">
-              <a:solidFill>
-                <a:schemeClr val="dk1"/>
-              </a:solidFill>
-              <a:prstDash val="solid"/>
-              <a:round/>
-              <a:headEnd type="none" w="med" len="med"/>
-              <a:tailEnd type="arrow" w="med" len="med"/>
-            </a:ln>
-          </p:spPr>
-          <p:style>
-            <a:lnRef idx="0">
-              <a:scrgbClr r="0" g="0" b="0"/>
-            </a:lnRef>
-            <a:fillRef idx="0">
-              <a:scrgbClr r="0" g="0" b="0"/>
-            </a:fillRef>
-            <a:effectRef idx="0">
-              <a:scrgbClr r="0" g="0" b="0"/>
-            </a:effectRef>
-            <a:fontRef idx="minor">
-              <a:schemeClr val="tx1"/>
-            </a:fontRef>
-          </p:style>
-        </p:cxnSp>
-        <p:cxnSp>
-          <p:nvCxnSpPr>
-            <p:cNvPr id="18" name="Straight Connector 17">
-              <a:extLst>
-                <a:ext uri="{FF2B5EF4-FFF2-40B4-BE49-F238E27FC236}">
-                  <a16:creationId xmlns:a16="http://schemas.microsoft.com/office/drawing/2014/main" id="{59F2AAE5-4C5B-7EB1-90DE-2E09F3EB4CF6}"/>
-                </a:ext>
-              </a:extLst>
-            </p:cNvPr>
-            <p:cNvCxnSpPr>
-              <a:cxnSpLocks/>
-            </p:cNvCxnSpPr>
-            <p:nvPr/>
-          </p:nvCxnSpPr>
-          <p:spPr>
-            <a:xfrm>
-              <a:off x="1862533" y="1255261"/>
-              <a:ext cx="0" cy="1424522"/>
-            </a:xfrm>
-            <a:prstGeom prst="line">
-              <a:avLst/>
-            </a:prstGeom>
-            <a:ln w="38100">
-              <a:solidFill>
-                <a:schemeClr val="tx1"/>
-              </a:solidFill>
-            </a:ln>
-          </p:spPr>
-          <p:style>
-            <a:lnRef idx="3">
-              <a:schemeClr val="dk1"/>
-            </a:lnRef>
-            <a:fillRef idx="0">
-              <a:schemeClr val="dk1"/>
-            </a:fillRef>
-            <a:effectRef idx="2">
-              <a:schemeClr val="dk1"/>
-            </a:effectRef>
-            <a:fontRef idx="minor">
-              <a:schemeClr val="tx1"/>
-            </a:fontRef>
-          </p:style>
-        </p:cxnSp>
-        <p:cxnSp>
-          <p:nvCxnSpPr>
-            <p:cNvPr id="19" name="Straight Connector 18">
-              <a:extLst>
-                <a:ext uri="{FF2B5EF4-FFF2-40B4-BE49-F238E27FC236}">
-                  <a16:creationId xmlns:a16="http://schemas.microsoft.com/office/drawing/2014/main" id="{89B12BB3-E81B-170C-295E-E582490060F1}"/>
-                </a:ext>
-              </a:extLst>
-            </p:cNvPr>
-            <p:cNvCxnSpPr>
-              <a:cxnSpLocks/>
-            </p:cNvCxnSpPr>
-            <p:nvPr/>
-          </p:nvCxnSpPr>
-          <p:spPr>
-            <a:xfrm>
-              <a:off x="1469456" y="2093526"/>
-              <a:ext cx="398553" cy="0"/>
-            </a:xfrm>
-            <a:prstGeom prst="line">
-              <a:avLst/>
-            </a:prstGeom>
-            <a:ln w="38100">
-              <a:solidFill>
-                <a:schemeClr val="tx1"/>
-              </a:solidFill>
-            </a:ln>
-          </p:spPr>
-          <p:style>
-            <a:lnRef idx="3">
-              <a:schemeClr val="dk1"/>
-            </a:lnRef>
-            <a:fillRef idx="0">
-              <a:schemeClr val="dk1"/>
-            </a:fillRef>
-            <a:effectRef idx="2">
-              <a:schemeClr val="dk1"/>
-            </a:effectRef>
-            <a:fontRef idx="minor">
-              <a:schemeClr val="tx1"/>
-            </a:fontRef>
-          </p:style>
-        </p:cxnSp>
-      </p:grpSp>
       <p:sp>
         <p:nvSpPr>
           <p:cNvPr id="26" name="Card 25">

--- a/Figures/Arcs/Architecture_Rerun.pptx
+++ b/Figures/Arcs/Architecture_Rerun.pptx
@@ -259,7 +259,7 @@
           <a:p>
             <a:fld id="{DCB782F2-2E39-4C4F-8A71-AA967E78B1E0}" type="datetimeFigureOut">
               <a:rPr lang="en-US" smtClean="0"/>
-              <a:t>8/21/23</a:t>
+              <a:t>8/30/23</a:t>
             </a:fld>
             <a:endParaRPr lang="en-US"/>
           </a:p>
@@ -457,7 +457,7 @@
           <a:p>
             <a:fld id="{DCB782F2-2E39-4C4F-8A71-AA967E78B1E0}" type="datetimeFigureOut">
               <a:rPr lang="en-US" smtClean="0"/>
-              <a:t>8/21/23</a:t>
+              <a:t>8/30/23</a:t>
             </a:fld>
             <a:endParaRPr lang="en-US"/>
           </a:p>
@@ -665,7 +665,7 @@
           <a:p>
             <a:fld id="{DCB782F2-2E39-4C4F-8A71-AA967E78B1E0}" type="datetimeFigureOut">
               <a:rPr lang="en-US" smtClean="0"/>
-              <a:t>8/21/23</a:t>
+              <a:t>8/30/23</a:t>
             </a:fld>
             <a:endParaRPr lang="en-US"/>
           </a:p>
@@ -863,7 +863,7 @@
           <a:p>
             <a:fld id="{DCB782F2-2E39-4C4F-8A71-AA967E78B1E0}" type="datetimeFigureOut">
               <a:rPr lang="en-US" smtClean="0"/>
-              <a:t>8/21/23</a:t>
+              <a:t>8/30/23</a:t>
             </a:fld>
             <a:endParaRPr lang="en-US"/>
           </a:p>
@@ -1138,7 +1138,7 @@
           <a:p>
             <a:fld id="{DCB782F2-2E39-4C4F-8A71-AA967E78B1E0}" type="datetimeFigureOut">
               <a:rPr lang="en-US" smtClean="0"/>
-              <a:t>8/21/23</a:t>
+              <a:t>8/30/23</a:t>
             </a:fld>
             <a:endParaRPr lang="en-US"/>
           </a:p>
@@ -1403,7 +1403,7 @@
           <a:p>
             <a:fld id="{DCB782F2-2E39-4C4F-8A71-AA967E78B1E0}" type="datetimeFigureOut">
               <a:rPr lang="en-US" smtClean="0"/>
-              <a:t>8/21/23</a:t>
+              <a:t>8/30/23</a:t>
             </a:fld>
             <a:endParaRPr lang="en-US"/>
           </a:p>
@@ -1815,7 +1815,7 @@
           <a:p>
             <a:fld id="{DCB782F2-2E39-4C4F-8A71-AA967E78B1E0}" type="datetimeFigureOut">
               <a:rPr lang="en-US" smtClean="0"/>
-              <a:t>8/21/23</a:t>
+              <a:t>8/30/23</a:t>
             </a:fld>
             <a:endParaRPr lang="en-US"/>
           </a:p>
@@ -1956,7 +1956,7 @@
           <a:p>
             <a:fld id="{DCB782F2-2E39-4C4F-8A71-AA967E78B1E0}" type="datetimeFigureOut">
               <a:rPr lang="en-US" smtClean="0"/>
-              <a:t>8/21/23</a:t>
+              <a:t>8/30/23</a:t>
             </a:fld>
             <a:endParaRPr lang="en-US"/>
           </a:p>
@@ -2069,7 +2069,7 @@
           <a:p>
             <a:fld id="{DCB782F2-2E39-4C4F-8A71-AA967E78B1E0}" type="datetimeFigureOut">
               <a:rPr lang="en-US" smtClean="0"/>
-              <a:t>8/21/23</a:t>
+              <a:t>8/30/23</a:t>
             </a:fld>
             <a:endParaRPr lang="en-US"/>
           </a:p>
@@ -2380,7 +2380,7 @@
           <a:p>
             <a:fld id="{DCB782F2-2E39-4C4F-8A71-AA967E78B1E0}" type="datetimeFigureOut">
               <a:rPr lang="en-US" smtClean="0"/>
-              <a:t>8/21/23</a:t>
+              <a:t>8/30/23</a:t>
             </a:fld>
             <a:endParaRPr lang="en-US"/>
           </a:p>
@@ -2668,7 +2668,7 @@
           <a:p>
             <a:fld id="{DCB782F2-2E39-4C4F-8A71-AA967E78B1E0}" type="datetimeFigureOut">
               <a:rPr lang="en-US" smtClean="0"/>
-              <a:t>8/21/23</a:t>
+              <a:t>8/30/23</a:t>
             </a:fld>
             <a:endParaRPr lang="en-US"/>
           </a:p>
@@ -2909,7 +2909,7 @@
           <a:p>
             <a:fld id="{DCB782F2-2E39-4C4F-8A71-AA967E78B1E0}" type="datetimeFigureOut">
               <a:rPr lang="en-US" smtClean="0"/>
-              <a:t>8/21/23</a:t>
+              <a:t>8/30/23</a:t>
             </a:fld>
             <a:endParaRPr lang="en-US"/>
           </a:p>
@@ -3340,7 +3340,7 @@
         </p:nvSpPr>
         <p:spPr>
           <a:xfrm>
-            <a:off x="2537774" y="2929468"/>
+            <a:off x="2263058" y="3739196"/>
             <a:ext cx="352803" cy="256860"/>
           </a:xfrm>
           <a:prstGeom prst="can">
@@ -3397,7 +3397,7 @@
         </p:nvSpPr>
         <p:spPr>
           <a:xfrm>
-            <a:off x="2469256" y="3121708"/>
+            <a:off x="1886929" y="3682960"/>
             <a:ext cx="510139" cy="369332"/>
           </a:xfrm>
           <a:prstGeom prst="rect">
@@ -3438,7 +3438,7 @@
         </p:nvSpPr>
         <p:spPr>
           <a:xfrm>
-            <a:off x="2537774" y="3479346"/>
+            <a:off x="2263058" y="4289074"/>
             <a:ext cx="352803" cy="256860"/>
           </a:xfrm>
           <a:prstGeom prst="can">
@@ -3495,7 +3495,7 @@
         </p:nvSpPr>
         <p:spPr>
           <a:xfrm>
-            <a:off x="2469256" y="3671586"/>
+            <a:off x="1886929" y="4232838"/>
             <a:ext cx="510139" cy="369332"/>
           </a:xfrm>
           <a:prstGeom prst="rect">
@@ -3536,7 +3536,7 @@
         </p:nvSpPr>
         <p:spPr>
           <a:xfrm>
-            <a:off x="2537774" y="4353990"/>
+            <a:off x="2263058" y="5163718"/>
             <a:ext cx="352803" cy="256860"/>
           </a:xfrm>
           <a:prstGeom prst="can">
@@ -3593,7 +3593,7 @@
         </p:nvSpPr>
         <p:spPr>
           <a:xfrm>
-            <a:off x="2469256" y="4546230"/>
+            <a:off x="1886929" y="5107482"/>
             <a:ext cx="510139" cy="369332"/>
           </a:xfrm>
           <a:prstGeom prst="rect">
@@ -3634,7 +3634,7 @@
         </p:nvSpPr>
         <p:spPr>
           <a:xfrm>
-            <a:off x="2670699" y="4029224"/>
+            <a:off x="2395983" y="4838952"/>
             <a:ext cx="86952" cy="86952"/>
           </a:xfrm>
           <a:prstGeom prst="ellipse">
@@ -3686,7 +3686,7 @@
         </p:nvSpPr>
         <p:spPr>
           <a:xfrm>
-            <a:off x="2670699" y="4177988"/>
+            <a:off x="2395983" y="4987716"/>
             <a:ext cx="86952" cy="86952"/>
           </a:xfrm>
           <a:prstGeom prst="ellipse">
@@ -3738,8 +3738,8 @@
         </p:nvSpPr>
         <p:spPr>
           <a:xfrm flipH="1">
-            <a:off x="3297381" y="3273157"/>
-            <a:ext cx="1528824" cy="516165"/>
+            <a:off x="3170878" y="2868860"/>
+            <a:ext cx="2632698" cy="894451"/>
           </a:xfrm>
           <a:prstGeom prst="flowChartPunchedCard">
             <a:avLst/>
@@ -3774,113 +3774,18 @@
           <a:p>
             <a:pPr algn="ctr"/>
             <a:r>
-              <a:rPr lang="en-US" sz="2000" dirty="0">
+              <a:rPr lang="en-US" dirty="0">
                 <a:solidFill>
                   <a:schemeClr val="tx1"/>
                 </a:solidFill>
               </a:rPr>
-              <a:t>Algorithm</a:t>
-            </a:r>
-          </a:p>
-        </p:txBody>
-      </p:sp>
-      <p:sp>
-        <p:nvSpPr>
-          <p:cNvPr id="27" name="Rectangle 26">
-            <a:extLst>
-              <a:ext uri="{FF2B5EF4-FFF2-40B4-BE49-F238E27FC236}">
-                <a16:creationId xmlns:a16="http://schemas.microsoft.com/office/drawing/2014/main" id="{438B341C-D21A-F60B-0563-7AF77512AF62}"/>
-              </a:ext>
-            </a:extLst>
-          </p:cNvPr>
-          <p:cNvSpPr/>
-          <p:nvPr/>
-        </p:nvSpPr>
-        <p:spPr>
-          <a:xfrm>
-            <a:off x="3293281" y="2917403"/>
-            <a:ext cx="1528824" cy="312022"/>
-          </a:xfrm>
-          <a:prstGeom prst="rect">
-            <a:avLst/>
-          </a:prstGeom>
-          <a:noFill/>
-        </p:spPr>
-        <p:style>
-          <a:lnRef idx="2">
-            <a:schemeClr val="dk1"/>
-          </a:lnRef>
-          <a:fillRef idx="1">
-            <a:schemeClr val="lt1"/>
-          </a:fillRef>
-          <a:effectRef idx="0">
-            <a:schemeClr val="dk1"/>
-          </a:effectRef>
-          <a:fontRef idx="minor">
-            <a:schemeClr val="dk1"/>
-          </a:fontRef>
-        </p:style>
-        <p:txBody>
-          <a:bodyPr rtlCol="0" anchor="ctr"/>
-          <a:lstStyle/>
-          <a:p>
-            <a:pPr algn="ctr"/>
-            <a:r>
-              <a:rPr lang="en-US" sz="1600" dirty="0"/>
-              <a:t>Best Parameters</a:t>
-            </a:r>
-          </a:p>
-        </p:txBody>
-      </p:sp>
-      <p:sp>
-        <p:nvSpPr>
-          <p:cNvPr id="28" name="Rounded Rectangle 27">
-            <a:extLst>
-              <a:ext uri="{FF2B5EF4-FFF2-40B4-BE49-F238E27FC236}">
-                <a16:creationId xmlns:a16="http://schemas.microsoft.com/office/drawing/2014/main" id="{7B040B1F-BA87-18A0-5666-E216C0993228}"/>
-              </a:ext>
-            </a:extLst>
-          </p:cNvPr>
-          <p:cNvSpPr/>
-          <p:nvPr/>
-        </p:nvSpPr>
-        <p:spPr>
-          <a:xfrm>
-            <a:off x="3244904" y="2808144"/>
-            <a:ext cx="1629617" cy="1121122"/>
-          </a:xfrm>
-          <a:prstGeom prst="roundRect">
-            <a:avLst/>
-          </a:prstGeom>
-          <a:noFill/>
-          <a:ln w="38100">
-            <a:solidFill>
-              <a:schemeClr val="tx1"/>
-            </a:solidFill>
-          </a:ln>
-        </p:spPr>
-        <p:style>
-          <a:lnRef idx="2">
-            <a:schemeClr val="accent1">
-              <a:shade val="15000"/>
-            </a:schemeClr>
-          </a:lnRef>
-          <a:fillRef idx="1">
-            <a:schemeClr val="accent1"/>
-          </a:fillRef>
-          <a:effectRef idx="0">
-            <a:schemeClr val="accent1"/>
-          </a:effectRef>
-          <a:fontRef idx="minor">
-            <a:schemeClr val="lt1"/>
-          </a:fontRef>
-        </p:style>
-        <p:txBody>
-          <a:bodyPr rtlCol="0" anchor="ctr"/>
-          <a:lstStyle/>
-          <a:p>
-            <a:pPr algn="ctr"/>
-            <a:endParaRPr lang="en-US"/>
+              <a:t>Original Implementation + HAPV</a:t>
+            </a:r>
+            <a:endParaRPr lang="en-US" sz="2000" dirty="0">
+              <a:solidFill>
+                <a:schemeClr val="tx1"/>
+              </a:solidFill>
+            </a:endParaRPr>
           </a:p>
         </p:txBody>
       </p:sp>
@@ -3895,15 +3800,15 @@
           </p:cNvPr>
           <p:cNvCxnSpPr>
             <a:cxnSpLocks/>
-            <a:stCxn id="28" idx="2"/>
+            <a:stCxn id="26" idx="2"/>
             <a:endCxn id="49" idx="0"/>
           </p:cNvCxnSpPr>
           <p:nvPr/>
         </p:nvCxnSpPr>
         <p:spPr>
-          <a:xfrm flipH="1">
-            <a:off x="4056858" y="3929266"/>
-            <a:ext cx="2855" cy="207794"/>
+          <a:xfrm>
+            <a:off x="4487227" y="3763311"/>
+            <a:ext cx="0" cy="314219"/>
           </a:xfrm>
           <a:prstGeom prst="straightConnector1">
             <a:avLst/>
@@ -3948,7 +3853,7 @@
         </p:nvSpPr>
         <p:spPr>
           <a:xfrm>
-            <a:off x="3312092" y="4137060"/>
+            <a:off x="3742461" y="4077530"/>
             <a:ext cx="1489532" cy="690720"/>
           </a:xfrm>
           <a:prstGeom prst="rect">
@@ -4028,7 +3933,7 @@
         </p:nvSpPr>
         <p:spPr>
           <a:xfrm>
-            <a:off x="3208514" y="2026823"/>
+            <a:off x="3434708" y="2334963"/>
             <a:ext cx="352803" cy="256860"/>
           </a:xfrm>
           <a:prstGeom prst="can">
@@ -4085,7 +3990,7 @@
         </p:nvSpPr>
         <p:spPr>
           <a:xfrm>
-            <a:off x="3139996" y="2219063"/>
+            <a:off x="3366190" y="1993716"/>
             <a:ext cx="510139" cy="369332"/>
           </a:xfrm>
           <a:prstGeom prst="rect">
@@ -4126,7 +4031,7 @@
         </p:nvSpPr>
         <p:spPr>
           <a:xfrm>
-            <a:off x="3650135" y="2023472"/>
+            <a:off x="3933104" y="2338949"/>
             <a:ext cx="352803" cy="256860"/>
           </a:xfrm>
           <a:prstGeom prst="can">
@@ -4183,7 +4088,7 @@
         </p:nvSpPr>
         <p:spPr>
           <a:xfrm>
-            <a:off x="3581617" y="2215712"/>
+            <a:off x="3864586" y="1997702"/>
             <a:ext cx="510139" cy="369332"/>
           </a:xfrm>
           <a:prstGeom prst="rect">
@@ -4224,7 +4129,7 @@
         </p:nvSpPr>
         <p:spPr>
           <a:xfrm>
-            <a:off x="4521718" y="2022000"/>
+            <a:off x="4999806" y="2334963"/>
             <a:ext cx="352803" cy="256860"/>
           </a:xfrm>
           <a:prstGeom prst="can">
@@ -4281,7 +4186,7 @@
         </p:nvSpPr>
         <p:spPr>
           <a:xfrm>
-            <a:off x="4453200" y="2214240"/>
+            <a:off x="4931288" y="1993716"/>
             <a:ext cx="510139" cy="369332"/>
           </a:xfrm>
           <a:prstGeom prst="rect">
@@ -4322,7 +4227,7 @@
         </p:nvSpPr>
         <p:spPr>
           <a:xfrm>
-            <a:off x="4104680" y="2344669"/>
+            <a:off x="4471190" y="2444237"/>
             <a:ext cx="86952" cy="86952"/>
           </a:xfrm>
           <a:prstGeom prst="ellipse">
@@ -4360,58 +4265,6 @@
           </a:p>
         </p:txBody>
       </p:sp>
-      <p:sp>
-        <p:nvSpPr>
-          <p:cNvPr id="102" name="Oval 101">
-            <a:extLst>
-              <a:ext uri="{FF2B5EF4-FFF2-40B4-BE49-F238E27FC236}">
-                <a16:creationId xmlns:a16="http://schemas.microsoft.com/office/drawing/2014/main" id="{3B69BD9F-93DF-138E-13E4-452B2311D499}"/>
-              </a:ext>
-            </a:extLst>
-          </p:cNvPr>
-          <p:cNvSpPr/>
-          <p:nvPr/>
-        </p:nvSpPr>
-        <p:spPr>
-          <a:xfrm>
-            <a:off x="4337610" y="2355430"/>
-            <a:ext cx="86952" cy="86952"/>
-          </a:xfrm>
-          <a:prstGeom prst="ellipse">
-            <a:avLst/>
-          </a:prstGeom>
-          <a:solidFill>
-            <a:schemeClr val="tx1"/>
-          </a:solidFill>
-          <a:ln>
-            <a:noFill/>
-          </a:ln>
-        </p:spPr>
-        <p:style>
-          <a:lnRef idx="2">
-            <a:schemeClr val="dk1">
-              <a:shade val="15000"/>
-            </a:schemeClr>
-          </a:lnRef>
-          <a:fillRef idx="1">
-            <a:schemeClr val="dk1"/>
-          </a:fillRef>
-          <a:effectRef idx="0">
-            <a:schemeClr val="dk1"/>
-          </a:effectRef>
-          <a:fontRef idx="minor">
-            <a:schemeClr val="lt1"/>
-          </a:fontRef>
-        </p:style>
-        <p:txBody>
-          <a:bodyPr rtlCol="0" anchor="ctr"/>
-          <a:lstStyle/>
-          <a:p>
-            <a:pPr algn="ctr"/>
-            <a:endParaRPr lang="en-US"/>
-          </a:p>
-        </p:txBody>
-      </p:sp>
       <p:cxnSp>
         <p:nvCxnSpPr>
           <p:cNvPr id="103" name="Straight Arrow Connector 102">
@@ -4423,14 +4276,14 @@
           </p:cNvPr>
           <p:cNvCxnSpPr>
             <a:cxnSpLocks/>
-            <a:stCxn id="96" idx="2"/>
+            <a:stCxn id="95" idx="3"/>
           </p:cNvCxnSpPr>
           <p:nvPr/>
         </p:nvCxnSpPr>
         <p:spPr>
           <a:xfrm>
-            <a:off x="3395066" y="2588395"/>
-            <a:ext cx="0" cy="187207"/>
+            <a:off x="3611110" y="2591823"/>
+            <a:ext cx="0" cy="273051"/>
           </a:xfrm>
           <a:prstGeom prst="straightConnector1">
             <a:avLst/>
@@ -4472,14 +4325,14 @@
           </p:cNvPr>
           <p:cNvCxnSpPr>
             <a:cxnSpLocks/>
-            <a:stCxn id="98" idx="2"/>
+            <a:stCxn id="97" idx="3"/>
           </p:cNvCxnSpPr>
           <p:nvPr/>
         </p:nvCxnSpPr>
         <p:spPr>
           <a:xfrm>
-            <a:off x="3836687" y="2585044"/>
-            <a:ext cx="0" cy="203276"/>
+            <a:off x="4109506" y="2595809"/>
+            <a:ext cx="0" cy="269065"/>
           </a:xfrm>
           <a:prstGeom prst="straightConnector1">
             <a:avLst/>
@@ -4521,14 +4374,14 @@
           </p:cNvPr>
           <p:cNvCxnSpPr>
             <a:cxnSpLocks/>
-            <a:stCxn id="100" idx="2"/>
+            <a:stCxn id="99" idx="3"/>
           </p:cNvCxnSpPr>
           <p:nvPr/>
         </p:nvCxnSpPr>
         <p:spPr>
           <a:xfrm>
-            <a:off x="4708270" y="2583572"/>
-            <a:ext cx="0" cy="204748"/>
+            <a:off x="5176208" y="2591823"/>
+            <a:ext cx="0" cy="273051"/>
           </a:xfrm>
           <a:prstGeom prst="straightConnector1">
             <a:avLst/>
@@ -4577,7 +4430,7 @@
         </p:nvCxnSpPr>
         <p:spPr>
           <a:xfrm>
-            <a:off x="7534900" y="3052768"/>
+            <a:off x="8337212" y="3862496"/>
             <a:ext cx="193529" cy="2555"/>
           </a:xfrm>
           <a:prstGeom prst="straightConnector1">
@@ -4625,13 +4478,13 @@
           <p:nvPr/>
         </p:nvCxnSpPr>
         <p:spPr>
-          <a:xfrm>
-            <a:off x="2890577" y="4482420"/>
-            <a:ext cx="421515" cy="256859"/>
+          <a:xfrm flipV="1">
+            <a:off x="2615861" y="4650249"/>
+            <a:ext cx="1126600" cy="641899"/>
           </a:xfrm>
           <a:prstGeom prst="bentConnector3">
             <a:avLst>
-              <a:gd name="adj1" fmla="val 22762"/>
+              <a:gd name="adj1" fmla="val 50000"/>
             </a:avLst>
           </a:prstGeom>
           <a:ln w="38100" cap="flat" cmpd="sng" algn="ctr">
@@ -4661,10 +4514,10 @@
       </p:cxnSp>
       <p:cxnSp>
         <p:nvCxnSpPr>
-          <p:cNvPr id="130" name="Elbow Connector 129">
-            <a:extLst>
-              <a:ext uri="{FF2B5EF4-FFF2-40B4-BE49-F238E27FC236}">
-                <a16:creationId xmlns:a16="http://schemas.microsoft.com/office/drawing/2014/main" id="{3075E95B-CCC1-502D-F6A7-496F979F67F3}"/>
+          <p:cNvPr id="141" name="Straight Arrow Connector 140">
+            <a:extLst>
+              <a:ext uri="{FF2B5EF4-FFF2-40B4-BE49-F238E27FC236}">
+                <a16:creationId xmlns:a16="http://schemas.microsoft.com/office/drawing/2014/main" id="{B1F66D7F-7414-6001-8B8D-245E69EC00E6}"/>
               </a:ext>
             </a:extLst>
           </p:cNvPr>
@@ -4677,12 +4530,1057 @@
         </p:nvCxnSpPr>
         <p:spPr>
           <a:xfrm>
-            <a:off x="2890577" y="3607776"/>
-            <a:ext cx="421515" cy="874644"/>
+            <a:off x="2615861" y="4417504"/>
+            <a:ext cx="1126600" cy="5386"/>
+          </a:xfrm>
+          <a:prstGeom prst="straightConnector1">
+            <a:avLst/>
+          </a:prstGeom>
+          <a:ln w="38100" cap="flat" cmpd="sng" algn="ctr">
+            <a:solidFill>
+              <a:schemeClr val="tx1"/>
+            </a:solidFill>
+            <a:prstDash val="solid"/>
+            <a:round/>
+            <a:headEnd type="none" w="med" len="med"/>
+            <a:tailEnd type="arrow" w="med" len="med"/>
+          </a:ln>
+          <a:effectLst/>
+        </p:spPr>
+        <p:style>
+          <a:lnRef idx="2">
+            <a:schemeClr val="accent1"/>
+          </a:lnRef>
+          <a:fillRef idx="0">
+            <a:schemeClr val="accent1"/>
+          </a:fillRef>
+          <a:effectRef idx="1">
+            <a:schemeClr val="accent1"/>
+          </a:effectRef>
+          <a:fontRef idx="minor">
+            <a:schemeClr val="tx1"/>
+          </a:fontRef>
+        </p:style>
+      </p:cxnSp>
+      <p:sp>
+        <p:nvSpPr>
+          <p:cNvPr id="147" name="Rectangle 146">
+            <a:extLst>
+              <a:ext uri="{FF2B5EF4-FFF2-40B4-BE49-F238E27FC236}">
+                <a16:creationId xmlns:a16="http://schemas.microsoft.com/office/drawing/2014/main" id="{43F7D83F-8C47-2E2F-00B0-5860609CD34A}"/>
+              </a:ext>
+            </a:extLst>
+          </p:cNvPr>
+          <p:cNvSpPr/>
+          <p:nvPr/>
+        </p:nvSpPr>
+        <p:spPr>
+          <a:xfrm>
+            <a:off x="6126463" y="3716381"/>
+            <a:ext cx="2210749" cy="292230"/>
+          </a:xfrm>
+          <a:prstGeom prst="rect">
+            <a:avLst/>
+          </a:prstGeom>
+          <a:noFill/>
+        </p:spPr>
+        <p:style>
+          <a:lnRef idx="2">
+            <a:schemeClr val="dk1"/>
+          </a:lnRef>
+          <a:fillRef idx="1">
+            <a:schemeClr val="lt1"/>
+          </a:fillRef>
+          <a:effectRef idx="0">
+            <a:schemeClr val="dk1"/>
+          </a:effectRef>
+          <a:fontRef idx="minor">
+            <a:schemeClr val="dk1"/>
+          </a:fontRef>
+        </p:style>
+        <p:txBody>
+          <a:bodyPr rtlCol="0" anchor="ctr"/>
+          <a:lstStyle/>
+          <a:p>
+            <a:pPr algn="ctr"/>
+            <a:r>
+              <a:rPr lang="en-US" sz="1600" dirty="0"/>
+              <a:t>[</a:t>
+            </a:r>
+            <a:r>
+              <a:rPr lang="en-US" sz="1600" i="1" dirty="0">
+                <a:latin typeface="APPLE CHANCERY" panose="03020702040506060504" pitchFamily="66" charset="-79"/>
+                <a:cs typeface="APPLE CHANCERY" panose="03020702040506060504" pitchFamily="66" charset="-79"/>
+              </a:rPr>
+              <a:t>l</a:t>
+            </a:r>
+            <a:r>
+              <a:rPr lang="en-US" sz="1600" dirty="0"/>
+              <a:t> </a:t>
+            </a:r>
+            <a:r>
+              <a:rPr lang="en-US" sz="1600" baseline="-25000" dirty="0"/>
+              <a:t>S1_M1</a:t>
+            </a:r>
+            <a:r>
+              <a:rPr lang="en-US" sz="1600" dirty="0"/>
+              <a:t>, </a:t>
+            </a:r>
+            <a:r>
+              <a:rPr lang="en-US" sz="1600" i="1" dirty="0">
+                <a:latin typeface="APPLE CHANCERY" panose="03020702040506060504" pitchFamily="66" charset="-79"/>
+                <a:cs typeface="APPLE CHANCERY" panose="03020702040506060504" pitchFamily="66" charset="-79"/>
+              </a:rPr>
+              <a:t>l</a:t>
+            </a:r>
+            <a:r>
+              <a:rPr lang="en-US" sz="1600" dirty="0"/>
+              <a:t> </a:t>
+            </a:r>
+            <a:r>
+              <a:rPr lang="en-US" sz="1600" baseline="-25000" dirty="0"/>
+              <a:t>S1_M2</a:t>
+            </a:r>
+            <a:r>
+              <a:rPr lang="en-US" sz="1600" dirty="0"/>
+              <a:t>, …, </a:t>
+            </a:r>
+            <a:r>
+              <a:rPr lang="en-US" sz="1600" i="1" dirty="0">
+                <a:latin typeface="APPLE CHANCERY" panose="03020702040506060504" pitchFamily="66" charset="-79"/>
+                <a:cs typeface="APPLE CHANCERY" panose="03020702040506060504" pitchFamily="66" charset="-79"/>
+              </a:rPr>
+              <a:t>l</a:t>
+            </a:r>
+            <a:r>
+              <a:rPr lang="en-US" sz="1600" dirty="0"/>
+              <a:t> </a:t>
+            </a:r>
+            <a:r>
+              <a:rPr lang="en-US" sz="1600" baseline="-25000" dirty="0"/>
+              <a:t>S1_Mn</a:t>
+            </a:r>
+            <a:r>
+              <a:rPr lang="en-US" sz="1600" dirty="0"/>
+              <a:t>]</a:t>
+            </a:r>
+            <a:endParaRPr lang="en-US" dirty="0"/>
+          </a:p>
+        </p:txBody>
+      </p:sp>
+      <p:sp>
+        <p:nvSpPr>
+          <p:cNvPr id="148" name="Rectangle 147">
+            <a:extLst>
+              <a:ext uri="{FF2B5EF4-FFF2-40B4-BE49-F238E27FC236}">
+                <a16:creationId xmlns:a16="http://schemas.microsoft.com/office/drawing/2014/main" id="{C2DE7BA1-4B06-2E3D-3ECE-7A25350BF9E3}"/>
+              </a:ext>
+            </a:extLst>
+          </p:cNvPr>
+          <p:cNvSpPr/>
+          <p:nvPr/>
+        </p:nvSpPr>
+        <p:spPr>
+          <a:xfrm>
+            <a:off x="6126463" y="4270426"/>
+            <a:ext cx="2210749" cy="292230"/>
+          </a:xfrm>
+          <a:prstGeom prst="rect">
+            <a:avLst/>
+          </a:prstGeom>
+          <a:noFill/>
+        </p:spPr>
+        <p:style>
+          <a:lnRef idx="2">
+            <a:schemeClr val="dk1"/>
+          </a:lnRef>
+          <a:fillRef idx="1">
+            <a:schemeClr val="lt1"/>
+          </a:fillRef>
+          <a:effectRef idx="0">
+            <a:schemeClr val="dk1"/>
+          </a:effectRef>
+          <a:fontRef idx="minor">
+            <a:schemeClr val="dk1"/>
+          </a:fontRef>
+        </p:style>
+        <p:txBody>
+          <a:bodyPr rtlCol="0" anchor="ctr"/>
+          <a:lstStyle/>
+          <a:p>
+            <a:pPr algn="ctr"/>
+            <a:r>
+              <a:rPr lang="en-US" sz="1600" dirty="0"/>
+              <a:t>[</a:t>
+            </a:r>
+            <a:r>
+              <a:rPr lang="en-US" sz="1600" i="1" dirty="0">
+                <a:latin typeface="APPLE CHANCERY" panose="03020702040506060504" pitchFamily="66" charset="-79"/>
+                <a:cs typeface="APPLE CHANCERY" panose="03020702040506060504" pitchFamily="66" charset="-79"/>
+              </a:rPr>
+              <a:t>l</a:t>
+            </a:r>
+            <a:r>
+              <a:rPr lang="en-US" sz="1600" dirty="0"/>
+              <a:t> </a:t>
+            </a:r>
+            <a:r>
+              <a:rPr lang="en-US" sz="1600" baseline="-25000" dirty="0"/>
+              <a:t>S2_M1</a:t>
+            </a:r>
+            <a:r>
+              <a:rPr lang="en-US" sz="1600" dirty="0"/>
+              <a:t>, </a:t>
+            </a:r>
+            <a:r>
+              <a:rPr lang="en-US" sz="1600" i="1" dirty="0">
+                <a:latin typeface="APPLE CHANCERY" panose="03020702040506060504" pitchFamily="66" charset="-79"/>
+                <a:cs typeface="APPLE CHANCERY" panose="03020702040506060504" pitchFamily="66" charset="-79"/>
+              </a:rPr>
+              <a:t>l</a:t>
+            </a:r>
+            <a:r>
+              <a:rPr lang="en-US" sz="1600" dirty="0"/>
+              <a:t> </a:t>
+            </a:r>
+            <a:r>
+              <a:rPr lang="en-US" sz="1600" baseline="-25000" dirty="0"/>
+              <a:t>S2_M2</a:t>
+            </a:r>
+            <a:r>
+              <a:rPr lang="en-US" sz="1600" dirty="0"/>
+              <a:t>, …, </a:t>
+            </a:r>
+            <a:r>
+              <a:rPr lang="en-US" sz="1600" i="1" dirty="0">
+                <a:latin typeface="APPLE CHANCERY" panose="03020702040506060504" pitchFamily="66" charset="-79"/>
+                <a:cs typeface="APPLE CHANCERY" panose="03020702040506060504" pitchFamily="66" charset="-79"/>
+              </a:rPr>
+              <a:t>l</a:t>
+            </a:r>
+            <a:r>
+              <a:rPr lang="en-US" sz="1600" dirty="0"/>
+              <a:t> </a:t>
+            </a:r>
+            <a:r>
+              <a:rPr lang="en-US" sz="1600" baseline="-25000" dirty="0"/>
+              <a:t>S2_Mn</a:t>
+            </a:r>
+            <a:r>
+              <a:rPr lang="en-US" sz="1600" dirty="0"/>
+              <a:t>]</a:t>
+            </a:r>
+            <a:endParaRPr lang="en-US" dirty="0"/>
+          </a:p>
+        </p:txBody>
+      </p:sp>
+      <p:sp>
+        <p:nvSpPr>
+          <p:cNvPr id="149" name="Rectangle 148">
+            <a:extLst>
+              <a:ext uri="{FF2B5EF4-FFF2-40B4-BE49-F238E27FC236}">
+                <a16:creationId xmlns:a16="http://schemas.microsoft.com/office/drawing/2014/main" id="{291229C0-3727-333E-7B4B-F96BDDFF9894}"/>
+              </a:ext>
+            </a:extLst>
+          </p:cNvPr>
+          <p:cNvSpPr/>
+          <p:nvPr/>
+        </p:nvSpPr>
+        <p:spPr>
+          <a:xfrm>
+            <a:off x="6126463" y="5146033"/>
+            <a:ext cx="2210749" cy="292230"/>
+          </a:xfrm>
+          <a:prstGeom prst="rect">
+            <a:avLst/>
+          </a:prstGeom>
+          <a:noFill/>
+        </p:spPr>
+        <p:style>
+          <a:lnRef idx="2">
+            <a:schemeClr val="dk1"/>
+          </a:lnRef>
+          <a:fillRef idx="1">
+            <a:schemeClr val="lt1"/>
+          </a:fillRef>
+          <a:effectRef idx="0">
+            <a:schemeClr val="dk1"/>
+          </a:effectRef>
+          <a:fontRef idx="minor">
+            <a:schemeClr val="dk1"/>
+          </a:fontRef>
+        </p:style>
+        <p:txBody>
+          <a:bodyPr rtlCol="0" anchor="ctr"/>
+          <a:lstStyle/>
+          <a:p>
+            <a:pPr algn="ctr"/>
+            <a:r>
+              <a:rPr lang="en-US" sz="1600" dirty="0"/>
+              <a:t>[</a:t>
+            </a:r>
+            <a:r>
+              <a:rPr lang="en-US" sz="1600" i="1" dirty="0">
+                <a:latin typeface="APPLE CHANCERY" panose="03020702040506060504" pitchFamily="66" charset="-79"/>
+                <a:cs typeface="APPLE CHANCERY" panose="03020702040506060504" pitchFamily="66" charset="-79"/>
+              </a:rPr>
+              <a:t>l</a:t>
+            </a:r>
+            <a:r>
+              <a:rPr lang="en-US" sz="1600" dirty="0"/>
+              <a:t> </a:t>
+            </a:r>
+            <a:r>
+              <a:rPr lang="en-US" sz="1600" baseline="-25000" dirty="0"/>
+              <a:t>Sn_M1</a:t>
+            </a:r>
+            <a:r>
+              <a:rPr lang="en-US" sz="1600" dirty="0"/>
+              <a:t>, </a:t>
+            </a:r>
+            <a:r>
+              <a:rPr lang="en-US" sz="1600" i="1" dirty="0">
+                <a:latin typeface="APPLE CHANCERY" panose="03020702040506060504" pitchFamily="66" charset="-79"/>
+                <a:cs typeface="APPLE CHANCERY" panose="03020702040506060504" pitchFamily="66" charset="-79"/>
+              </a:rPr>
+              <a:t>l</a:t>
+            </a:r>
+            <a:r>
+              <a:rPr lang="en-US" sz="1600" dirty="0"/>
+              <a:t> </a:t>
+            </a:r>
+            <a:r>
+              <a:rPr lang="en-US" sz="1600" baseline="-25000" dirty="0"/>
+              <a:t>Sn_M2</a:t>
+            </a:r>
+            <a:r>
+              <a:rPr lang="en-US" sz="1600" dirty="0"/>
+              <a:t>, …, </a:t>
+            </a:r>
+            <a:r>
+              <a:rPr lang="en-US" sz="1600" i="1" dirty="0">
+                <a:latin typeface="APPLE CHANCERY" panose="03020702040506060504" pitchFamily="66" charset="-79"/>
+                <a:cs typeface="APPLE CHANCERY" panose="03020702040506060504" pitchFamily="66" charset="-79"/>
+              </a:rPr>
+              <a:t>l</a:t>
+            </a:r>
+            <a:r>
+              <a:rPr lang="en-US" sz="1600" dirty="0"/>
+              <a:t> </a:t>
+            </a:r>
+            <a:r>
+              <a:rPr lang="en-US" sz="1600" baseline="-25000" dirty="0" err="1"/>
+              <a:t>Sn_Mn</a:t>
+            </a:r>
+            <a:r>
+              <a:rPr lang="en-US" sz="1600" dirty="0"/>
+              <a:t>]</a:t>
+            </a:r>
+            <a:endParaRPr lang="en-US" dirty="0"/>
+          </a:p>
+        </p:txBody>
+      </p:sp>
+      <p:sp>
+        <p:nvSpPr>
+          <p:cNvPr id="150" name="Oval 149">
+            <a:extLst>
+              <a:ext uri="{FF2B5EF4-FFF2-40B4-BE49-F238E27FC236}">
+                <a16:creationId xmlns:a16="http://schemas.microsoft.com/office/drawing/2014/main" id="{01B4820C-E1CD-2B34-4661-AABC256E6EED}"/>
+              </a:ext>
+            </a:extLst>
+          </p:cNvPr>
+          <p:cNvSpPr/>
+          <p:nvPr/>
+        </p:nvSpPr>
+        <p:spPr>
+          <a:xfrm>
+            <a:off x="7192707" y="4806418"/>
+            <a:ext cx="86952" cy="86952"/>
+          </a:xfrm>
+          <a:prstGeom prst="ellipse">
+            <a:avLst/>
+          </a:prstGeom>
+          <a:solidFill>
+            <a:schemeClr val="tx1"/>
+          </a:solidFill>
+          <a:ln>
+            <a:noFill/>
+          </a:ln>
+        </p:spPr>
+        <p:style>
+          <a:lnRef idx="2">
+            <a:schemeClr val="dk1">
+              <a:shade val="15000"/>
+            </a:schemeClr>
+          </a:lnRef>
+          <a:fillRef idx="1">
+            <a:schemeClr val="dk1"/>
+          </a:fillRef>
+          <a:effectRef idx="0">
+            <a:schemeClr val="dk1"/>
+          </a:effectRef>
+          <a:fontRef idx="minor">
+            <a:schemeClr val="lt1"/>
+          </a:fontRef>
+        </p:style>
+        <p:txBody>
+          <a:bodyPr rtlCol="0" anchor="ctr"/>
+          <a:lstStyle/>
+          <a:p>
+            <a:pPr algn="ctr"/>
+            <a:endParaRPr lang="en-US"/>
+          </a:p>
+        </p:txBody>
+      </p:sp>
+      <p:sp>
+        <p:nvSpPr>
+          <p:cNvPr id="151" name="Oval 150">
+            <a:extLst>
+              <a:ext uri="{FF2B5EF4-FFF2-40B4-BE49-F238E27FC236}">
+                <a16:creationId xmlns:a16="http://schemas.microsoft.com/office/drawing/2014/main" id="{6609F299-1BF9-E0EE-637E-07DDD281B16E}"/>
+              </a:ext>
+            </a:extLst>
+          </p:cNvPr>
+          <p:cNvSpPr/>
+          <p:nvPr/>
+        </p:nvSpPr>
+        <p:spPr>
+          <a:xfrm>
+            <a:off x="7192707" y="4955182"/>
+            <a:ext cx="86952" cy="86952"/>
+          </a:xfrm>
+          <a:prstGeom prst="ellipse">
+            <a:avLst/>
+          </a:prstGeom>
+          <a:solidFill>
+            <a:schemeClr val="tx1"/>
+          </a:solidFill>
+          <a:ln>
+            <a:noFill/>
+          </a:ln>
+        </p:spPr>
+        <p:style>
+          <a:lnRef idx="2">
+            <a:schemeClr val="dk1">
+              <a:shade val="15000"/>
+            </a:schemeClr>
+          </a:lnRef>
+          <a:fillRef idx="1">
+            <a:schemeClr val="dk1"/>
+          </a:fillRef>
+          <a:effectRef idx="0">
+            <a:schemeClr val="dk1"/>
+          </a:effectRef>
+          <a:fontRef idx="minor">
+            <a:schemeClr val="lt1"/>
+          </a:fontRef>
+        </p:style>
+        <p:txBody>
+          <a:bodyPr rtlCol="0" anchor="ctr"/>
+          <a:lstStyle/>
+          <a:p>
+            <a:pPr algn="ctr"/>
+            <a:endParaRPr lang="en-US"/>
+          </a:p>
+        </p:txBody>
+      </p:sp>
+      <p:cxnSp>
+        <p:nvCxnSpPr>
+          <p:cNvPr id="182" name="Elbow Connector 181">
+            <a:extLst>
+              <a:ext uri="{FF2B5EF4-FFF2-40B4-BE49-F238E27FC236}">
+                <a16:creationId xmlns:a16="http://schemas.microsoft.com/office/drawing/2014/main" id="{94DB3F9C-4909-6C2B-B496-288C8FFD8DB7}"/>
+              </a:ext>
+            </a:extLst>
+          </p:cNvPr>
+          <p:cNvCxnSpPr>
+            <a:cxnSpLocks/>
+            <a:endCxn id="149" idx="1"/>
+          </p:cNvCxnSpPr>
+          <p:nvPr/>
+        </p:nvCxnSpPr>
+        <p:spPr>
+          <a:xfrm>
+            <a:off x="5231993" y="4666555"/>
+            <a:ext cx="894470" cy="625593"/>
           </a:xfrm>
           <a:prstGeom prst="bentConnector3">
             <a:avLst>
-              <a:gd name="adj1" fmla="val 37354"/>
+              <a:gd name="adj1" fmla="val 50000"/>
+            </a:avLst>
+          </a:prstGeom>
+          <a:ln w="38100" cap="flat" cmpd="sng" algn="ctr">
+            <a:solidFill>
+              <a:schemeClr val="tx1"/>
+            </a:solidFill>
+            <a:prstDash val="solid"/>
+            <a:round/>
+            <a:headEnd type="none" w="med" len="med"/>
+            <a:tailEnd type="arrow" w="med" len="med"/>
+          </a:ln>
+        </p:spPr>
+        <p:style>
+          <a:lnRef idx="0">
+            <a:scrgbClr r="0" g="0" b="0"/>
+          </a:lnRef>
+          <a:fillRef idx="0">
+            <a:scrgbClr r="0" g="0" b="0"/>
+          </a:fillRef>
+          <a:effectRef idx="0">
+            <a:scrgbClr r="0" g="0" b="0"/>
+          </a:effectRef>
+          <a:fontRef idx="minor">
+            <a:schemeClr val="tx1"/>
+          </a:fontRef>
+        </p:style>
+      </p:cxnSp>
+      <p:sp>
+        <p:nvSpPr>
+          <p:cNvPr id="225" name="Rectangle 224">
+            <a:extLst>
+              <a:ext uri="{FF2B5EF4-FFF2-40B4-BE49-F238E27FC236}">
+                <a16:creationId xmlns:a16="http://schemas.microsoft.com/office/drawing/2014/main" id="{84EA15FD-FD0B-BE6A-C70D-3EDE72B9BE6C}"/>
+              </a:ext>
+            </a:extLst>
+          </p:cNvPr>
+          <p:cNvSpPr/>
+          <p:nvPr/>
+        </p:nvSpPr>
+        <p:spPr>
+          <a:xfrm>
+            <a:off x="8530741" y="3721490"/>
+            <a:ext cx="396543" cy="287121"/>
+          </a:xfrm>
+          <a:prstGeom prst="rect">
+            <a:avLst/>
+          </a:prstGeom>
+          <a:noFill/>
+        </p:spPr>
+        <p:style>
+          <a:lnRef idx="2">
+            <a:schemeClr val="dk1"/>
+          </a:lnRef>
+          <a:fillRef idx="1">
+            <a:schemeClr val="lt1"/>
+          </a:fillRef>
+          <a:effectRef idx="0">
+            <a:schemeClr val="dk1"/>
+          </a:effectRef>
+          <a:fontRef idx="minor">
+            <a:schemeClr val="dk1"/>
+          </a:fontRef>
+        </p:style>
+        <p:txBody>
+          <a:bodyPr rtlCol="0" anchor="ctr"/>
+          <a:lstStyle/>
+          <a:p>
+            <a:pPr algn="ctr"/>
+            <a:r>
+              <a:rPr lang="en-US" sz="1600" i="1" dirty="0">
+                <a:latin typeface="APPLE CHANCERY" panose="03020702040506060504" pitchFamily="66" charset="-79"/>
+                <a:cs typeface="APPLE CHANCERY" panose="03020702040506060504" pitchFamily="66" charset="-79"/>
+              </a:rPr>
+              <a:t>l</a:t>
+            </a:r>
+            <a:r>
+              <a:rPr lang="en-US" sz="1600" i="1" baseline="-25000" dirty="0"/>
+              <a:t>1</a:t>
+            </a:r>
+            <a:endParaRPr lang="en-US" sz="2400" i="1" baseline="-25000" dirty="0"/>
+          </a:p>
+        </p:txBody>
+      </p:sp>
+      <p:cxnSp>
+        <p:nvCxnSpPr>
+          <p:cNvPr id="229" name="Straight Arrow Connector 228">
+            <a:extLst>
+              <a:ext uri="{FF2B5EF4-FFF2-40B4-BE49-F238E27FC236}">
+                <a16:creationId xmlns:a16="http://schemas.microsoft.com/office/drawing/2014/main" id="{62CCDADE-21FA-E995-DA81-19E65AD54B8D}"/>
+              </a:ext>
+            </a:extLst>
+          </p:cNvPr>
+          <p:cNvCxnSpPr>
+            <a:cxnSpLocks/>
+            <a:endCxn id="230" idx="1"/>
+          </p:cNvCxnSpPr>
+          <p:nvPr/>
+        </p:nvCxnSpPr>
+        <p:spPr>
+          <a:xfrm>
+            <a:off x="8337212" y="4410789"/>
+            <a:ext cx="193529" cy="2555"/>
+          </a:xfrm>
+          <a:prstGeom prst="straightConnector1">
+            <a:avLst/>
+          </a:prstGeom>
+          <a:ln w="38100" cap="flat" cmpd="sng" algn="ctr">
+            <a:solidFill>
+              <a:schemeClr val="tx1"/>
+            </a:solidFill>
+            <a:prstDash val="solid"/>
+            <a:round/>
+            <a:headEnd type="none" w="med" len="med"/>
+            <a:tailEnd type="arrow" w="med" len="med"/>
+          </a:ln>
+          <a:effectLst/>
+        </p:spPr>
+        <p:style>
+          <a:lnRef idx="2">
+            <a:schemeClr val="accent1"/>
+          </a:lnRef>
+          <a:fillRef idx="0">
+            <a:schemeClr val="accent1"/>
+          </a:fillRef>
+          <a:effectRef idx="1">
+            <a:schemeClr val="accent1"/>
+          </a:effectRef>
+          <a:fontRef idx="minor">
+            <a:schemeClr val="tx1"/>
+          </a:fontRef>
+        </p:style>
+      </p:cxnSp>
+      <p:sp>
+        <p:nvSpPr>
+          <p:cNvPr id="230" name="Rectangle 229">
+            <a:extLst>
+              <a:ext uri="{FF2B5EF4-FFF2-40B4-BE49-F238E27FC236}">
+                <a16:creationId xmlns:a16="http://schemas.microsoft.com/office/drawing/2014/main" id="{0C677D7E-4937-AFC8-E6AF-6473F13C8366}"/>
+              </a:ext>
+            </a:extLst>
+          </p:cNvPr>
+          <p:cNvSpPr/>
+          <p:nvPr/>
+        </p:nvSpPr>
+        <p:spPr>
+          <a:xfrm>
+            <a:off x="8530741" y="4269783"/>
+            <a:ext cx="396543" cy="287121"/>
+          </a:xfrm>
+          <a:prstGeom prst="rect">
+            <a:avLst/>
+          </a:prstGeom>
+          <a:noFill/>
+        </p:spPr>
+        <p:style>
+          <a:lnRef idx="2">
+            <a:schemeClr val="dk1"/>
+          </a:lnRef>
+          <a:fillRef idx="1">
+            <a:schemeClr val="lt1"/>
+          </a:fillRef>
+          <a:effectRef idx="0">
+            <a:schemeClr val="dk1"/>
+          </a:effectRef>
+          <a:fontRef idx="minor">
+            <a:schemeClr val="dk1"/>
+          </a:fontRef>
+        </p:style>
+        <p:txBody>
+          <a:bodyPr rtlCol="0" anchor="ctr"/>
+          <a:lstStyle/>
+          <a:p>
+            <a:pPr algn="ctr"/>
+            <a:r>
+              <a:rPr lang="en-US" sz="1600" i="1" dirty="0">
+                <a:latin typeface="APPLE CHANCERY" panose="03020702040506060504" pitchFamily="66" charset="-79"/>
+                <a:cs typeface="APPLE CHANCERY" panose="03020702040506060504" pitchFamily="66" charset="-79"/>
+              </a:rPr>
+              <a:t>l</a:t>
+            </a:r>
+            <a:r>
+              <a:rPr lang="en-US" sz="1600" i="1" baseline="-25000" dirty="0"/>
+              <a:t>2</a:t>
+            </a:r>
+            <a:endParaRPr lang="en-US" sz="2400" i="1" baseline="-25000" dirty="0"/>
+          </a:p>
+        </p:txBody>
+      </p:sp>
+      <p:cxnSp>
+        <p:nvCxnSpPr>
+          <p:cNvPr id="231" name="Straight Arrow Connector 230">
+            <a:extLst>
+              <a:ext uri="{FF2B5EF4-FFF2-40B4-BE49-F238E27FC236}">
+                <a16:creationId xmlns:a16="http://schemas.microsoft.com/office/drawing/2014/main" id="{FB62B6C6-5D26-BB31-7DDC-5B05F8C98314}"/>
+              </a:ext>
+            </a:extLst>
+          </p:cNvPr>
+          <p:cNvCxnSpPr>
+            <a:cxnSpLocks/>
+            <a:endCxn id="232" idx="1"/>
+          </p:cNvCxnSpPr>
+          <p:nvPr/>
+        </p:nvCxnSpPr>
+        <p:spPr>
+          <a:xfrm>
+            <a:off x="8337212" y="5287039"/>
+            <a:ext cx="193529" cy="2555"/>
+          </a:xfrm>
+          <a:prstGeom prst="straightConnector1">
+            <a:avLst/>
+          </a:prstGeom>
+          <a:ln w="38100" cap="flat" cmpd="sng" algn="ctr">
+            <a:solidFill>
+              <a:schemeClr val="tx1"/>
+            </a:solidFill>
+            <a:prstDash val="solid"/>
+            <a:round/>
+            <a:headEnd type="none" w="med" len="med"/>
+            <a:tailEnd type="arrow" w="med" len="med"/>
+          </a:ln>
+          <a:effectLst/>
+        </p:spPr>
+        <p:style>
+          <a:lnRef idx="2">
+            <a:schemeClr val="accent1"/>
+          </a:lnRef>
+          <a:fillRef idx="0">
+            <a:schemeClr val="accent1"/>
+          </a:fillRef>
+          <a:effectRef idx="1">
+            <a:schemeClr val="accent1"/>
+          </a:effectRef>
+          <a:fontRef idx="minor">
+            <a:schemeClr val="tx1"/>
+          </a:fontRef>
+        </p:style>
+      </p:cxnSp>
+      <p:sp>
+        <p:nvSpPr>
+          <p:cNvPr id="232" name="Rectangle 231">
+            <a:extLst>
+              <a:ext uri="{FF2B5EF4-FFF2-40B4-BE49-F238E27FC236}">
+                <a16:creationId xmlns:a16="http://schemas.microsoft.com/office/drawing/2014/main" id="{05AF38B0-866A-58F2-5A94-5E2C2D0A4992}"/>
+              </a:ext>
+            </a:extLst>
+          </p:cNvPr>
+          <p:cNvSpPr/>
+          <p:nvPr/>
+        </p:nvSpPr>
+        <p:spPr>
+          <a:xfrm>
+            <a:off x="8530741" y="5146033"/>
+            <a:ext cx="396543" cy="287121"/>
+          </a:xfrm>
+          <a:prstGeom prst="rect">
+            <a:avLst/>
+          </a:prstGeom>
+          <a:noFill/>
+        </p:spPr>
+        <p:style>
+          <a:lnRef idx="2">
+            <a:schemeClr val="dk1"/>
+          </a:lnRef>
+          <a:fillRef idx="1">
+            <a:schemeClr val="lt1"/>
+          </a:fillRef>
+          <a:effectRef idx="0">
+            <a:schemeClr val="dk1"/>
+          </a:effectRef>
+          <a:fontRef idx="minor">
+            <a:schemeClr val="dk1"/>
+          </a:fontRef>
+        </p:style>
+        <p:txBody>
+          <a:bodyPr rtlCol="0" anchor="ctr"/>
+          <a:lstStyle/>
+          <a:p>
+            <a:pPr algn="ctr"/>
+            <a:r>
+              <a:rPr lang="en-US" sz="1600" i="1" dirty="0">
+                <a:latin typeface="APPLE CHANCERY" panose="03020702040506060504" pitchFamily="66" charset="-79"/>
+                <a:cs typeface="APPLE CHANCERY" panose="03020702040506060504" pitchFamily="66" charset="-79"/>
+              </a:rPr>
+              <a:t>l</a:t>
+            </a:r>
+            <a:r>
+              <a:rPr lang="en-US" sz="1600" i="1" baseline="-25000" dirty="0"/>
+              <a:t>n</a:t>
+            </a:r>
+            <a:endParaRPr lang="en-US" sz="2400" i="1" baseline="-25000" dirty="0"/>
+          </a:p>
+        </p:txBody>
+      </p:sp>
+      <p:cxnSp>
+        <p:nvCxnSpPr>
+          <p:cNvPr id="16" name="Straight Arrow Connector 15">
+            <a:extLst>
+              <a:ext uri="{FF2B5EF4-FFF2-40B4-BE49-F238E27FC236}">
+                <a16:creationId xmlns:a16="http://schemas.microsoft.com/office/drawing/2014/main" id="{9314D1DF-48FC-E0E9-F295-689D0A05DF9C}"/>
+              </a:ext>
+            </a:extLst>
+          </p:cNvPr>
+          <p:cNvCxnSpPr>
+            <a:cxnSpLocks/>
+            <a:stCxn id="49" idx="3"/>
+            <a:endCxn id="148" idx="1"/>
+          </p:cNvCxnSpPr>
+          <p:nvPr/>
+        </p:nvCxnSpPr>
+        <p:spPr>
+          <a:xfrm flipV="1">
+            <a:off x="5231993" y="4416541"/>
+            <a:ext cx="894470" cy="6349"/>
+          </a:xfrm>
+          <a:prstGeom prst="straightConnector1">
+            <a:avLst/>
+          </a:prstGeom>
+          <a:ln w="38100" cap="flat" cmpd="sng" algn="ctr">
+            <a:solidFill>
+              <a:schemeClr val="tx1"/>
+            </a:solidFill>
+            <a:prstDash val="solid"/>
+            <a:round/>
+            <a:headEnd type="none" w="med" len="med"/>
+            <a:tailEnd type="arrow" w="med" len="med"/>
+          </a:ln>
+          <a:effectLst/>
+        </p:spPr>
+        <p:style>
+          <a:lnRef idx="2">
+            <a:schemeClr val="accent1"/>
+          </a:lnRef>
+          <a:fillRef idx="0">
+            <a:schemeClr val="accent1"/>
+          </a:fillRef>
+          <a:effectRef idx="1">
+            <a:schemeClr val="accent1"/>
+          </a:effectRef>
+          <a:fontRef idx="minor">
+            <a:schemeClr val="tx1"/>
+          </a:fontRef>
+        </p:style>
+      </p:cxnSp>
+      <p:sp>
+        <p:nvSpPr>
+          <p:cNvPr id="20" name="Oval 19">
+            <a:extLst>
+              <a:ext uri="{FF2B5EF4-FFF2-40B4-BE49-F238E27FC236}">
+                <a16:creationId xmlns:a16="http://schemas.microsoft.com/office/drawing/2014/main" id="{2F7CBA78-B5C5-18D9-D94F-795715090B66}"/>
+              </a:ext>
+            </a:extLst>
+          </p:cNvPr>
+          <p:cNvSpPr/>
+          <p:nvPr/>
+        </p:nvSpPr>
+        <p:spPr>
+          <a:xfrm>
+            <a:off x="2395983" y="4693020"/>
+            <a:ext cx="86952" cy="86952"/>
+          </a:xfrm>
+          <a:prstGeom prst="ellipse">
+            <a:avLst/>
+          </a:prstGeom>
+          <a:solidFill>
+            <a:schemeClr val="tx1"/>
+          </a:solidFill>
+          <a:ln>
+            <a:noFill/>
+          </a:ln>
+        </p:spPr>
+        <p:style>
+          <a:lnRef idx="2">
+            <a:schemeClr val="dk1">
+              <a:shade val="15000"/>
+            </a:schemeClr>
+          </a:lnRef>
+          <a:fillRef idx="1">
+            <a:schemeClr val="dk1"/>
+          </a:fillRef>
+          <a:effectRef idx="0">
+            <a:schemeClr val="dk1"/>
+          </a:effectRef>
+          <a:fontRef idx="minor">
+            <a:schemeClr val="lt1"/>
+          </a:fontRef>
+        </p:style>
+        <p:txBody>
+          <a:bodyPr rtlCol="0" anchor="ctr"/>
+          <a:lstStyle/>
+          <a:p>
+            <a:pPr algn="ctr"/>
+            <a:endParaRPr lang="en-US"/>
+          </a:p>
+        </p:txBody>
+      </p:sp>
+      <p:sp>
+        <p:nvSpPr>
+          <p:cNvPr id="21" name="Oval 20">
+            <a:extLst>
+              <a:ext uri="{FF2B5EF4-FFF2-40B4-BE49-F238E27FC236}">
+                <a16:creationId xmlns:a16="http://schemas.microsoft.com/office/drawing/2014/main" id="{4EBD7594-45F9-39A8-9B76-6F52BE82CF2F}"/>
+              </a:ext>
+            </a:extLst>
+          </p:cNvPr>
+          <p:cNvSpPr/>
+          <p:nvPr/>
+        </p:nvSpPr>
+        <p:spPr>
+          <a:xfrm>
+            <a:off x="7192707" y="4659043"/>
+            <a:ext cx="86952" cy="86952"/>
+          </a:xfrm>
+          <a:prstGeom prst="ellipse">
+            <a:avLst/>
+          </a:prstGeom>
+          <a:solidFill>
+            <a:schemeClr val="tx1"/>
+          </a:solidFill>
+          <a:ln>
+            <a:noFill/>
+          </a:ln>
+        </p:spPr>
+        <p:style>
+          <a:lnRef idx="2">
+            <a:schemeClr val="dk1">
+              <a:shade val="15000"/>
+            </a:schemeClr>
+          </a:lnRef>
+          <a:fillRef idx="1">
+            <a:schemeClr val="dk1"/>
+          </a:fillRef>
+          <a:effectRef idx="0">
+            <a:schemeClr val="dk1"/>
+          </a:effectRef>
+          <a:fontRef idx="minor">
+            <a:schemeClr val="lt1"/>
+          </a:fontRef>
+        </p:style>
+        <p:txBody>
+          <a:bodyPr rtlCol="0" anchor="ctr"/>
+          <a:lstStyle/>
+          <a:p>
+            <a:pPr algn="ctr"/>
+            <a:endParaRPr lang="en-US"/>
+          </a:p>
+        </p:txBody>
+      </p:sp>
+      <p:sp>
+        <p:nvSpPr>
+          <p:cNvPr id="22" name="Oval 21">
+            <a:extLst>
+              <a:ext uri="{FF2B5EF4-FFF2-40B4-BE49-F238E27FC236}">
+                <a16:creationId xmlns:a16="http://schemas.microsoft.com/office/drawing/2014/main" id="{04A20878-C716-71F3-D4CA-0390C7B0FD25}"/>
+              </a:ext>
+            </a:extLst>
+          </p:cNvPr>
+          <p:cNvSpPr/>
+          <p:nvPr/>
+        </p:nvSpPr>
+        <p:spPr>
+          <a:xfrm>
+            <a:off x="4595512" y="2444237"/>
+            <a:ext cx="86952" cy="86952"/>
+          </a:xfrm>
+          <a:prstGeom prst="ellipse">
+            <a:avLst/>
+          </a:prstGeom>
+          <a:solidFill>
+            <a:schemeClr val="tx1"/>
+          </a:solidFill>
+          <a:ln>
+            <a:noFill/>
+          </a:ln>
+        </p:spPr>
+        <p:style>
+          <a:lnRef idx="2">
+            <a:schemeClr val="dk1">
+              <a:shade val="15000"/>
+            </a:schemeClr>
+          </a:lnRef>
+          <a:fillRef idx="1">
+            <a:schemeClr val="dk1"/>
+          </a:fillRef>
+          <a:effectRef idx="0">
+            <a:schemeClr val="dk1"/>
+          </a:effectRef>
+          <a:fontRef idx="minor">
+            <a:schemeClr val="lt1"/>
+          </a:fontRef>
+        </p:style>
+        <p:txBody>
+          <a:bodyPr rtlCol="0" anchor="ctr"/>
+          <a:lstStyle/>
+          <a:p>
+            <a:pPr algn="ctr"/>
+            <a:endParaRPr lang="en-US"/>
+          </a:p>
+        </p:txBody>
+      </p:sp>
+      <p:sp>
+        <p:nvSpPr>
+          <p:cNvPr id="23" name="Oval 22">
+            <a:extLst>
+              <a:ext uri="{FF2B5EF4-FFF2-40B4-BE49-F238E27FC236}">
+                <a16:creationId xmlns:a16="http://schemas.microsoft.com/office/drawing/2014/main" id="{2C0778CE-A8FB-39AD-2282-FF3A0C711A0A}"/>
+              </a:ext>
+            </a:extLst>
+          </p:cNvPr>
+          <p:cNvSpPr/>
+          <p:nvPr/>
+        </p:nvSpPr>
+        <p:spPr>
+          <a:xfrm>
+            <a:off x="4724466" y="2444237"/>
+            <a:ext cx="86952" cy="86952"/>
+          </a:xfrm>
+          <a:prstGeom prst="ellipse">
+            <a:avLst/>
+          </a:prstGeom>
+          <a:solidFill>
+            <a:schemeClr val="tx1"/>
+          </a:solidFill>
+          <a:ln>
+            <a:noFill/>
+          </a:ln>
+        </p:spPr>
+        <p:style>
+          <a:lnRef idx="2">
+            <a:schemeClr val="dk1">
+              <a:shade val="15000"/>
+            </a:schemeClr>
+          </a:lnRef>
+          <a:fillRef idx="1">
+            <a:schemeClr val="dk1"/>
+          </a:fillRef>
+          <a:effectRef idx="0">
+            <a:schemeClr val="dk1"/>
+          </a:effectRef>
+          <a:fontRef idx="minor">
+            <a:schemeClr val="lt1"/>
+          </a:fontRef>
+        </p:style>
+        <p:txBody>
+          <a:bodyPr rtlCol="0" anchor="ctr"/>
+          <a:lstStyle/>
+          <a:p>
+            <a:pPr algn="ctr"/>
+            <a:endParaRPr lang="en-US"/>
+          </a:p>
+        </p:txBody>
+      </p:sp>
+      <p:cxnSp>
+        <p:nvCxnSpPr>
+          <p:cNvPr id="44" name="Elbow Connector 43">
+            <a:extLst>
+              <a:ext uri="{FF2B5EF4-FFF2-40B4-BE49-F238E27FC236}">
+                <a16:creationId xmlns:a16="http://schemas.microsoft.com/office/drawing/2014/main" id="{27081F1A-2DCE-5D4D-22A5-17DAC3C5C075}"/>
+              </a:ext>
+            </a:extLst>
+          </p:cNvPr>
+          <p:cNvCxnSpPr>
+            <a:cxnSpLocks/>
+            <a:stCxn id="6" idx="4"/>
+          </p:cNvCxnSpPr>
+          <p:nvPr/>
+        </p:nvCxnSpPr>
+        <p:spPr>
+          <a:xfrm>
+            <a:off x="2615861" y="3867626"/>
+            <a:ext cx="1126600" cy="314551"/>
+          </a:xfrm>
+          <a:prstGeom prst="bentConnector3">
+            <a:avLst>
+              <a:gd name="adj1" fmla="val 50000"/>
             </a:avLst>
           </a:prstGeom>
           <a:ln w="38100" cap="flat" cmpd="sng" algn="ctr">
@@ -4712,538 +5610,27 @@
       </p:cxnSp>
       <p:cxnSp>
         <p:nvCxnSpPr>
-          <p:cNvPr id="138" name="Elbow Connector 137">
-            <a:extLst>
-              <a:ext uri="{FF2B5EF4-FFF2-40B4-BE49-F238E27FC236}">
-                <a16:creationId xmlns:a16="http://schemas.microsoft.com/office/drawing/2014/main" id="{F460B346-C91F-25AA-6B6A-715136088192}"/>
+          <p:cNvPr id="47" name="Elbow Connector 46">
+            <a:extLst>
+              <a:ext uri="{FF2B5EF4-FFF2-40B4-BE49-F238E27FC236}">
+                <a16:creationId xmlns:a16="http://schemas.microsoft.com/office/drawing/2014/main" id="{2D6EA20F-7F9F-DA6E-3287-3E06B3C76036}"/>
               </a:ext>
             </a:extLst>
           </p:cNvPr>
           <p:cNvCxnSpPr>
             <a:cxnSpLocks/>
-            <a:stCxn id="6" idx="4"/>
+            <a:endCxn id="147" idx="1"/>
           </p:cNvCxnSpPr>
           <p:nvPr/>
         </p:nvCxnSpPr>
         <p:spPr>
-          <a:xfrm>
-            <a:off x="2890577" y="3057898"/>
-            <a:ext cx="231377" cy="1178918"/>
-          </a:xfrm>
-          <a:prstGeom prst="bentConnector2">
-            <a:avLst/>
-          </a:prstGeom>
-          <a:ln w="38100"/>
-        </p:spPr>
-        <p:style>
-          <a:lnRef idx="3">
-            <a:schemeClr val="dk1"/>
-          </a:lnRef>
-          <a:fillRef idx="0">
-            <a:schemeClr val="dk1"/>
-          </a:fillRef>
-          <a:effectRef idx="2">
-            <a:schemeClr val="dk1"/>
-          </a:effectRef>
-          <a:fontRef idx="minor">
-            <a:schemeClr val="tx1"/>
-          </a:fontRef>
-        </p:style>
-      </p:cxnSp>
-      <p:cxnSp>
-        <p:nvCxnSpPr>
-          <p:cNvPr id="141" name="Straight Arrow Connector 140">
-            <a:extLst>
-              <a:ext uri="{FF2B5EF4-FFF2-40B4-BE49-F238E27FC236}">
-                <a16:creationId xmlns:a16="http://schemas.microsoft.com/office/drawing/2014/main" id="{B1F66D7F-7414-6001-8B8D-245E69EC00E6}"/>
-              </a:ext>
-            </a:extLst>
-          </p:cNvPr>
-          <p:cNvCxnSpPr>
-            <a:cxnSpLocks/>
-          </p:cNvCxnSpPr>
-          <p:nvPr/>
-        </p:nvCxnSpPr>
-        <p:spPr>
-          <a:xfrm>
-            <a:off x="3101222" y="4232406"/>
-            <a:ext cx="210870" cy="0"/>
-          </a:xfrm>
-          <a:prstGeom prst="straightConnector1">
-            <a:avLst/>
-          </a:prstGeom>
-          <a:ln w="38100" cap="flat" cmpd="sng" algn="ctr">
-            <a:solidFill>
-              <a:schemeClr val="tx1"/>
-            </a:solidFill>
-            <a:prstDash val="solid"/>
-            <a:round/>
-            <a:headEnd type="none" w="med" len="med"/>
-            <a:tailEnd type="arrow" w="med" len="med"/>
-          </a:ln>
-          <a:effectLst/>
-        </p:spPr>
-        <p:style>
-          <a:lnRef idx="2">
-            <a:schemeClr val="accent1"/>
-          </a:lnRef>
-          <a:fillRef idx="0">
-            <a:schemeClr val="accent1"/>
-          </a:fillRef>
-          <a:effectRef idx="1">
-            <a:schemeClr val="accent1"/>
-          </a:effectRef>
-          <a:fontRef idx="minor">
-            <a:schemeClr val="tx1"/>
-          </a:fontRef>
-        </p:style>
-      </p:cxnSp>
-      <p:sp>
-        <p:nvSpPr>
-          <p:cNvPr id="147" name="Rectangle 146">
-            <a:extLst>
-              <a:ext uri="{FF2B5EF4-FFF2-40B4-BE49-F238E27FC236}">
-                <a16:creationId xmlns:a16="http://schemas.microsoft.com/office/drawing/2014/main" id="{43F7D83F-8C47-2E2F-00B0-5860609CD34A}"/>
-              </a:ext>
-            </a:extLst>
-          </p:cNvPr>
-          <p:cNvSpPr/>
-          <p:nvPr/>
-        </p:nvSpPr>
-        <p:spPr>
-          <a:xfrm>
-            <a:off x="5324151" y="2906653"/>
-            <a:ext cx="2210749" cy="292230"/>
-          </a:xfrm>
-          <a:prstGeom prst="rect">
-            <a:avLst/>
-          </a:prstGeom>
-          <a:noFill/>
-        </p:spPr>
-        <p:style>
-          <a:lnRef idx="2">
-            <a:schemeClr val="dk1"/>
-          </a:lnRef>
-          <a:fillRef idx="1">
-            <a:schemeClr val="lt1"/>
-          </a:fillRef>
-          <a:effectRef idx="0">
-            <a:schemeClr val="dk1"/>
-          </a:effectRef>
-          <a:fontRef idx="minor">
-            <a:schemeClr val="dk1"/>
-          </a:fontRef>
-        </p:style>
-        <p:txBody>
-          <a:bodyPr rtlCol="0" anchor="ctr"/>
-          <a:lstStyle/>
-          <a:p>
-            <a:pPr algn="ctr"/>
-            <a:r>
-              <a:rPr lang="en-US" sz="1600" dirty="0"/>
-              <a:t>[</a:t>
-            </a:r>
-            <a:r>
-              <a:rPr lang="en-US" sz="1600" i="1" dirty="0">
-                <a:latin typeface="APPLE CHANCERY" panose="03020702040506060504" pitchFamily="66" charset="-79"/>
-                <a:cs typeface="APPLE CHANCERY" panose="03020702040506060504" pitchFamily="66" charset="-79"/>
-              </a:rPr>
-              <a:t>l</a:t>
-            </a:r>
-            <a:r>
-              <a:rPr lang="en-US" sz="1600" dirty="0"/>
-              <a:t> </a:t>
-            </a:r>
-            <a:r>
-              <a:rPr lang="en-US" sz="1600" baseline="-25000" dirty="0"/>
-              <a:t>S1_M1</a:t>
-            </a:r>
-            <a:r>
-              <a:rPr lang="en-US" sz="1600" dirty="0"/>
-              <a:t>, </a:t>
-            </a:r>
-            <a:r>
-              <a:rPr lang="en-US" sz="1600" i="1" dirty="0">
-                <a:latin typeface="APPLE CHANCERY" panose="03020702040506060504" pitchFamily="66" charset="-79"/>
-                <a:cs typeface="APPLE CHANCERY" panose="03020702040506060504" pitchFamily="66" charset="-79"/>
-              </a:rPr>
-              <a:t>l</a:t>
-            </a:r>
-            <a:r>
-              <a:rPr lang="en-US" sz="1600" dirty="0"/>
-              <a:t> </a:t>
-            </a:r>
-            <a:r>
-              <a:rPr lang="en-US" sz="1600" baseline="-25000" dirty="0"/>
-              <a:t>S1_M2</a:t>
-            </a:r>
-            <a:r>
-              <a:rPr lang="en-US" sz="1600" dirty="0"/>
-              <a:t>, …, </a:t>
-            </a:r>
-            <a:r>
-              <a:rPr lang="en-US" sz="1600" i="1" dirty="0">
-                <a:latin typeface="APPLE CHANCERY" panose="03020702040506060504" pitchFamily="66" charset="-79"/>
-                <a:cs typeface="APPLE CHANCERY" panose="03020702040506060504" pitchFamily="66" charset="-79"/>
-              </a:rPr>
-              <a:t>l</a:t>
-            </a:r>
-            <a:r>
-              <a:rPr lang="en-US" sz="1600" dirty="0"/>
-              <a:t> </a:t>
-            </a:r>
-            <a:r>
-              <a:rPr lang="en-US" sz="1600" baseline="-25000" dirty="0"/>
-              <a:t>S1_Mn</a:t>
-            </a:r>
-            <a:r>
-              <a:rPr lang="en-US" sz="1600" dirty="0"/>
-              <a:t>]</a:t>
-            </a:r>
-            <a:endParaRPr lang="en-US" dirty="0"/>
-          </a:p>
-        </p:txBody>
-      </p:sp>
-      <p:sp>
-        <p:nvSpPr>
-          <p:cNvPr id="148" name="Rectangle 147">
-            <a:extLst>
-              <a:ext uri="{FF2B5EF4-FFF2-40B4-BE49-F238E27FC236}">
-                <a16:creationId xmlns:a16="http://schemas.microsoft.com/office/drawing/2014/main" id="{C2DE7BA1-4B06-2E3D-3ECE-7A25350BF9E3}"/>
-              </a:ext>
-            </a:extLst>
-          </p:cNvPr>
-          <p:cNvSpPr/>
-          <p:nvPr/>
-        </p:nvSpPr>
-        <p:spPr>
-          <a:xfrm>
-            <a:off x="5324151" y="3460698"/>
-            <a:ext cx="2210749" cy="292230"/>
-          </a:xfrm>
-          <a:prstGeom prst="rect">
-            <a:avLst/>
-          </a:prstGeom>
-          <a:noFill/>
-        </p:spPr>
-        <p:style>
-          <a:lnRef idx="2">
-            <a:schemeClr val="dk1"/>
-          </a:lnRef>
-          <a:fillRef idx="1">
-            <a:schemeClr val="lt1"/>
-          </a:fillRef>
-          <a:effectRef idx="0">
-            <a:schemeClr val="dk1"/>
-          </a:effectRef>
-          <a:fontRef idx="minor">
-            <a:schemeClr val="dk1"/>
-          </a:fontRef>
-        </p:style>
-        <p:txBody>
-          <a:bodyPr rtlCol="0" anchor="ctr"/>
-          <a:lstStyle/>
-          <a:p>
-            <a:pPr algn="ctr"/>
-            <a:r>
-              <a:rPr lang="en-US" sz="1600" dirty="0"/>
-              <a:t>[</a:t>
-            </a:r>
-            <a:r>
-              <a:rPr lang="en-US" sz="1600" i="1" dirty="0">
-                <a:latin typeface="APPLE CHANCERY" panose="03020702040506060504" pitchFamily="66" charset="-79"/>
-                <a:cs typeface="APPLE CHANCERY" panose="03020702040506060504" pitchFamily="66" charset="-79"/>
-              </a:rPr>
-              <a:t>l</a:t>
-            </a:r>
-            <a:r>
-              <a:rPr lang="en-US" sz="1600" dirty="0"/>
-              <a:t> </a:t>
-            </a:r>
-            <a:r>
-              <a:rPr lang="en-US" sz="1600" baseline="-25000" dirty="0"/>
-              <a:t>S2_M1</a:t>
-            </a:r>
-            <a:r>
-              <a:rPr lang="en-US" sz="1600" dirty="0"/>
-              <a:t>, </a:t>
-            </a:r>
-            <a:r>
-              <a:rPr lang="en-US" sz="1600" i="1" dirty="0">
-                <a:latin typeface="APPLE CHANCERY" panose="03020702040506060504" pitchFamily="66" charset="-79"/>
-                <a:cs typeface="APPLE CHANCERY" panose="03020702040506060504" pitchFamily="66" charset="-79"/>
-              </a:rPr>
-              <a:t>l</a:t>
-            </a:r>
-            <a:r>
-              <a:rPr lang="en-US" sz="1600" dirty="0"/>
-              <a:t> </a:t>
-            </a:r>
-            <a:r>
-              <a:rPr lang="en-US" sz="1600" baseline="-25000" dirty="0"/>
-              <a:t>S2_M2</a:t>
-            </a:r>
-            <a:r>
-              <a:rPr lang="en-US" sz="1600" dirty="0"/>
-              <a:t>, …, </a:t>
-            </a:r>
-            <a:r>
-              <a:rPr lang="en-US" sz="1600" i="1" dirty="0">
-                <a:latin typeface="APPLE CHANCERY" panose="03020702040506060504" pitchFamily="66" charset="-79"/>
-                <a:cs typeface="APPLE CHANCERY" panose="03020702040506060504" pitchFamily="66" charset="-79"/>
-              </a:rPr>
-              <a:t>l</a:t>
-            </a:r>
-            <a:r>
-              <a:rPr lang="en-US" sz="1600" dirty="0"/>
-              <a:t> </a:t>
-            </a:r>
-            <a:r>
-              <a:rPr lang="en-US" sz="1600" baseline="-25000" dirty="0"/>
-              <a:t>S2_Mn</a:t>
-            </a:r>
-            <a:r>
-              <a:rPr lang="en-US" sz="1600" dirty="0"/>
-              <a:t>]</a:t>
-            </a:r>
-            <a:endParaRPr lang="en-US" dirty="0"/>
-          </a:p>
-        </p:txBody>
-      </p:sp>
-      <p:sp>
-        <p:nvSpPr>
-          <p:cNvPr id="149" name="Rectangle 148">
-            <a:extLst>
-              <a:ext uri="{FF2B5EF4-FFF2-40B4-BE49-F238E27FC236}">
-                <a16:creationId xmlns:a16="http://schemas.microsoft.com/office/drawing/2014/main" id="{291229C0-3727-333E-7B4B-F96BDDFF9894}"/>
-              </a:ext>
-            </a:extLst>
-          </p:cNvPr>
-          <p:cNvSpPr/>
-          <p:nvPr/>
-        </p:nvSpPr>
-        <p:spPr>
-          <a:xfrm>
-            <a:off x="5324151" y="4336305"/>
-            <a:ext cx="2210749" cy="292230"/>
-          </a:xfrm>
-          <a:prstGeom prst="rect">
-            <a:avLst/>
-          </a:prstGeom>
-          <a:noFill/>
-        </p:spPr>
-        <p:style>
-          <a:lnRef idx="2">
-            <a:schemeClr val="dk1"/>
-          </a:lnRef>
-          <a:fillRef idx="1">
-            <a:schemeClr val="lt1"/>
-          </a:fillRef>
-          <a:effectRef idx="0">
-            <a:schemeClr val="dk1"/>
-          </a:effectRef>
-          <a:fontRef idx="minor">
-            <a:schemeClr val="dk1"/>
-          </a:fontRef>
-        </p:style>
-        <p:txBody>
-          <a:bodyPr rtlCol="0" anchor="ctr"/>
-          <a:lstStyle/>
-          <a:p>
-            <a:pPr algn="ctr"/>
-            <a:r>
-              <a:rPr lang="en-US" sz="1600" dirty="0"/>
-              <a:t>[</a:t>
-            </a:r>
-            <a:r>
-              <a:rPr lang="en-US" sz="1600" i="1" dirty="0">
-                <a:latin typeface="APPLE CHANCERY" panose="03020702040506060504" pitchFamily="66" charset="-79"/>
-                <a:cs typeface="APPLE CHANCERY" panose="03020702040506060504" pitchFamily="66" charset="-79"/>
-              </a:rPr>
-              <a:t>l</a:t>
-            </a:r>
-            <a:r>
-              <a:rPr lang="en-US" sz="1600" dirty="0"/>
-              <a:t> </a:t>
-            </a:r>
-            <a:r>
-              <a:rPr lang="en-US" sz="1600" baseline="-25000" dirty="0"/>
-              <a:t>Sn_M1</a:t>
-            </a:r>
-            <a:r>
-              <a:rPr lang="en-US" sz="1600" dirty="0"/>
-              <a:t>, </a:t>
-            </a:r>
-            <a:r>
-              <a:rPr lang="en-US" sz="1600" i="1" dirty="0">
-                <a:latin typeface="APPLE CHANCERY" panose="03020702040506060504" pitchFamily="66" charset="-79"/>
-                <a:cs typeface="APPLE CHANCERY" panose="03020702040506060504" pitchFamily="66" charset="-79"/>
-              </a:rPr>
-              <a:t>l</a:t>
-            </a:r>
-            <a:r>
-              <a:rPr lang="en-US" sz="1600" dirty="0"/>
-              <a:t> </a:t>
-            </a:r>
-            <a:r>
-              <a:rPr lang="en-US" sz="1600" baseline="-25000" dirty="0"/>
-              <a:t>Sn_M2</a:t>
-            </a:r>
-            <a:r>
-              <a:rPr lang="en-US" sz="1600" dirty="0"/>
-              <a:t>, …, </a:t>
-            </a:r>
-            <a:r>
-              <a:rPr lang="en-US" sz="1600" i="1" dirty="0">
-                <a:latin typeface="APPLE CHANCERY" panose="03020702040506060504" pitchFamily="66" charset="-79"/>
-                <a:cs typeface="APPLE CHANCERY" panose="03020702040506060504" pitchFamily="66" charset="-79"/>
-              </a:rPr>
-              <a:t>l</a:t>
-            </a:r>
-            <a:r>
-              <a:rPr lang="en-US" sz="1600" dirty="0"/>
-              <a:t> </a:t>
-            </a:r>
-            <a:r>
-              <a:rPr lang="en-US" sz="1600" baseline="-25000" dirty="0" err="1"/>
-              <a:t>Sn_Mn</a:t>
-            </a:r>
-            <a:r>
-              <a:rPr lang="en-US" sz="1600" dirty="0"/>
-              <a:t>]</a:t>
-            </a:r>
-            <a:endParaRPr lang="en-US" dirty="0"/>
-          </a:p>
-        </p:txBody>
-      </p:sp>
-      <p:sp>
-        <p:nvSpPr>
-          <p:cNvPr id="150" name="Oval 149">
-            <a:extLst>
-              <a:ext uri="{FF2B5EF4-FFF2-40B4-BE49-F238E27FC236}">
-                <a16:creationId xmlns:a16="http://schemas.microsoft.com/office/drawing/2014/main" id="{01B4820C-E1CD-2B34-4661-AABC256E6EED}"/>
-              </a:ext>
-            </a:extLst>
-          </p:cNvPr>
-          <p:cNvSpPr/>
-          <p:nvPr/>
-        </p:nvSpPr>
-        <p:spPr>
-          <a:xfrm>
-            <a:off x="6390395" y="3996690"/>
-            <a:ext cx="86952" cy="86952"/>
-          </a:xfrm>
-          <a:prstGeom prst="ellipse">
-            <a:avLst/>
-          </a:prstGeom>
-          <a:solidFill>
-            <a:schemeClr val="tx1"/>
-          </a:solidFill>
-          <a:ln>
-            <a:noFill/>
-          </a:ln>
-        </p:spPr>
-        <p:style>
-          <a:lnRef idx="2">
-            <a:schemeClr val="dk1">
-              <a:shade val="15000"/>
-            </a:schemeClr>
-          </a:lnRef>
-          <a:fillRef idx="1">
-            <a:schemeClr val="dk1"/>
-          </a:fillRef>
-          <a:effectRef idx="0">
-            <a:schemeClr val="dk1"/>
-          </a:effectRef>
-          <a:fontRef idx="minor">
-            <a:schemeClr val="lt1"/>
-          </a:fontRef>
-        </p:style>
-        <p:txBody>
-          <a:bodyPr rtlCol="0" anchor="ctr"/>
-          <a:lstStyle/>
-          <a:p>
-            <a:pPr algn="ctr"/>
-            <a:endParaRPr lang="en-US"/>
-          </a:p>
-        </p:txBody>
-      </p:sp>
-      <p:sp>
-        <p:nvSpPr>
-          <p:cNvPr id="151" name="Oval 150">
-            <a:extLst>
-              <a:ext uri="{FF2B5EF4-FFF2-40B4-BE49-F238E27FC236}">
-                <a16:creationId xmlns:a16="http://schemas.microsoft.com/office/drawing/2014/main" id="{6609F299-1BF9-E0EE-637E-07DDD281B16E}"/>
-              </a:ext>
-            </a:extLst>
-          </p:cNvPr>
-          <p:cNvSpPr/>
-          <p:nvPr/>
-        </p:nvSpPr>
-        <p:spPr>
-          <a:xfrm>
-            <a:off x="6390395" y="4145454"/>
-            <a:ext cx="86952" cy="86952"/>
-          </a:xfrm>
-          <a:prstGeom prst="ellipse">
-            <a:avLst/>
-          </a:prstGeom>
-          <a:solidFill>
-            <a:schemeClr val="tx1"/>
-          </a:solidFill>
-          <a:ln>
-            <a:noFill/>
-          </a:ln>
-        </p:spPr>
-        <p:style>
-          <a:lnRef idx="2">
-            <a:schemeClr val="dk1">
-              <a:shade val="15000"/>
-            </a:schemeClr>
-          </a:lnRef>
-          <a:fillRef idx="1">
-            <a:schemeClr val="dk1"/>
-          </a:fillRef>
-          <a:effectRef idx="0">
-            <a:schemeClr val="dk1"/>
-          </a:effectRef>
-          <a:fontRef idx="minor">
-            <a:schemeClr val="lt1"/>
-          </a:fontRef>
-        </p:style>
-        <p:txBody>
-          <a:bodyPr rtlCol="0" anchor="ctr"/>
-          <a:lstStyle/>
-          <a:p>
-            <a:pPr algn="ctr"/>
-            <a:endParaRPr lang="en-US"/>
-          </a:p>
-        </p:txBody>
-      </p:sp>
-      <p:cxnSp>
-        <p:nvCxnSpPr>
-          <p:cNvPr id="155" name="Elbow Connector 154">
-            <a:extLst>
-              <a:ext uri="{FF2B5EF4-FFF2-40B4-BE49-F238E27FC236}">
-                <a16:creationId xmlns:a16="http://schemas.microsoft.com/office/drawing/2014/main" id="{37DFFFA4-95D0-FA88-1AD8-D21E846D8D50}"/>
-              </a:ext>
-            </a:extLst>
-          </p:cNvPr>
-          <p:cNvCxnSpPr>
-            <a:cxnSpLocks/>
-            <a:stCxn id="49" idx="3"/>
-            <a:endCxn id="148" idx="1"/>
-          </p:cNvCxnSpPr>
-          <p:nvPr/>
-        </p:nvCxnSpPr>
-        <p:spPr>
           <a:xfrm flipV="1">
-            <a:off x="4801624" y="3606813"/>
-            <a:ext cx="522527" cy="875607"/>
+            <a:off x="5231993" y="3862496"/>
+            <a:ext cx="894470" cy="317481"/>
           </a:xfrm>
           <a:prstGeom prst="bentConnector3">
             <a:avLst>
-              <a:gd name="adj1" fmla="val 42111"/>
+              <a:gd name="adj1" fmla="val 50000"/>
             </a:avLst>
           </a:prstGeom>
           <a:ln w="38100" cap="flat" cmpd="sng" algn="ctr">
@@ -5271,413 +5658,6 @@
           </a:fontRef>
         </p:style>
       </p:cxnSp>
-      <p:cxnSp>
-        <p:nvCxnSpPr>
-          <p:cNvPr id="182" name="Elbow Connector 181">
-            <a:extLst>
-              <a:ext uri="{FF2B5EF4-FFF2-40B4-BE49-F238E27FC236}">
-                <a16:creationId xmlns:a16="http://schemas.microsoft.com/office/drawing/2014/main" id="{94DB3F9C-4909-6C2B-B496-288C8FFD8DB7}"/>
-              </a:ext>
-            </a:extLst>
-          </p:cNvPr>
-          <p:cNvCxnSpPr>
-            <a:cxnSpLocks/>
-            <a:endCxn id="149" idx="1"/>
-          </p:cNvCxnSpPr>
-          <p:nvPr/>
-        </p:nvCxnSpPr>
-        <p:spPr>
-          <a:xfrm flipV="1">
-            <a:off x="4794748" y="4482420"/>
-            <a:ext cx="529403" cy="207794"/>
-          </a:xfrm>
-          <a:prstGeom prst="bentConnector3">
-            <a:avLst>
-              <a:gd name="adj1" fmla="val 62034"/>
-            </a:avLst>
-          </a:prstGeom>
-          <a:ln w="38100" cap="flat" cmpd="sng" algn="ctr">
-            <a:solidFill>
-              <a:schemeClr val="tx1"/>
-            </a:solidFill>
-            <a:prstDash val="solid"/>
-            <a:round/>
-            <a:headEnd type="none" w="med" len="med"/>
-            <a:tailEnd type="arrow" w="med" len="med"/>
-          </a:ln>
-        </p:spPr>
-        <p:style>
-          <a:lnRef idx="0">
-            <a:scrgbClr r="0" g="0" b="0"/>
-          </a:lnRef>
-          <a:fillRef idx="0">
-            <a:scrgbClr r="0" g="0" b="0"/>
-          </a:fillRef>
-          <a:effectRef idx="0">
-            <a:scrgbClr r="0" g="0" b="0"/>
-          </a:effectRef>
-          <a:fontRef idx="minor">
-            <a:schemeClr val="tx1"/>
-          </a:fontRef>
-        </p:style>
-      </p:cxnSp>
-      <p:cxnSp>
-        <p:nvCxnSpPr>
-          <p:cNvPr id="188" name="Elbow Connector 187">
-            <a:extLst>
-              <a:ext uri="{FF2B5EF4-FFF2-40B4-BE49-F238E27FC236}">
-                <a16:creationId xmlns:a16="http://schemas.microsoft.com/office/drawing/2014/main" id="{57D89EF2-BB94-58B3-37CD-BE24E7F5F54F}"/>
-              </a:ext>
-            </a:extLst>
-          </p:cNvPr>
-          <p:cNvCxnSpPr>
-            <a:cxnSpLocks/>
-            <a:endCxn id="147" idx="1"/>
-          </p:cNvCxnSpPr>
-          <p:nvPr/>
-        </p:nvCxnSpPr>
-        <p:spPr>
-          <a:xfrm rot="5400000" flipH="1" flipV="1">
-            <a:off x="4527626" y="3466723"/>
-            <a:ext cx="1210480" cy="382570"/>
-          </a:xfrm>
-          <a:prstGeom prst="bentConnector2">
-            <a:avLst/>
-          </a:prstGeom>
-          <a:ln w="38100" cap="flat" cmpd="sng" algn="ctr">
-            <a:solidFill>
-              <a:schemeClr val="dk1"/>
-            </a:solidFill>
-            <a:prstDash val="solid"/>
-            <a:round/>
-            <a:headEnd type="none" w="med" len="med"/>
-            <a:tailEnd type="arrow" w="med" len="med"/>
-          </a:ln>
-        </p:spPr>
-        <p:style>
-          <a:lnRef idx="0">
-            <a:scrgbClr r="0" g="0" b="0"/>
-          </a:lnRef>
-          <a:fillRef idx="0">
-            <a:scrgbClr r="0" g="0" b="0"/>
-          </a:fillRef>
-          <a:effectRef idx="0">
-            <a:scrgbClr r="0" g="0" b="0"/>
-          </a:effectRef>
-          <a:fontRef idx="minor">
-            <a:schemeClr val="tx1"/>
-          </a:fontRef>
-        </p:style>
-      </p:cxnSp>
-      <p:cxnSp>
-        <p:nvCxnSpPr>
-          <p:cNvPr id="214" name="Straight Connector 213">
-            <a:extLst>
-              <a:ext uri="{FF2B5EF4-FFF2-40B4-BE49-F238E27FC236}">
-                <a16:creationId xmlns:a16="http://schemas.microsoft.com/office/drawing/2014/main" id="{EE9C43BE-26CF-83E1-CFD3-48857BFE5A72}"/>
-              </a:ext>
-            </a:extLst>
-          </p:cNvPr>
-          <p:cNvCxnSpPr>
-            <a:cxnSpLocks/>
-          </p:cNvCxnSpPr>
-          <p:nvPr/>
-        </p:nvCxnSpPr>
-        <p:spPr>
-          <a:xfrm>
-            <a:off x="4801624" y="4264940"/>
-            <a:ext cx="158540" cy="0"/>
-          </a:xfrm>
-          <a:prstGeom prst="line">
-            <a:avLst/>
-          </a:prstGeom>
-          <a:ln w="38100">
-            <a:solidFill>
-              <a:schemeClr val="tx1"/>
-            </a:solidFill>
-          </a:ln>
-        </p:spPr>
-        <p:style>
-          <a:lnRef idx="1">
-            <a:schemeClr val="accent1"/>
-          </a:lnRef>
-          <a:fillRef idx="0">
-            <a:schemeClr val="accent1"/>
-          </a:fillRef>
-          <a:effectRef idx="0">
-            <a:schemeClr val="accent1"/>
-          </a:effectRef>
-          <a:fontRef idx="minor">
-            <a:schemeClr val="tx1"/>
-          </a:fontRef>
-        </p:style>
-      </p:cxnSp>
-      <p:sp>
-        <p:nvSpPr>
-          <p:cNvPr id="225" name="Rectangle 224">
-            <a:extLst>
-              <a:ext uri="{FF2B5EF4-FFF2-40B4-BE49-F238E27FC236}">
-                <a16:creationId xmlns:a16="http://schemas.microsoft.com/office/drawing/2014/main" id="{84EA15FD-FD0B-BE6A-C70D-3EDE72B9BE6C}"/>
-              </a:ext>
-            </a:extLst>
-          </p:cNvPr>
-          <p:cNvSpPr/>
-          <p:nvPr/>
-        </p:nvSpPr>
-        <p:spPr>
-          <a:xfrm>
-            <a:off x="7728429" y="2911762"/>
-            <a:ext cx="396543" cy="287121"/>
-          </a:xfrm>
-          <a:prstGeom prst="rect">
-            <a:avLst/>
-          </a:prstGeom>
-          <a:noFill/>
-        </p:spPr>
-        <p:style>
-          <a:lnRef idx="2">
-            <a:schemeClr val="dk1"/>
-          </a:lnRef>
-          <a:fillRef idx="1">
-            <a:schemeClr val="lt1"/>
-          </a:fillRef>
-          <a:effectRef idx="0">
-            <a:schemeClr val="dk1"/>
-          </a:effectRef>
-          <a:fontRef idx="minor">
-            <a:schemeClr val="dk1"/>
-          </a:fontRef>
-        </p:style>
-        <p:txBody>
-          <a:bodyPr rtlCol="0" anchor="ctr"/>
-          <a:lstStyle/>
-          <a:p>
-            <a:pPr algn="ctr"/>
-            <a:r>
-              <a:rPr lang="en-US" sz="1600" i="1" dirty="0">
-                <a:latin typeface="APPLE CHANCERY" panose="03020702040506060504" pitchFamily="66" charset="-79"/>
-                <a:cs typeface="APPLE CHANCERY" panose="03020702040506060504" pitchFamily="66" charset="-79"/>
-              </a:rPr>
-              <a:t>l</a:t>
-            </a:r>
-            <a:r>
-              <a:rPr lang="en-US" sz="1600" i="1" baseline="-25000" dirty="0"/>
-              <a:t>1</a:t>
-            </a:r>
-            <a:endParaRPr lang="en-US" sz="2400" i="1" baseline="-25000" dirty="0"/>
-          </a:p>
-        </p:txBody>
-      </p:sp>
-      <p:cxnSp>
-        <p:nvCxnSpPr>
-          <p:cNvPr id="229" name="Straight Arrow Connector 228">
-            <a:extLst>
-              <a:ext uri="{FF2B5EF4-FFF2-40B4-BE49-F238E27FC236}">
-                <a16:creationId xmlns:a16="http://schemas.microsoft.com/office/drawing/2014/main" id="{62CCDADE-21FA-E995-DA81-19E65AD54B8D}"/>
-              </a:ext>
-            </a:extLst>
-          </p:cNvPr>
-          <p:cNvCxnSpPr>
-            <a:cxnSpLocks/>
-            <a:endCxn id="230" idx="1"/>
-          </p:cNvCxnSpPr>
-          <p:nvPr/>
-        </p:nvCxnSpPr>
-        <p:spPr>
-          <a:xfrm>
-            <a:off x="7534900" y="3601061"/>
-            <a:ext cx="193529" cy="2555"/>
-          </a:xfrm>
-          <a:prstGeom prst="straightConnector1">
-            <a:avLst/>
-          </a:prstGeom>
-          <a:ln w="38100" cap="flat" cmpd="sng" algn="ctr">
-            <a:solidFill>
-              <a:schemeClr val="tx1"/>
-            </a:solidFill>
-            <a:prstDash val="solid"/>
-            <a:round/>
-            <a:headEnd type="none" w="med" len="med"/>
-            <a:tailEnd type="arrow" w="med" len="med"/>
-          </a:ln>
-          <a:effectLst/>
-        </p:spPr>
-        <p:style>
-          <a:lnRef idx="2">
-            <a:schemeClr val="accent1"/>
-          </a:lnRef>
-          <a:fillRef idx="0">
-            <a:schemeClr val="accent1"/>
-          </a:fillRef>
-          <a:effectRef idx="1">
-            <a:schemeClr val="accent1"/>
-          </a:effectRef>
-          <a:fontRef idx="minor">
-            <a:schemeClr val="tx1"/>
-          </a:fontRef>
-        </p:style>
-      </p:cxnSp>
-      <p:sp>
-        <p:nvSpPr>
-          <p:cNvPr id="230" name="Rectangle 229">
-            <a:extLst>
-              <a:ext uri="{FF2B5EF4-FFF2-40B4-BE49-F238E27FC236}">
-                <a16:creationId xmlns:a16="http://schemas.microsoft.com/office/drawing/2014/main" id="{0C677D7E-4937-AFC8-E6AF-6473F13C8366}"/>
-              </a:ext>
-            </a:extLst>
-          </p:cNvPr>
-          <p:cNvSpPr/>
-          <p:nvPr/>
-        </p:nvSpPr>
-        <p:spPr>
-          <a:xfrm>
-            <a:off x="7728429" y="3460055"/>
-            <a:ext cx="396543" cy="287121"/>
-          </a:xfrm>
-          <a:prstGeom prst="rect">
-            <a:avLst/>
-          </a:prstGeom>
-          <a:noFill/>
-        </p:spPr>
-        <p:style>
-          <a:lnRef idx="2">
-            <a:schemeClr val="dk1"/>
-          </a:lnRef>
-          <a:fillRef idx="1">
-            <a:schemeClr val="lt1"/>
-          </a:fillRef>
-          <a:effectRef idx="0">
-            <a:schemeClr val="dk1"/>
-          </a:effectRef>
-          <a:fontRef idx="minor">
-            <a:schemeClr val="dk1"/>
-          </a:fontRef>
-        </p:style>
-        <p:txBody>
-          <a:bodyPr rtlCol="0" anchor="ctr"/>
-          <a:lstStyle/>
-          <a:p>
-            <a:pPr algn="ctr"/>
-            <a:r>
-              <a:rPr lang="en-US" sz="1600" i="1" dirty="0">
-                <a:latin typeface="APPLE CHANCERY" panose="03020702040506060504" pitchFamily="66" charset="-79"/>
-                <a:cs typeface="APPLE CHANCERY" panose="03020702040506060504" pitchFamily="66" charset="-79"/>
-              </a:rPr>
-              <a:t>l</a:t>
-            </a:r>
-            <a:r>
-              <a:rPr lang="en-US" sz="1600" i="1" baseline="-25000" dirty="0"/>
-              <a:t>2</a:t>
-            </a:r>
-            <a:endParaRPr lang="en-US" sz="2400" i="1" baseline="-25000" dirty="0"/>
-          </a:p>
-        </p:txBody>
-      </p:sp>
-      <p:cxnSp>
-        <p:nvCxnSpPr>
-          <p:cNvPr id="231" name="Straight Arrow Connector 230">
-            <a:extLst>
-              <a:ext uri="{FF2B5EF4-FFF2-40B4-BE49-F238E27FC236}">
-                <a16:creationId xmlns:a16="http://schemas.microsoft.com/office/drawing/2014/main" id="{FB62B6C6-5D26-BB31-7DDC-5B05F8C98314}"/>
-              </a:ext>
-            </a:extLst>
-          </p:cNvPr>
-          <p:cNvCxnSpPr>
-            <a:cxnSpLocks/>
-            <a:endCxn id="232" idx="1"/>
-          </p:cNvCxnSpPr>
-          <p:nvPr/>
-        </p:nvCxnSpPr>
-        <p:spPr>
-          <a:xfrm>
-            <a:off x="7534900" y="4477311"/>
-            <a:ext cx="193529" cy="2555"/>
-          </a:xfrm>
-          <a:prstGeom prst="straightConnector1">
-            <a:avLst/>
-          </a:prstGeom>
-          <a:ln w="38100" cap="flat" cmpd="sng" algn="ctr">
-            <a:solidFill>
-              <a:schemeClr val="tx1"/>
-            </a:solidFill>
-            <a:prstDash val="solid"/>
-            <a:round/>
-            <a:headEnd type="none" w="med" len="med"/>
-            <a:tailEnd type="arrow" w="med" len="med"/>
-          </a:ln>
-          <a:effectLst/>
-        </p:spPr>
-        <p:style>
-          <a:lnRef idx="2">
-            <a:schemeClr val="accent1"/>
-          </a:lnRef>
-          <a:fillRef idx="0">
-            <a:schemeClr val="accent1"/>
-          </a:fillRef>
-          <a:effectRef idx="1">
-            <a:schemeClr val="accent1"/>
-          </a:effectRef>
-          <a:fontRef idx="minor">
-            <a:schemeClr val="tx1"/>
-          </a:fontRef>
-        </p:style>
-      </p:cxnSp>
-      <p:sp>
-        <p:nvSpPr>
-          <p:cNvPr id="232" name="Rectangle 231">
-            <a:extLst>
-              <a:ext uri="{FF2B5EF4-FFF2-40B4-BE49-F238E27FC236}">
-                <a16:creationId xmlns:a16="http://schemas.microsoft.com/office/drawing/2014/main" id="{05AF38B0-866A-58F2-5A94-5E2C2D0A4992}"/>
-              </a:ext>
-            </a:extLst>
-          </p:cNvPr>
-          <p:cNvSpPr/>
-          <p:nvPr/>
-        </p:nvSpPr>
-        <p:spPr>
-          <a:xfrm>
-            <a:off x="7728429" y="4336305"/>
-            <a:ext cx="396543" cy="287121"/>
-          </a:xfrm>
-          <a:prstGeom prst="rect">
-            <a:avLst/>
-          </a:prstGeom>
-          <a:noFill/>
-        </p:spPr>
-        <p:style>
-          <a:lnRef idx="2">
-            <a:schemeClr val="dk1"/>
-          </a:lnRef>
-          <a:fillRef idx="1">
-            <a:schemeClr val="lt1"/>
-          </a:fillRef>
-          <a:effectRef idx="0">
-            <a:schemeClr val="dk1"/>
-          </a:effectRef>
-          <a:fontRef idx="minor">
-            <a:schemeClr val="dk1"/>
-          </a:fontRef>
-        </p:style>
-        <p:txBody>
-          <a:bodyPr rtlCol="0" anchor="ctr"/>
-          <a:lstStyle/>
-          <a:p>
-            <a:pPr algn="ctr"/>
-            <a:r>
-              <a:rPr lang="en-US" sz="1600" i="1" dirty="0">
-                <a:latin typeface="APPLE CHANCERY" panose="03020702040506060504" pitchFamily="66" charset="-79"/>
-                <a:cs typeface="APPLE CHANCERY" panose="03020702040506060504" pitchFamily="66" charset="-79"/>
-              </a:rPr>
-              <a:t>l</a:t>
-            </a:r>
-            <a:r>
-              <a:rPr lang="en-US" sz="1600" i="1" baseline="-25000" dirty="0"/>
-              <a:t>n</a:t>
-            </a:r>
-            <a:endParaRPr lang="en-US" sz="2400" i="1" baseline="-25000" dirty="0"/>
-          </a:p>
-        </p:txBody>
-      </p:sp>
     </p:spTree>
     <p:extLst>
       <p:ext uri="{BB962C8B-B14F-4D97-AF65-F5344CB8AC3E}">

--- a/Figures/Arcs/Architecture_Rerun.pptx
+++ b/Figures/Arcs/Architecture_Rerun.pptx
@@ -259,7 +259,7 @@
           <a:p>
             <a:fld id="{DCB782F2-2E39-4C4F-8A71-AA967E78B1E0}" type="datetimeFigureOut">
               <a:rPr lang="en-US" smtClean="0"/>
-              <a:t>8/30/23</a:t>
+              <a:t>9/28/23</a:t>
             </a:fld>
             <a:endParaRPr lang="en-US"/>
           </a:p>
@@ -457,7 +457,7 @@
           <a:p>
             <a:fld id="{DCB782F2-2E39-4C4F-8A71-AA967E78B1E0}" type="datetimeFigureOut">
               <a:rPr lang="en-US" smtClean="0"/>
-              <a:t>8/30/23</a:t>
+              <a:t>9/28/23</a:t>
             </a:fld>
             <a:endParaRPr lang="en-US"/>
           </a:p>
@@ -665,7 +665,7 @@
           <a:p>
             <a:fld id="{DCB782F2-2E39-4C4F-8A71-AA967E78B1E0}" type="datetimeFigureOut">
               <a:rPr lang="en-US" smtClean="0"/>
-              <a:t>8/30/23</a:t>
+              <a:t>9/28/23</a:t>
             </a:fld>
             <a:endParaRPr lang="en-US"/>
           </a:p>
@@ -863,7 +863,7 @@
           <a:p>
             <a:fld id="{DCB782F2-2E39-4C4F-8A71-AA967E78B1E0}" type="datetimeFigureOut">
               <a:rPr lang="en-US" smtClean="0"/>
-              <a:t>8/30/23</a:t>
+              <a:t>9/28/23</a:t>
             </a:fld>
             <a:endParaRPr lang="en-US"/>
           </a:p>
@@ -1138,7 +1138,7 @@
           <a:p>
             <a:fld id="{DCB782F2-2E39-4C4F-8A71-AA967E78B1E0}" type="datetimeFigureOut">
               <a:rPr lang="en-US" smtClean="0"/>
-              <a:t>8/30/23</a:t>
+              <a:t>9/28/23</a:t>
             </a:fld>
             <a:endParaRPr lang="en-US"/>
           </a:p>
@@ -1403,7 +1403,7 @@
           <a:p>
             <a:fld id="{DCB782F2-2E39-4C4F-8A71-AA967E78B1E0}" type="datetimeFigureOut">
               <a:rPr lang="en-US" smtClean="0"/>
-              <a:t>8/30/23</a:t>
+              <a:t>9/28/23</a:t>
             </a:fld>
             <a:endParaRPr lang="en-US"/>
           </a:p>
@@ -1815,7 +1815,7 @@
           <a:p>
             <a:fld id="{DCB782F2-2E39-4C4F-8A71-AA967E78B1E0}" type="datetimeFigureOut">
               <a:rPr lang="en-US" smtClean="0"/>
-              <a:t>8/30/23</a:t>
+              <a:t>9/28/23</a:t>
             </a:fld>
             <a:endParaRPr lang="en-US"/>
           </a:p>
@@ -1956,7 +1956,7 @@
           <a:p>
             <a:fld id="{DCB782F2-2E39-4C4F-8A71-AA967E78B1E0}" type="datetimeFigureOut">
               <a:rPr lang="en-US" smtClean="0"/>
-              <a:t>8/30/23</a:t>
+              <a:t>9/28/23</a:t>
             </a:fld>
             <a:endParaRPr lang="en-US"/>
           </a:p>
@@ -2069,7 +2069,7 @@
           <a:p>
             <a:fld id="{DCB782F2-2E39-4C4F-8A71-AA967E78B1E0}" type="datetimeFigureOut">
               <a:rPr lang="en-US" smtClean="0"/>
-              <a:t>8/30/23</a:t>
+              <a:t>9/28/23</a:t>
             </a:fld>
             <a:endParaRPr lang="en-US"/>
           </a:p>
@@ -2380,7 +2380,7 @@
           <a:p>
             <a:fld id="{DCB782F2-2E39-4C4F-8A71-AA967E78B1E0}" type="datetimeFigureOut">
               <a:rPr lang="en-US" smtClean="0"/>
-              <a:t>8/30/23</a:t>
+              <a:t>9/28/23</a:t>
             </a:fld>
             <a:endParaRPr lang="en-US"/>
           </a:p>
@@ -2668,7 +2668,7 @@
           <a:p>
             <a:fld id="{DCB782F2-2E39-4C4F-8A71-AA967E78B1E0}" type="datetimeFigureOut">
               <a:rPr lang="en-US" smtClean="0"/>
-              <a:t>8/30/23</a:t>
+              <a:t>9/28/23</a:t>
             </a:fld>
             <a:endParaRPr lang="en-US"/>
           </a:p>
@@ -2909,7 +2909,7 @@
           <a:p>
             <a:fld id="{DCB782F2-2E39-4C4F-8A71-AA967E78B1E0}" type="datetimeFigureOut">
               <a:rPr lang="en-US" smtClean="0"/>
-              <a:t>8/30/23</a:t>
+              <a:t>9/28/23</a:t>
             </a:fld>
             <a:endParaRPr lang="en-US"/>
           </a:p>
@@ -3326,12 +3326,112 @@
           <a:chExt cx="0" cy="0"/>
         </a:xfrm>
       </p:grpSpPr>
-      <p:sp>
-        <p:nvSpPr>
-          <p:cNvPr id="6" name="Can 5">
-            <a:extLst>
-              <a:ext uri="{FF2B5EF4-FFF2-40B4-BE49-F238E27FC236}">
-                <a16:creationId xmlns:a16="http://schemas.microsoft.com/office/drawing/2014/main" id="{09B3774E-1F51-2A10-ED48-25AC6DF09756}"/>
+      <p:cxnSp>
+        <p:nvCxnSpPr>
+          <p:cNvPr id="114" name="Straight Arrow Connector 113">
+            <a:extLst>
+              <a:ext uri="{FF2B5EF4-FFF2-40B4-BE49-F238E27FC236}">
+                <a16:creationId xmlns:a16="http://schemas.microsoft.com/office/drawing/2014/main" id="{89107CC6-42A9-618B-90F7-923C74625A81}"/>
+              </a:ext>
+            </a:extLst>
+          </p:cNvPr>
+          <p:cNvCxnSpPr>
+            <a:cxnSpLocks/>
+            <a:stCxn id="55" idx="3"/>
+            <a:endCxn id="147" idx="0"/>
+          </p:cNvCxnSpPr>
+          <p:nvPr/>
+        </p:nvCxnSpPr>
+        <p:spPr>
+          <a:xfrm flipH="1">
+            <a:off x="4636537" y="4099965"/>
+            <a:ext cx="364" cy="239096"/>
+          </a:xfrm>
+          <a:prstGeom prst="straightConnector1">
+            <a:avLst/>
+          </a:prstGeom>
+          <a:ln w="19050" cap="flat" cmpd="sng" algn="ctr">
+            <a:solidFill>
+              <a:schemeClr val="tx1"/>
+            </a:solidFill>
+            <a:prstDash val="solid"/>
+            <a:round/>
+            <a:headEnd type="none" w="med" len="med"/>
+            <a:tailEnd type="arrow" w="med" len="med"/>
+          </a:ln>
+          <a:effectLst/>
+        </p:spPr>
+        <p:style>
+          <a:lnRef idx="2">
+            <a:schemeClr val="accent1"/>
+          </a:lnRef>
+          <a:fillRef idx="0">
+            <a:schemeClr val="accent1"/>
+          </a:fillRef>
+          <a:effectRef idx="1">
+            <a:schemeClr val="accent1"/>
+          </a:effectRef>
+          <a:fontRef idx="minor">
+            <a:schemeClr val="tx1"/>
+          </a:fontRef>
+        </p:style>
+      </p:cxnSp>
+      <p:cxnSp>
+        <p:nvCxnSpPr>
+          <p:cNvPr id="141" name="Straight Arrow Connector 140">
+            <a:extLst>
+              <a:ext uri="{FF2B5EF4-FFF2-40B4-BE49-F238E27FC236}">
+                <a16:creationId xmlns:a16="http://schemas.microsoft.com/office/drawing/2014/main" id="{B1F66D7F-7414-6001-8B8D-245E69EC00E6}"/>
+              </a:ext>
+            </a:extLst>
+          </p:cNvPr>
+          <p:cNvCxnSpPr>
+            <a:cxnSpLocks/>
+            <a:stCxn id="26" idx="2"/>
+            <a:endCxn id="41" idx="0"/>
+          </p:cNvCxnSpPr>
+          <p:nvPr/>
+        </p:nvCxnSpPr>
+        <p:spPr>
+          <a:xfrm>
+            <a:off x="4636901" y="2243639"/>
+            <a:ext cx="0" cy="498600"/>
+          </a:xfrm>
+          <a:prstGeom prst="straightConnector1">
+            <a:avLst/>
+          </a:prstGeom>
+          <a:ln w="19050" cap="flat" cmpd="sng" algn="ctr">
+            <a:solidFill>
+              <a:schemeClr val="tx1"/>
+            </a:solidFill>
+            <a:prstDash val="solid"/>
+            <a:round/>
+            <a:headEnd type="none" w="med" len="med"/>
+            <a:tailEnd type="arrow" w="med" len="med"/>
+          </a:ln>
+          <a:effectLst/>
+        </p:spPr>
+        <p:style>
+          <a:lnRef idx="2">
+            <a:schemeClr val="accent1"/>
+          </a:lnRef>
+          <a:fillRef idx="0">
+            <a:schemeClr val="accent1"/>
+          </a:fillRef>
+          <a:effectRef idx="1">
+            <a:schemeClr val="accent1"/>
+          </a:effectRef>
+          <a:fontRef idx="minor">
+            <a:schemeClr val="tx1"/>
+          </a:fontRef>
+        </p:style>
+      </p:cxnSp>
+      <p:sp>
+        <p:nvSpPr>
+          <p:cNvPr id="147" name="Rectangle 146">
+            <a:extLst>
+              <a:ext uri="{FF2B5EF4-FFF2-40B4-BE49-F238E27FC236}">
+                <a16:creationId xmlns:a16="http://schemas.microsoft.com/office/drawing/2014/main" id="{43F7D83F-8C47-2E2F-00B0-5860609CD34A}"/>
               </a:ext>
             </a:extLst>
           </p:cNvPr>
@@ -3340,7 +3440,1109 @@
         </p:nvSpPr>
         <p:spPr>
           <a:xfrm>
-            <a:off x="2263058" y="3739196"/>
+            <a:off x="3840973" y="4339061"/>
+            <a:ext cx="1591127" cy="292230"/>
+          </a:xfrm>
+          <a:prstGeom prst="rect">
+            <a:avLst/>
+          </a:prstGeom>
+          <a:noFill/>
+        </p:spPr>
+        <p:style>
+          <a:lnRef idx="2">
+            <a:schemeClr val="dk1"/>
+          </a:lnRef>
+          <a:fillRef idx="1">
+            <a:schemeClr val="lt1"/>
+          </a:fillRef>
+          <a:effectRef idx="0">
+            <a:schemeClr val="dk1"/>
+          </a:effectRef>
+          <a:fontRef idx="minor">
+            <a:schemeClr val="dk1"/>
+          </a:fontRef>
+        </p:style>
+        <p:txBody>
+          <a:bodyPr rtlCol="0" anchor="ctr"/>
+          <a:lstStyle/>
+          <a:p>
+            <a:pPr algn="ctr"/>
+            <a:r>
+              <a:rPr lang="en-US" sz="1600" dirty="0"/>
+              <a:t>[</a:t>
+            </a:r>
+            <a:r>
+              <a:rPr lang="en-US" sz="1600" i="1" dirty="0">
+                <a:latin typeface="APPLE CHANCERY" panose="03020702040506060504" pitchFamily="66" charset="-79"/>
+                <a:cs typeface="APPLE CHANCERY" panose="03020702040506060504" pitchFamily="66" charset="-79"/>
+              </a:rPr>
+              <a:t>l</a:t>
+            </a:r>
+            <a:r>
+              <a:rPr lang="en-US" sz="1600" dirty="0"/>
+              <a:t> </a:t>
+            </a:r>
+            <a:r>
+              <a:rPr lang="en-US" sz="1600" baseline="-25000" dirty="0"/>
+              <a:t>S1_M1</a:t>
+            </a:r>
+            <a:r>
+              <a:rPr lang="en-US" sz="1600" dirty="0"/>
+              <a:t>, </a:t>
+            </a:r>
+            <a:r>
+              <a:rPr lang="en-US" sz="1600" i="1" dirty="0">
+                <a:latin typeface="APPLE CHANCERY" panose="03020702040506060504" pitchFamily="66" charset="-79"/>
+                <a:cs typeface="APPLE CHANCERY" panose="03020702040506060504" pitchFamily="66" charset="-79"/>
+              </a:rPr>
+              <a:t>l</a:t>
+            </a:r>
+            <a:r>
+              <a:rPr lang="en-US" sz="1600" dirty="0"/>
+              <a:t> </a:t>
+            </a:r>
+            <a:r>
+              <a:rPr lang="en-US" sz="1600" baseline="-25000" dirty="0"/>
+              <a:t>S1_M2</a:t>
+            </a:r>
+            <a:r>
+              <a:rPr lang="en-US" sz="1600" dirty="0"/>
+              <a:t>,…]</a:t>
+            </a:r>
+            <a:endParaRPr lang="en-US" dirty="0"/>
+          </a:p>
+        </p:txBody>
+      </p:sp>
+      <p:sp>
+        <p:nvSpPr>
+          <p:cNvPr id="148" name="Rectangle 147">
+            <a:extLst>
+              <a:ext uri="{FF2B5EF4-FFF2-40B4-BE49-F238E27FC236}">
+                <a16:creationId xmlns:a16="http://schemas.microsoft.com/office/drawing/2014/main" id="{C2DE7BA1-4B06-2E3D-3ECE-7A25350BF9E3}"/>
+              </a:ext>
+            </a:extLst>
+          </p:cNvPr>
+          <p:cNvSpPr/>
+          <p:nvPr/>
+        </p:nvSpPr>
+        <p:spPr>
+          <a:xfrm>
+            <a:off x="5584802" y="4337515"/>
+            <a:ext cx="1591127" cy="292230"/>
+          </a:xfrm>
+          <a:prstGeom prst="rect">
+            <a:avLst/>
+          </a:prstGeom>
+          <a:noFill/>
+        </p:spPr>
+        <p:style>
+          <a:lnRef idx="2">
+            <a:schemeClr val="dk1"/>
+          </a:lnRef>
+          <a:fillRef idx="1">
+            <a:schemeClr val="lt1"/>
+          </a:fillRef>
+          <a:effectRef idx="0">
+            <a:schemeClr val="dk1"/>
+          </a:effectRef>
+          <a:fontRef idx="minor">
+            <a:schemeClr val="dk1"/>
+          </a:fontRef>
+        </p:style>
+        <p:txBody>
+          <a:bodyPr rtlCol="0" anchor="ctr"/>
+          <a:lstStyle/>
+          <a:p>
+            <a:pPr algn="ctr"/>
+            <a:r>
+              <a:rPr lang="en-US" sz="1600" dirty="0"/>
+              <a:t>[</a:t>
+            </a:r>
+            <a:r>
+              <a:rPr lang="en-US" sz="1600" i="1" dirty="0">
+                <a:latin typeface="APPLE CHANCERY" panose="03020702040506060504" pitchFamily="66" charset="-79"/>
+                <a:cs typeface="APPLE CHANCERY" panose="03020702040506060504" pitchFamily="66" charset="-79"/>
+              </a:rPr>
+              <a:t>l</a:t>
+            </a:r>
+            <a:r>
+              <a:rPr lang="en-US" sz="1600" dirty="0"/>
+              <a:t> </a:t>
+            </a:r>
+            <a:r>
+              <a:rPr lang="en-US" sz="1600" baseline="-25000" dirty="0"/>
+              <a:t>S2_M1</a:t>
+            </a:r>
+            <a:r>
+              <a:rPr lang="en-US" sz="1600" dirty="0"/>
+              <a:t>, </a:t>
+            </a:r>
+            <a:r>
+              <a:rPr lang="en-US" sz="1600" i="1" dirty="0">
+                <a:latin typeface="APPLE CHANCERY" panose="03020702040506060504" pitchFamily="66" charset="-79"/>
+                <a:cs typeface="APPLE CHANCERY" panose="03020702040506060504" pitchFamily="66" charset="-79"/>
+              </a:rPr>
+              <a:t>l</a:t>
+            </a:r>
+            <a:r>
+              <a:rPr lang="en-US" sz="1600" dirty="0"/>
+              <a:t> </a:t>
+            </a:r>
+            <a:r>
+              <a:rPr lang="en-US" sz="1600" baseline="-25000" dirty="0"/>
+              <a:t>S2_M2</a:t>
+            </a:r>
+            <a:r>
+              <a:rPr lang="en-US" sz="1600" dirty="0"/>
+              <a:t>,…]</a:t>
+            </a:r>
+            <a:endParaRPr lang="en-US" dirty="0"/>
+          </a:p>
+        </p:txBody>
+      </p:sp>
+      <p:sp>
+        <p:nvSpPr>
+          <p:cNvPr id="225" name="Rectangle 224">
+            <a:extLst>
+              <a:ext uri="{FF2B5EF4-FFF2-40B4-BE49-F238E27FC236}">
+                <a16:creationId xmlns:a16="http://schemas.microsoft.com/office/drawing/2014/main" id="{84EA15FD-FD0B-BE6A-C70D-3EDE72B9BE6C}"/>
+              </a:ext>
+            </a:extLst>
+          </p:cNvPr>
+          <p:cNvSpPr/>
+          <p:nvPr/>
+        </p:nvSpPr>
+        <p:spPr>
+          <a:xfrm>
+            <a:off x="4438264" y="4939751"/>
+            <a:ext cx="396543" cy="287121"/>
+          </a:xfrm>
+          <a:prstGeom prst="rect">
+            <a:avLst/>
+          </a:prstGeom>
+          <a:noFill/>
+        </p:spPr>
+        <p:style>
+          <a:lnRef idx="2">
+            <a:schemeClr val="dk1"/>
+          </a:lnRef>
+          <a:fillRef idx="1">
+            <a:schemeClr val="lt1"/>
+          </a:fillRef>
+          <a:effectRef idx="0">
+            <a:schemeClr val="dk1"/>
+          </a:effectRef>
+          <a:fontRef idx="minor">
+            <a:schemeClr val="dk1"/>
+          </a:fontRef>
+        </p:style>
+        <p:txBody>
+          <a:bodyPr rtlCol="0" anchor="ctr"/>
+          <a:lstStyle/>
+          <a:p>
+            <a:pPr algn="ctr"/>
+            <a:r>
+              <a:rPr lang="en-US" sz="1600" i="1" dirty="0">
+                <a:latin typeface="APPLE CHANCERY" panose="03020702040506060504" pitchFamily="66" charset="-79"/>
+                <a:cs typeface="APPLE CHANCERY" panose="03020702040506060504" pitchFamily="66" charset="-79"/>
+              </a:rPr>
+              <a:t>l</a:t>
+            </a:r>
+            <a:r>
+              <a:rPr lang="en-US" sz="1600" i="1" baseline="-25000" dirty="0"/>
+              <a:t>1</a:t>
+            </a:r>
+            <a:endParaRPr lang="en-US" sz="2400" i="1" baseline="-25000" dirty="0"/>
+          </a:p>
+        </p:txBody>
+      </p:sp>
+      <p:cxnSp>
+        <p:nvCxnSpPr>
+          <p:cNvPr id="229" name="Straight Arrow Connector 228">
+            <a:extLst>
+              <a:ext uri="{FF2B5EF4-FFF2-40B4-BE49-F238E27FC236}">
+                <a16:creationId xmlns:a16="http://schemas.microsoft.com/office/drawing/2014/main" id="{62CCDADE-21FA-E995-DA81-19E65AD54B8D}"/>
+              </a:ext>
+            </a:extLst>
+          </p:cNvPr>
+          <p:cNvCxnSpPr>
+            <a:cxnSpLocks/>
+            <a:stCxn id="148" idx="2"/>
+            <a:endCxn id="230" idx="0"/>
+          </p:cNvCxnSpPr>
+          <p:nvPr/>
+        </p:nvCxnSpPr>
+        <p:spPr>
+          <a:xfrm flipH="1">
+            <a:off x="6379277" y="4629745"/>
+            <a:ext cx="1089" cy="310006"/>
+          </a:xfrm>
+          <a:prstGeom prst="straightConnector1">
+            <a:avLst/>
+          </a:prstGeom>
+          <a:ln w="19050" cap="flat" cmpd="sng" algn="ctr">
+            <a:solidFill>
+              <a:schemeClr val="tx1"/>
+            </a:solidFill>
+            <a:prstDash val="solid"/>
+            <a:round/>
+            <a:headEnd type="none" w="med" len="med"/>
+            <a:tailEnd type="arrow" w="med" len="med"/>
+          </a:ln>
+          <a:effectLst/>
+        </p:spPr>
+        <p:style>
+          <a:lnRef idx="2">
+            <a:schemeClr val="accent1"/>
+          </a:lnRef>
+          <a:fillRef idx="0">
+            <a:schemeClr val="accent1"/>
+          </a:fillRef>
+          <a:effectRef idx="1">
+            <a:schemeClr val="accent1"/>
+          </a:effectRef>
+          <a:fontRef idx="minor">
+            <a:schemeClr val="tx1"/>
+          </a:fontRef>
+        </p:style>
+      </p:cxnSp>
+      <p:sp>
+        <p:nvSpPr>
+          <p:cNvPr id="230" name="Rectangle 229">
+            <a:extLst>
+              <a:ext uri="{FF2B5EF4-FFF2-40B4-BE49-F238E27FC236}">
+                <a16:creationId xmlns:a16="http://schemas.microsoft.com/office/drawing/2014/main" id="{0C677D7E-4937-AFC8-E6AF-6473F13C8366}"/>
+              </a:ext>
+            </a:extLst>
+          </p:cNvPr>
+          <p:cNvSpPr/>
+          <p:nvPr/>
+        </p:nvSpPr>
+        <p:spPr>
+          <a:xfrm>
+            <a:off x="6181005" y="4939751"/>
+            <a:ext cx="396543" cy="287121"/>
+          </a:xfrm>
+          <a:prstGeom prst="rect">
+            <a:avLst/>
+          </a:prstGeom>
+          <a:noFill/>
+        </p:spPr>
+        <p:style>
+          <a:lnRef idx="2">
+            <a:schemeClr val="dk1"/>
+          </a:lnRef>
+          <a:fillRef idx="1">
+            <a:schemeClr val="lt1"/>
+          </a:fillRef>
+          <a:effectRef idx="0">
+            <a:schemeClr val="dk1"/>
+          </a:effectRef>
+          <a:fontRef idx="minor">
+            <a:schemeClr val="dk1"/>
+          </a:fontRef>
+        </p:style>
+        <p:txBody>
+          <a:bodyPr rtlCol="0" anchor="ctr"/>
+          <a:lstStyle/>
+          <a:p>
+            <a:pPr algn="ctr"/>
+            <a:r>
+              <a:rPr lang="en-US" sz="1600" i="1" dirty="0">
+                <a:latin typeface="APPLE CHANCERY" panose="03020702040506060504" pitchFamily="66" charset="-79"/>
+                <a:cs typeface="APPLE CHANCERY" panose="03020702040506060504" pitchFamily="66" charset="-79"/>
+              </a:rPr>
+              <a:t>l</a:t>
+            </a:r>
+            <a:r>
+              <a:rPr lang="en-US" sz="1600" i="1" baseline="-25000" dirty="0"/>
+              <a:t>2</a:t>
+            </a:r>
+            <a:endParaRPr lang="en-US" sz="2400" i="1" baseline="-25000" dirty="0"/>
+          </a:p>
+        </p:txBody>
+      </p:sp>
+      <p:sp>
+        <p:nvSpPr>
+          <p:cNvPr id="21" name="Oval 20">
+            <a:extLst>
+              <a:ext uri="{FF2B5EF4-FFF2-40B4-BE49-F238E27FC236}">
+                <a16:creationId xmlns:a16="http://schemas.microsoft.com/office/drawing/2014/main" id="{4EBD7594-45F9-39A8-9B76-6F52BE82CF2F}"/>
+              </a:ext>
+            </a:extLst>
+          </p:cNvPr>
+          <p:cNvSpPr/>
+          <p:nvPr/>
+        </p:nvSpPr>
+        <p:spPr>
+          <a:xfrm>
+            <a:off x="7307120" y="1870844"/>
+            <a:ext cx="86952" cy="86952"/>
+          </a:xfrm>
+          <a:prstGeom prst="ellipse">
+            <a:avLst/>
+          </a:prstGeom>
+          <a:solidFill>
+            <a:schemeClr val="tx1"/>
+          </a:solidFill>
+          <a:ln>
+            <a:noFill/>
+          </a:ln>
+        </p:spPr>
+        <p:style>
+          <a:lnRef idx="2">
+            <a:schemeClr val="dk1">
+              <a:shade val="15000"/>
+            </a:schemeClr>
+          </a:lnRef>
+          <a:fillRef idx="1">
+            <a:schemeClr val="dk1"/>
+          </a:fillRef>
+          <a:effectRef idx="0">
+            <a:schemeClr val="dk1"/>
+          </a:effectRef>
+          <a:fontRef idx="minor">
+            <a:schemeClr val="lt1"/>
+          </a:fontRef>
+        </p:style>
+        <p:txBody>
+          <a:bodyPr rtlCol="0" anchor="ctr"/>
+          <a:lstStyle/>
+          <a:p>
+            <a:pPr algn="ctr"/>
+            <a:endParaRPr lang="en-US"/>
+          </a:p>
+        </p:txBody>
+      </p:sp>
+      <p:grpSp>
+        <p:nvGrpSpPr>
+          <p:cNvPr id="35" name="Group 34">
+            <a:extLst>
+              <a:ext uri="{FF2B5EF4-FFF2-40B4-BE49-F238E27FC236}">
+                <a16:creationId xmlns:a16="http://schemas.microsoft.com/office/drawing/2014/main" id="{61996940-A1D0-6DAE-7B07-A4E5CA83703B}"/>
+              </a:ext>
+            </a:extLst>
+          </p:cNvPr>
+          <p:cNvGrpSpPr/>
+          <p:nvPr/>
+        </p:nvGrpSpPr>
+        <p:grpSpPr>
+          <a:xfrm>
+            <a:off x="3960647" y="1544988"/>
+            <a:ext cx="1439466" cy="698651"/>
+            <a:chOff x="3242998" y="2991379"/>
+            <a:chExt cx="1439466" cy="698651"/>
+          </a:xfrm>
+        </p:grpSpPr>
+        <p:sp>
+          <p:nvSpPr>
+            <p:cNvPr id="26" name="Card 25">
+              <a:extLst>
+                <a:ext uri="{FF2B5EF4-FFF2-40B4-BE49-F238E27FC236}">
+                  <a16:creationId xmlns:a16="http://schemas.microsoft.com/office/drawing/2014/main" id="{FC164F5C-A932-D5DE-4504-B0BB703AD537}"/>
+                </a:ext>
+              </a:extLst>
+            </p:cNvPr>
+            <p:cNvSpPr/>
+            <p:nvPr/>
+          </p:nvSpPr>
+          <p:spPr>
+            <a:xfrm flipH="1">
+              <a:off x="3242998" y="2999310"/>
+              <a:ext cx="1352509" cy="690720"/>
+            </a:xfrm>
+            <a:prstGeom prst="flowChartPunchedCard">
+              <a:avLst/>
+            </a:prstGeom>
+            <a:solidFill>
+              <a:schemeClr val="bg1"/>
+            </a:solidFill>
+            <a:ln w="41275">
+              <a:solidFill>
+                <a:schemeClr val="tx1"/>
+              </a:solidFill>
+            </a:ln>
+            <a:effectLst/>
+          </p:spPr>
+          <p:style>
+            <a:lnRef idx="1">
+              <a:schemeClr val="accent1"/>
+            </a:lnRef>
+            <a:fillRef idx="3">
+              <a:schemeClr val="accent1"/>
+            </a:fillRef>
+            <a:effectRef idx="2">
+              <a:schemeClr val="accent1"/>
+            </a:effectRef>
+            <a:fontRef idx="minor">
+              <a:schemeClr val="lt1"/>
+            </a:fontRef>
+          </p:style>
+          <p:txBody>
+            <a:bodyPr rtlCol="0" anchor="ctr"/>
+            <a:lstStyle/>
+            <a:p>
+              <a:pPr algn="ctr"/>
+              <a:endParaRPr lang="en-US" sz="2000" baseline="-25000" dirty="0">
+                <a:solidFill>
+                  <a:schemeClr val="tx1"/>
+                </a:solidFill>
+              </a:endParaRPr>
+            </a:p>
+          </p:txBody>
+        </p:sp>
+        <p:sp>
+          <p:nvSpPr>
+            <p:cNvPr id="95" name="Can 94">
+              <a:extLst>
+                <a:ext uri="{FF2B5EF4-FFF2-40B4-BE49-F238E27FC236}">
+                  <a16:creationId xmlns:a16="http://schemas.microsoft.com/office/drawing/2014/main" id="{A20DF9DB-8F90-BE5F-F21E-60DD435FBB3C}"/>
+                </a:ext>
+              </a:extLst>
+            </p:cNvPr>
+            <p:cNvSpPr/>
+            <p:nvPr/>
+          </p:nvSpPr>
+          <p:spPr>
+            <a:xfrm>
+              <a:off x="3311516" y="3332626"/>
+              <a:ext cx="352803" cy="256860"/>
+            </a:xfrm>
+            <a:prstGeom prst="can">
+              <a:avLst/>
+            </a:prstGeom>
+            <a:solidFill>
+              <a:schemeClr val="bg1"/>
+            </a:solidFill>
+            <a:ln w="28575" cmpd="sng">
+              <a:solidFill>
+                <a:schemeClr val="tx1"/>
+              </a:solidFill>
+            </a:ln>
+            <a:effectLst/>
+          </p:spPr>
+          <p:style>
+            <a:lnRef idx="1">
+              <a:schemeClr val="accent1"/>
+            </a:lnRef>
+            <a:fillRef idx="3">
+              <a:schemeClr val="accent1"/>
+            </a:fillRef>
+            <a:effectRef idx="2">
+              <a:schemeClr val="accent1"/>
+            </a:effectRef>
+            <a:fontRef idx="minor">
+              <a:schemeClr val="lt1"/>
+            </a:fontRef>
+          </p:style>
+          <p:txBody>
+            <a:bodyPr rtlCol="0" anchor="ctr"/>
+            <a:lstStyle/>
+            <a:p>
+              <a:pPr algn="ctr"/>
+              <a:endParaRPr lang="en-US" sz="2000" dirty="0">
+                <a:solidFill>
+                  <a:schemeClr val="tx1"/>
+                </a:solidFill>
+              </a:endParaRPr>
+            </a:p>
+          </p:txBody>
+        </p:sp>
+        <p:sp>
+          <p:nvSpPr>
+            <p:cNvPr id="96" name="TextBox 95">
+              <a:extLst>
+                <a:ext uri="{FF2B5EF4-FFF2-40B4-BE49-F238E27FC236}">
+                  <a16:creationId xmlns:a16="http://schemas.microsoft.com/office/drawing/2014/main" id="{E7DDC3C4-28F7-D49A-8072-9AB2E1AB078F}"/>
+                </a:ext>
+              </a:extLst>
+            </p:cNvPr>
+            <p:cNvSpPr txBox="1"/>
+            <p:nvPr/>
+          </p:nvSpPr>
+          <p:spPr>
+            <a:xfrm>
+              <a:off x="3242998" y="2991379"/>
+              <a:ext cx="510139" cy="369332"/>
+            </a:xfrm>
+            <a:prstGeom prst="rect">
+              <a:avLst/>
+            </a:prstGeom>
+            <a:noFill/>
+          </p:spPr>
+          <p:txBody>
+            <a:bodyPr wrap="square" rtlCol="0">
+              <a:spAutoFit/>
+            </a:bodyPr>
+            <a:lstStyle/>
+            <a:p>
+              <a:pPr algn="ctr"/>
+              <a:r>
+                <a:rPr lang="en-US" dirty="0"/>
+                <a:t>S</a:t>
+              </a:r>
+              <a:r>
+                <a:rPr lang="en-US" baseline="-25000" dirty="0"/>
+                <a:t>1</a:t>
+              </a:r>
+              <a:endParaRPr lang="en-US" dirty="0"/>
+            </a:p>
+          </p:txBody>
+        </p:sp>
+        <p:sp>
+          <p:nvSpPr>
+            <p:cNvPr id="15" name="TextBox 14">
+              <a:extLst>
+                <a:ext uri="{FF2B5EF4-FFF2-40B4-BE49-F238E27FC236}">
+                  <a16:creationId xmlns:a16="http://schemas.microsoft.com/office/drawing/2014/main" id="{FE02ADA1-3378-3567-CE93-96C88A0F6871}"/>
+                </a:ext>
+              </a:extLst>
+            </p:cNvPr>
+            <p:cNvSpPr txBox="1"/>
+            <p:nvPr/>
+          </p:nvSpPr>
+          <p:spPr>
+            <a:xfrm>
+              <a:off x="3902981" y="3276390"/>
+              <a:ext cx="779483" cy="369332"/>
+            </a:xfrm>
+            <a:prstGeom prst="rect">
+              <a:avLst/>
+            </a:prstGeom>
+            <a:noFill/>
+          </p:spPr>
+          <p:txBody>
+            <a:bodyPr wrap="square">
+              <a:spAutoFit/>
+            </a:bodyPr>
+            <a:lstStyle/>
+            <a:p>
+              <a:pPr algn="ctr"/>
+              <a:r>
+                <a:rPr lang="en-US" dirty="0">
+                  <a:solidFill>
+                    <a:schemeClr val="tx1"/>
+                  </a:solidFill>
+                </a:rPr>
+                <a:t>OI</a:t>
+              </a:r>
+              <a:r>
+                <a:rPr lang="en-US" baseline="-25000" dirty="0">
+                  <a:solidFill>
+                    <a:schemeClr val="tx1"/>
+                  </a:solidFill>
+                </a:rPr>
+                <a:t>HAPV</a:t>
+              </a:r>
+              <a:endParaRPr lang="en-US" sz="2000" baseline="-25000" dirty="0">
+                <a:solidFill>
+                  <a:schemeClr val="tx1"/>
+                </a:solidFill>
+              </a:endParaRPr>
+            </a:p>
+          </p:txBody>
+        </p:sp>
+        <p:cxnSp>
+          <p:nvCxnSpPr>
+            <p:cNvPr id="19" name="Straight Arrow Connector 18">
+              <a:extLst>
+                <a:ext uri="{FF2B5EF4-FFF2-40B4-BE49-F238E27FC236}">
+                  <a16:creationId xmlns:a16="http://schemas.microsoft.com/office/drawing/2014/main" id="{2B565150-B975-356C-F08E-475403ECC61E}"/>
+                </a:ext>
+              </a:extLst>
+            </p:cNvPr>
+            <p:cNvCxnSpPr>
+              <a:cxnSpLocks/>
+              <a:stCxn id="15" idx="1"/>
+              <a:endCxn id="95" idx="4"/>
+            </p:cNvCxnSpPr>
+            <p:nvPr/>
+          </p:nvCxnSpPr>
+          <p:spPr>
+            <a:xfrm flipH="1">
+              <a:off x="3664319" y="3461056"/>
+              <a:ext cx="238662" cy="0"/>
+            </a:xfrm>
+            <a:prstGeom prst="straightConnector1">
+              <a:avLst/>
+            </a:prstGeom>
+            <a:ln w="19050" cap="flat" cmpd="sng" algn="ctr">
+              <a:solidFill>
+                <a:schemeClr val="tx1"/>
+              </a:solidFill>
+              <a:prstDash val="solid"/>
+              <a:round/>
+              <a:headEnd type="none" w="med" len="med"/>
+              <a:tailEnd type="arrow" w="med" len="med"/>
+            </a:ln>
+            <a:effectLst/>
+          </p:spPr>
+          <p:style>
+            <a:lnRef idx="2">
+              <a:schemeClr val="accent1"/>
+            </a:lnRef>
+            <a:fillRef idx="0">
+              <a:schemeClr val="accent1"/>
+            </a:fillRef>
+            <a:effectRef idx="1">
+              <a:schemeClr val="accent1"/>
+            </a:effectRef>
+            <a:fontRef idx="minor">
+              <a:schemeClr val="tx1"/>
+            </a:fontRef>
+          </p:style>
+        </p:cxnSp>
+      </p:grpSp>
+      <p:sp>
+        <p:nvSpPr>
+          <p:cNvPr id="41" name="Rectangle 40">
+            <a:extLst>
+              <a:ext uri="{FF2B5EF4-FFF2-40B4-BE49-F238E27FC236}">
+                <a16:creationId xmlns:a16="http://schemas.microsoft.com/office/drawing/2014/main" id="{B3A03409-946B-8ED5-DE07-A40D86636290}"/>
+              </a:ext>
+            </a:extLst>
+          </p:cNvPr>
+          <p:cNvSpPr/>
+          <p:nvPr/>
+        </p:nvSpPr>
+        <p:spPr>
+          <a:xfrm>
+            <a:off x="4389419" y="2742239"/>
+            <a:ext cx="494963" cy="369332"/>
+          </a:xfrm>
+          <a:prstGeom prst="rect">
+            <a:avLst/>
+          </a:prstGeom>
+          <a:noFill/>
+        </p:spPr>
+        <p:style>
+          <a:lnRef idx="2">
+            <a:schemeClr val="dk1"/>
+          </a:lnRef>
+          <a:fillRef idx="1">
+            <a:schemeClr val="lt1"/>
+          </a:fillRef>
+          <a:effectRef idx="0">
+            <a:schemeClr val="dk1"/>
+          </a:effectRef>
+          <a:fontRef idx="minor">
+            <a:schemeClr val="dk1"/>
+          </a:fontRef>
+        </p:style>
+        <p:txBody>
+          <a:bodyPr rtlCol="0" anchor="ctr"/>
+          <a:lstStyle/>
+          <a:p>
+            <a:pPr algn="ctr"/>
+            <a:r>
+              <a:rPr lang="en-US" sz="1600" dirty="0"/>
+              <a:t>M</a:t>
+            </a:r>
+            <a:r>
+              <a:rPr lang="en-US" sz="1600" baseline="-25000" dirty="0"/>
+              <a:t>1</a:t>
+            </a:r>
+            <a:endParaRPr lang="en-US" baseline="-25000" dirty="0"/>
+          </a:p>
+        </p:txBody>
+      </p:sp>
+      <p:cxnSp>
+        <p:nvCxnSpPr>
+          <p:cNvPr id="45" name="Straight Arrow Connector 44">
+            <a:extLst>
+              <a:ext uri="{FF2B5EF4-FFF2-40B4-BE49-F238E27FC236}">
+                <a16:creationId xmlns:a16="http://schemas.microsoft.com/office/drawing/2014/main" id="{41E3AFD1-64DD-C4F5-F5F1-16EC43D2A194}"/>
+              </a:ext>
+            </a:extLst>
+          </p:cNvPr>
+          <p:cNvCxnSpPr>
+            <a:cxnSpLocks/>
+            <a:stCxn id="48" idx="2"/>
+            <a:endCxn id="54" idx="0"/>
+          </p:cNvCxnSpPr>
+          <p:nvPr/>
+        </p:nvCxnSpPr>
+        <p:spPr>
+          <a:xfrm>
+            <a:off x="6375354" y="2249211"/>
+            <a:ext cx="0" cy="498600"/>
+          </a:xfrm>
+          <a:prstGeom prst="straightConnector1">
+            <a:avLst/>
+          </a:prstGeom>
+          <a:ln w="19050" cap="flat" cmpd="sng" algn="ctr">
+            <a:solidFill>
+              <a:schemeClr val="tx1"/>
+            </a:solidFill>
+            <a:prstDash val="solid"/>
+            <a:round/>
+            <a:headEnd type="none" w="med" len="med"/>
+            <a:tailEnd type="arrow" w="med" len="med"/>
+          </a:ln>
+          <a:effectLst/>
+        </p:spPr>
+        <p:style>
+          <a:lnRef idx="2">
+            <a:schemeClr val="accent1"/>
+          </a:lnRef>
+          <a:fillRef idx="0">
+            <a:schemeClr val="accent1"/>
+          </a:fillRef>
+          <a:effectRef idx="1">
+            <a:schemeClr val="accent1"/>
+          </a:effectRef>
+          <a:fontRef idx="minor">
+            <a:schemeClr val="tx1"/>
+          </a:fontRef>
+        </p:style>
+      </p:cxnSp>
+      <p:grpSp>
+        <p:nvGrpSpPr>
+          <p:cNvPr id="46" name="Group 45">
+            <a:extLst>
+              <a:ext uri="{FF2B5EF4-FFF2-40B4-BE49-F238E27FC236}">
+                <a16:creationId xmlns:a16="http://schemas.microsoft.com/office/drawing/2014/main" id="{F9E430E7-F16D-3459-3BE1-42B17DBD1B73}"/>
+              </a:ext>
+            </a:extLst>
+          </p:cNvPr>
+          <p:cNvGrpSpPr/>
+          <p:nvPr/>
+        </p:nvGrpSpPr>
+        <p:grpSpPr>
+          <a:xfrm>
+            <a:off x="5699100" y="1550560"/>
+            <a:ext cx="1439466" cy="698651"/>
+            <a:chOff x="3242998" y="2991379"/>
+            <a:chExt cx="1439466" cy="698651"/>
+          </a:xfrm>
+        </p:grpSpPr>
+        <p:sp>
+          <p:nvSpPr>
+            <p:cNvPr id="48" name="Card 47">
+              <a:extLst>
+                <a:ext uri="{FF2B5EF4-FFF2-40B4-BE49-F238E27FC236}">
+                  <a16:creationId xmlns:a16="http://schemas.microsoft.com/office/drawing/2014/main" id="{09D91D1B-EE4E-4462-F31C-C65D13ACD45B}"/>
+                </a:ext>
+              </a:extLst>
+            </p:cNvPr>
+            <p:cNvSpPr/>
+            <p:nvPr/>
+          </p:nvSpPr>
+          <p:spPr>
+            <a:xfrm flipH="1">
+              <a:off x="3242998" y="2999310"/>
+              <a:ext cx="1352509" cy="690720"/>
+            </a:xfrm>
+            <a:prstGeom prst="flowChartPunchedCard">
+              <a:avLst/>
+            </a:prstGeom>
+            <a:solidFill>
+              <a:schemeClr val="bg1"/>
+            </a:solidFill>
+            <a:ln w="41275">
+              <a:solidFill>
+                <a:schemeClr val="tx1"/>
+              </a:solidFill>
+            </a:ln>
+            <a:effectLst/>
+          </p:spPr>
+          <p:style>
+            <a:lnRef idx="1">
+              <a:schemeClr val="accent1"/>
+            </a:lnRef>
+            <a:fillRef idx="3">
+              <a:schemeClr val="accent1"/>
+            </a:fillRef>
+            <a:effectRef idx="2">
+              <a:schemeClr val="accent1"/>
+            </a:effectRef>
+            <a:fontRef idx="minor">
+              <a:schemeClr val="lt1"/>
+            </a:fontRef>
+          </p:style>
+          <p:txBody>
+            <a:bodyPr rtlCol="0" anchor="ctr"/>
+            <a:lstStyle/>
+            <a:p>
+              <a:pPr algn="ctr"/>
+              <a:endParaRPr lang="en-US" sz="2000" baseline="-25000" dirty="0">
+                <a:solidFill>
+                  <a:schemeClr val="tx1"/>
+                </a:solidFill>
+              </a:endParaRPr>
+            </a:p>
+          </p:txBody>
+        </p:sp>
+        <p:sp>
+          <p:nvSpPr>
+            <p:cNvPr id="50" name="Can 49">
+              <a:extLst>
+                <a:ext uri="{FF2B5EF4-FFF2-40B4-BE49-F238E27FC236}">
+                  <a16:creationId xmlns:a16="http://schemas.microsoft.com/office/drawing/2014/main" id="{5EB4BC00-2C1A-D2BB-CF68-AD26E1AD7485}"/>
+                </a:ext>
+              </a:extLst>
+            </p:cNvPr>
+            <p:cNvSpPr/>
+            <p:nvPr/>
+          </p:nvSpPr>
+          <p:spPr>
+            <a:xfrm>
+              <a:off x="3311516" y="3332626"/>
+              <a:ext cx="352803" cy="256860"/>
+            </a:xfrm>
+            <a:prstGeom prst="can">
+              <a:avLst/>
+            </a:prstGeom>
+            <a:solidFill>
+              <a:schemeClr val="bg1"/>
+            </a:solidFill>
+            <a:ln w="28575" cmpd="sng">
+              <a:solidFill>
+                <a:schemeClr val="tx1"/>
+              </a:solidFill>
+            </a:ln>
+            <a:effectLst/>
+          </p:spPr>
+          <p:style>
+            <a:lnRef idx="1">
+              <a:schemeClr val="accent1"/>
+            </a:lnRef>
+            <a:fillRef idx="3">
+              <a:schemeClr val="accent1"/>
+            </a:fillRef>
+            <a:effectRef idx="2">
+              <a:schemeClr val="accent1"/>
+            </a:effectRef>
+            <a:fontRef idx="minor">
+              <a:schemeClr val="lt1"/>
+            </a:fontRef>
+          </p:style>
+          <p:txBody>
+            <a:bodyPr rtlCol="0" anchor="ctr"/>
+            <a:lstStyle/>
+            <a:p>
+              <a:pPr algn="ctr"/>
+              <a:endParaRPr lang="en-US" sz="2000" dirty="0">
+                <a:solidFill>
+                  <a:schemeClr val="tx1"/>
+                </a:solidFill>
+              </a:endParaRPr>
+            </a:p>
+          </p:txBody>
+        </p:sp>
+        <p:sp>
+          <p:nvSpPr>
+            <p:cNvPr id="51" name="TextBox 50">
+              <a:extLst>
+                <a:ext uri="{FF2B5EF4-FFF2-40B4-BE49-F238E27FC236}">
+                  <a16:creationId xmlns:a16="http://schemas.microsoft.com/office/drawing/2014/main" id="{098E594E-D444-C58B-02CD-6ACE165010CD}"/>
+                </a:ext>
+              </a:extLst>
+            </p:cNvPr>
+            <p:cNvSpPr txBox="1"/>
+            <p:nvPr/>
+          </p:nvSpPr>
+          <p:spPr>
+            <a:xfrm>
+              <a:off x="3242998" y="2991379"/>
+              <a:ext cx="510139" cy="369332"/>
+            </a:xfrm>
+            <a:prstGeom prst="rect">
+              <a:avLst/>
+            </a:prstGeom>
+            <a:noFill/>
+          </p:spPr>
+          <p:txBody>
+            <a:bodyPr wrap="square" rtlCol="0">
+              <a:spAutoFit/>
+            </a:bodyPr>
+            <a:lstStyle/>
+            <a:p>
+              <a:pPr algn="ctr"/>
+              <a:r>
+                <a:rPr lang="en-US" dirty="0"/>
+                <a:t>S</a:t>
+              </a:r>
+              <a:r>
+                <a:rPr lang="en-US" baseline="-25000" dirty="0"/>
+                <a:t>2</a:t>
+              </a:r>
+              <a:endParaRPr lang="en-US" dirty="0"/>
+            </a:p>
+          </p:txBody>
+        </p:sp>
+        <p:sp>
+          <p:nvSpPr>
+            <p:cNvPr id="52" name="TextBox 51">
+              <a:extLst>
+                <a:ext uri="{FF2B5EF4-FFF2-40B4-BE49-F238E27FC236}">
+                  <a16:creationId xmlns:a16="http://schemas.microsoft.com/office/drawing/2014/main" id="{A18A2F94-6975-CC7D-91ED-820CB0E7CCB1}"/>
+                </a:ext>
+              </a:extLst>
+            </p:cNvPr>
+            <p:cNvSpPr txBox="1"/>
+            <p:nvPr/>
+          </p:nvSpPr>
+          <p:spPr>
+            <a:xfrm>
+              <a:off x="3902981" y="3276390"/>
+              <a:ext cx="779483" cy="369332"/>
+            </a:xfrm>
+            <a:prstGeom prst="rect">
+              <a:avLst/>
+            </a:prstGeom>
+            <a:noFill/>
+          </p:spPr>
+          <p:txBody>
+            <a:bodyPr wrap="square">
+              <a:spAutoFit/>
+            </a:bodyPr>
+            <a:lstStyle/>
+            <a:p>
+              <a:pPr algn="ctr"/>
+              <a:r>
+                <a:rPr lang="en-US" dirty="0">
+                  <a:solidFill>
+                    <a:schemeClr val="tx1"/>
+                  </a:solidFill>
+                </a:rPr>
+                <a:t>OI</a:t>
+              </a:r>
+              <a:r>
+                <a:rPr lang="en-US" baseline="-25000" dirty="0">
+                  <a:solidFill>
+                    <a:schemeClr val="tx1"/>
+                  </a:solidFill>
+                </a:rPr>
+                <a:t>HAPV</a:t>
+              </a:r>
+              <a:endParaRPr lang="en-US" sz="2000" baseline="-25000" dirty="0">
+                <a:solidFill>
+                  <a:schemeClr val="tx1"/>
+                </a:solidFill>
+              </a:endParaRPr>
+            </a:p>
+          </p:txBody>
+        </p:sp>
+        <p:cxnSp>
+          <p:nvCxnSpPr>
+            <p:cNvPr id="53" name="Straight Arrow Connector 52">
+              <a:extLst>
+                <a:ext uri="{FF2B5EF4-FFF2-40B4-BE49-F238E27FC236}">
+                  <a16:creationId xmlns:a16="http://schemas.microsoft.com/office/drawing/2014/main" id="{3EF689F2-34E2-5D2E-6C20-36C15C6A3264}"/>
+                </a:ext>
+              </a:extLst>
+            </p:cNvPr>
+            <p:cNvCxnSpPr>
+              <a:cxnSpLocks/>
+              <a:stCxn id="52" idx="1"/>
+              <a:endCxn id="50" idx="4"/>
+            </p:cNvCxnSpPr>
+            <p:nvPr/>
+          </p:nvCxnSpPr>
+          <p:spPr>
+            <a:xfrm flipH="1">
+              <a:off x="3664319" y="3461056"/>
+              <a:ext cx="238662" cy="0"/>
+            </a:xfrm>
+            <a:prstGeom prst="straightConnector1">
+              <a:avLst/>
+            </a:prstGeom>
+            <a:ln w="19050" cap="flat" cmpd="sng" algn="ctr">
+              <a:solidFill>
+                <a:schemeClr val="tx1"/>
+              </a:solidFill>
+              <a:prstDash val="solid"/>
+              <a:round/>
+              <a:headEnd type="none" w="med" len="med"/>
+              <a:tailEnd type="arrow" w="med" len="med"/>
+            </a:ln>
+            <a:effectLst/>
+          </p:spPr>
+          <p:style>
+            <a:lnRef idx="2">
+              <a:schemeClr val="accent1"/>
+            </a:lnRef>
+            <a:fillRef idx="0">
+              <a:schemeClr val="accent1"/>
+            </a:fillRef>
+            <a:effectRef idx="1">
+              <a:schemeClr val="accent1"/>
+            </a:effectRef>
+            <a:fontRef idx="minor">
+              <a:schemeClr val="tx1"/>
+            </a:fontRef>
+          </p:style>
+        </p:cxnSp>
+      </p:grpSp>
+      <p:sp>
+        <p:nvSpPr>
+          <p:cNvPr id="54" name="Rectangle 53">
+            <a:extLst>
+              <a:ext uri="{FF2B5EF4-FFF2-40B4-BE49-F238E27FC236}">
+                <a16:creationId xmlns:a16="http://schemas.microsoft.com/office/drawing/2014/main" id="{4D4BB4E4-8E25-4FCF-D3E7-CB08025F3044}"/>
+              </a:ext>
+            </a:extLst>
+          </p:cNvPr>
+          <p:cNvSpPr/>
+          <p:nvPr/>
+        </p:nvSpPr>
+        <p:spPr>
+          <a:xfrm>
+            <a:off x="6127872" y="2747811"/>
+            <a:ext cx="494963" cy="369332"/>
+          </a:xfrm>
+          <a:prstGeom prst="rect">
+            <a:avLst/>
+          </a:prstGeom>
+          <a:noFill/>
+        </p:spPr>
+        <p:style>
+          <a:lnRef idx="2">
+            <a:schemeClr val="dk1"/>
+          </a:lnRef>
+          <a:fillRef idx="1">
+            <a:schemeClr val="lt1"/>
+          </a:fillRef>
+          <a:effectRef idx="0">
+            <a:schemeClr val="dk1"/>
+          </a:effectRef>
+          <a:fontRef idx="minor">
+            <a:schemeClr val="dk1"/>
+          </a:fontRef>
+        </p:style>
+        <p:txBody>
+          <a:bodyPr rtlCol="0" anchor="ctr"/>
+          <a:lstStyle/>
+          <a:p>
+            <a:pPr algn="ctr"/>
+            <a:r>
+              <a:rPr lang="en-US" sz="1600" dirty="0"/>
+              <a:t>M</a:t>
+            </a:r>
+            <a:r>
+              <a:rPr lang="en-US" sz="1600" baseline="-25000" dirty="0"/>
+              <a:t>2</a:t>
+            </a:r>
+            <a:endParaRPr lang="en-US" baseline="-25000" dirty="0"/>
+          </a:p>
+        </p:txBody>
+      </p:sp>
+      <p:sp>
+        <p:nvSpPr>
+          <p:cNvPr id="55" name="Can 54">
+            <a:extLst>
+              <a:ext uri="{FF2B5EF4-FFF2-40B4-BE49-F238E27FC236}">
+                <a16:creationId xmlns:a16="http://schemas.microsoft.com/office/drawing/2014/main" id="{70D0E1C1-9C1A-ABC6-BA4D-1F7B14E7F6B2}"/>
+              </a:ext>
+            </a:extLst>
+          </p:cNvPr>
+          <p:cNvSpPr/>
+          <p:nvPr/>
+        </p:nvSpPr>
+        <p:spPr>
+          <a:xfrm>
+            <a:off x="4460499" y="3843105"/>
             <a:ext cx="352803" cy="256860"/>
           </a:xfrm>
           <a:prstGeom prst="can">
@@ -3385,10 +4587,10 @@
       </p:sp>
       <p:sp>
         <p:nvSpPr>
-          <p:cNvPr id="7" name="TextBox 6">
-            <a:extLst>
-              <a:ext uri="{FF2B5EF4-FFF2-40B4-BE49-F238E27FC236}">
-                <a16:creationId xmlns:a16="http://schemas.microsoft.com/office/drawing/2014/main" id="{C2BC8E51-AFD1-69BD-A9EB-8800DE25509A}"/>
+          <p:cNvPr id="56" name="TextBox 55">
+            <a:extLst>
+              <a:ext uri="{FF2B5EF4-FFF2-40B4-BE49-F238E27FC236}">
+                <a16:creationId xmlns:a16="http://schemas.microsoft.com/office/drawing/2014/main" id="{2D1E1F81-63EF-E8D6-1AED-7BB016121776}"/>
               </a:ext>
             </a:extLst>
           </p:cNvPr>
@@ -3397,7 +4599,7 @@
         </p:nvSpPr>
         <p:spPr>
           <a:xfrm>
-            <a:off x="1886929" y="3682960"/>
+            <a:off x="4084370" y="3786869"/>
             <a:ext cx="510139" cy="369332"/>
           </a:xfrm>
           <a:prstGeom prst="rect">
@@ -3426,10 +4628,10 @@
       </p:sp>
       <p:sp>
         <p:nvSpPr>
-          <p:cNvPr id="8" name="Can 7">
-            <a:extLst>
-              <a:ext uri="{FF2B5EF4-FFF2-40B4-BE49-F238E27FC236}">
-                <a16:creationId xmlns:a16="http://schemas.microsoft.com/office/drawing/2014/main" id="{93452469-6C0F-240F-C1C3-B7A459D4C049}"/>
+          <p:cNvPr id="57" name="Can 56">
+            <a:extLst>
+              <a:ext uri="{FF2B5EF4-FFF2-40B4-BE49-F238E27FC236}">
+                <a16:creationId xmlns:a16="http://schemas.microsoft.com/office/drawing/2014/main" id="{3A27B8BF-5CC1-29F8-8B43-3CD3291D0E8B}"/>
               </a:ext>
             </a:extLst>
           </p:cNvPr>
@@ -3438,7 +4640,7 @@
         </p:nvSpPr>
         <p:spPr>
           <a:xfrm>
-            <a:off x="2263058" y="4289074"/>
+            <a:off x="6201108" y="3843105"/>
             <a:ext cx="352803" cy="256860"/>
           </a:xfrm>
           <a:prstGeom prst="can">
@@ -3483,10 +4685,10 @@
       </p:sp>
       <p:sp>
         <p:nvSpPr>
-          <p:cNvPr id="9" name="TextBox 8">
-            <a:extLst>
-              <a:ext uri="{FF2B5EF4-FFF2-40B4-BE49-F238E27FC236}">
-                <a16:creationId xmlns:a16="http://schemas.microsoft.com/office/drawing/2014/main" id="{579B9B48-9C93-5E0D-7EB5-A257B3FF24EE}"/>
+          <p:cNvPr id="58" name="TextBox 57">
+            <a:extLst>
+              <a:ext uri="{FF2B5EF4-FFF2-40B4-BE49-F238E27FC236}">
+                <a16:creationId xmlns:a16="http://schemas.microsoft.com/office/drawing/2014/main" id="{A6164BB0-E07F-F520-2598-973819501149}"/>
               </a:ext>
             </a:extLst>
           </p:cNvPr>
@@ -3495,7 +4697,7 @@
         </p:nvSpPr>
         <p:spPr>
           <a:xfrm>
-            <a:off x="1886929" y="4232838"/>
+            <a:off x="5824979" y="3786869"/>
             <a:ext cx="510139" cy="369332"/>
           </a:xfrm>
           <a:prstGeom prst="rect">
@@ -3522,110 +4724,262 @@
           </a:p>
         </p:txBody>
       </p:sp>
-      <p:sp>
-        <p:nvSpPr>
-          <p:cNvPr id="10" name="Can 9">
-            <a:extLst>
-              <a:ext uri="{FF2B5EF4-FFF2-40B4-BE49-F238E27FC236}">
-                <a16:creationId xmlns:a16="http://schemas.microsoft.com/office/drawing/2014/main" id="{3B7F7124-8264-58D1-CEBC-81556AF2626C}"/>
-              </a:ext>
-            </a:extLst>
-          </p:cNvPr>
-          <p:cNvSpPr/>
+      <p:cxnSp>
+        <p:nvCxnSpPr>
+          <p:cNvPr id="59" name="Straight Arrow Connector 58">
+            <a:extLst>
+              <a:ext uri="{FF2B5EF4-FFF2-40B4-BE49-F238E27FC236}">
+                <a16:creationId xmlns:a16="http://schemas.microsoft.com/office/drawing/2014/main" id="{BBC30F68-75FD-7E7B-6FF1-DDB22220521F}"/>
+              </a:ext>
+            </a:extLst>
+          </p:cNvPr>
+          <p:cNvCxnSpPr>
+            <a:cxnSpLocks/>
+            <a:stCxn id="41" idx="2"/>
+            <a:endCxn id="57" idx="1"/>
+          </p:cNvCxnSpPr>
           <p:nvPr/>
-        </p:nvSpPr>
+        </p:nvCxnSpPr>
         <p:spPr>
           <a:xfrm>
-            <a:off x="2263058" y="5163718"/>
-            <a:ext cx="352803" cy="256860"/>
+            <a:off x="4636901" y="3111571"/>
+            <a:ext cx="1740609" cy="731534"/>
           </a:xfrm>
-          <a:prstGeom prst="can">
+          <a:prstGeom prst="straightConnector1">
             <a:avLst/>
           </a:prstGeom>
-          <a:solidFill>
-            <a:schemeClr val="bg1"/>
-          </a:solidFill>
-          <a:ln w="28575" cmpd="sng">
+          <a:ln w="19050" cap="flat" cmpd="sng" algn="ctr">
             <a:solidFill>
               <a:schemeClr val="tx1"/>
             </a:solidFill>
+            <a:prstDash val="solid"/>
+            <a:round/>
+            <a:headEnd type="none" w="med" len="med"/>
+            <a:tailEnd type="arrow" w="med" len="med"/>
           </a:ln>
           <a:effectLst/>
         </p:spPr>
         <p:style>
-          <a:lnRef idx="1">
+          <a:lnRef idx="2">
             <a:schemeClr val="accent1"/>
           </a:lnRef>
-          <a:fillRef idx="3">
+          <a:fillRef idx="0">
             <a:schemeClr val="accent1"/>
           </a:fillRef>
-          <a:effectRef idx="2">
+          <a:effectRef idx="1">
             <a:schemeClr val="accent1"/>
           </a:effectRef>
           <a:fontRef idx="minor">
-            <a:schemeClr val="lt1"/>
+            <a:schemeClr val="tx1"/>
           </a:fontRef>
         </p:style>
-        <p:txBody>
-          <a:bodyPr rtlCol="0" anchor="ctr"/>
-          <a:lstStyle/>
-          <a:p>
-            <a:pPr algn="ctr"/>
-            <a:endParaRPr lang="en-US" sz="2000" dirty="0">
-              <a:solidFill>
-                <a:schemeClr val="tx1"/>
-              </a:solidFill>
-            </a:endParaRPr>
-          </a:p>
-        </p:txBody>
-      </p:sp>
-      <p:sp>
-        <p:nvSpPr>
-          <p:cNvPr id="11" name="TextBox 10">
-            <a:extLst>
-              <a:ext uri="{FF2B5EF4-FFF2-40B4-BE49-F238E27FC236}">
-                <a16:creationId xmlns:a16="http://schemas.microsoft.com/office/drawing/2014/main" id="{7085B9FA-F37C-1774-7051-B175F8CA8C63}"/>
-              </a:ext>
-            </a:extLst>
-          </p:cNvPr>
-          <p:cNvSpPr txBox="1"/>
+      </p:cxnSp>
+      <p:cxnSp>
+        <p:nvCxnSpPr>
+          <p:cNvPr id="62" name="Straight Arrow Connector 61">
+            <a:extLst>
+              <a:ext uri="{FF2B5EF4-FFF2-40B4-BE49-F238E27FC236}">
+                <a16:creationId xmlns:a16="http://schemas.microsoft.com/office/drawing/2014/main" id="{C05C31FB-2D2E-F643-2066-33CDFB19BDD5}"/>
+              </a:ext>
+            </a:extLst>
+          </p:cNvPr>
+          <p:cNvCxnSpPr>
+            <a:cxnSpLocks/>
+            <a:stCxn id="41" idx="2"/>
+            <a:endCxn id="55" idx="1"/>
+          </p:cNvCxnSpPr>
           <p:nvPr/>
-        </p:nvSpPr>
+        </p:nvCxnSpPr>
         <p:spPr>
           <a:xfrm>
-            <a:off x="1886929" y="5107482"/>
-            <a:ext cx="510139" cy="369332"/>
+            <a:off x="4636901" y="3111571"/>
+            <a:ext cx="0" cy="731534"/>
           </a:xfrm>
-          <a:prstGeom prst="rect">
+          <a:prstGeom prst="straightConnector1">
             <a:avLst/>
           </a:prstGeom>
-          <a:noFill/>
+          <a:ln w="19050" cap="flat" cmpd="sng" algn="ctr">
+            <a:solidFill>
+              <a:schemeClr val="tx1"/>
+            </a:solidFill>
+            <a:prstDash val="solid"/>
+            <a:round/>
+            <a:headEnd type="none" w="med" len="med"/>
+            <a:tailEnd type="arrow" w="med" len="med"/>
+          </a:ln>
+          <a:effectLst/>
         </p:spPr>
-        <p:txBody>
-          <a:bodyPr wrap="square" rtlCol="0">
-            <a:spAutoFit/>
-          </a:bodyPr>
-          <a:lstStyle/>
-          <a:p>
-            <a:pPr algn="ctr"/>
-            <a:r>
-              <a:rPr lang="en-US" dirty="0"/>
-              <a:t>S</a:t>
-            </a:r>
-            <a:r>
-              <a:rPr lang="en-US" baseline="-25000" dirty="0"/>
-              <a:t>n</a:t>
-            </a:r>
-            <a:endParaRPr lang="en-US" dirty="0"/>
-          </a:p>
-        </p:txBody>
-      </p:sp>
-      <p:sp>
-        <p:nvSpPr>
-          <p:cNvPr id="12" name="Oval 11">
-            <a:extLst>
-              <a:ext uri="{FF2B5EF4-FFF2-40B4-BE49-F238E27FC236}">
-                <a16:creationId xmlns:a16="http://schemas.microsoft.com/office/drawing/2014/main" id="{18A99483-6F5F-0205-F4D9-DB6E285CEB33}"/>
+        <p:style>
+          <a:lnRef idx="2">
+            <a:schemeClr val="accent1"/>
+          </a:lnRef>
+          <a:fillRef idx="0">
+            <a:schemeClr val="accent1"/>
+          </a:fillRef>
+          <a:effectRef idx="1">
+            <a:schemeClr val="accent1"/>
+          </a:effectRef>
+          <a:fontRef idx="minor">
+            <a:schemeClr val="tx1"/>
+          </a:fontRef>
+        </p:style>
+      </p:cxnSp>
+      <p:cxnSp>
+        <p:nvCxnSpPr>
+          <p:cNvPr id="69" name="Straight Arrow Connector 68">
+            <a:extLst>
+              <a:ext uri="{FF2B5EF4-FFF2-40B4-BE49-F238E27FC236}">
+                <a16:creationId xmlns:a16="http://schemas.microsoft.com/office/drawing/2014/main" id="{1CCD82C1-3CFA-2FF1-4AAB-02585F5E8C7D}"/>
+              </a:ext>
+            </a:extLst>
+          </p:cNvPr>
+          <p:cNvCxnSpPr>
+            <a:cxnSpLocks/>
+            <a:stCxn id="54" idx="2"/>
+            <a:endCxn id="57" idx="1"/>
+          </p:cNvCxnSpPr>
+          <p:nvPr/>
+        </p:nvCxnSpPr>
+        <p:spPr>
+          <a:xfrm>
+            <a:off x="6375354" y="3117143"/>
+            <a:ext cx="2156" cy="725962"/>
+          </a:xfrm>
+          <a:prstGeom prst="straightConnector1">
+            <a:avLst/>
+          </a:prstGeom>
+          <a:ln w="19050" cap="flat" cmpd="sng" algn="ctr">
+            <a:solidFill>
+              <a:schemeClr val="tx1"/>
+            </a:solidFill>
+            <a:prstDash val="solid"/>
+            <a:round/>
+            <a:headEnd type="none" w="med" len="med"/>
+            <a:tailEnd type="arrow" w="med" len="med"/>
+          </a:ln>
+          <a:effectLst/>
+        </p:spPr>
+        <p:style>
+          <a:lnRef idx="2">
+            <a:schemeClr val="accent1"/>
+          </a:lnRef>
+          <a:fillRef idx="0">
+            <a:schemeClr val="accent1"/>
+          </a:fillRef>
+          <a:effectRef idx="1">
+            <a:schemeClr val="accent1"/>
+          </a:effectRef>
+          <a:fontRef idx="minor">
+            <a:schemeClr val="tx1"/>
+          </a:fontRef>
+        </p:style>
+      </p:cxnSp>
+      <p:cxnSp>
+        <p:nvCxnSpPr>
+          <p:cNvPr id="72" name="Straight Arrow Connector 71">
+            <a:extLst>
+              <a:ext uri="{FF2B5EF4-FFF2-40B4-BE49-F238E27FC236}">
+                <a16:creationId xmlns:a16="http://schemas.microsoft.com/office/drawing/2014/main" id="{AEFF7F16-D56C-7435-7654-B669C3500F18}"/>
+              </a:ext>
+            </a:extLst>
+          </p:cNvPr>
+          <p:cNvCxnSpPr>
+            <a:cxnSpLocks/>
+            <a:stCxn id="54" idx="2"/>
+            <a:endCxn id="55" idx="1"/>
+          </p:cNvCxnSpPr>
+          <p:nvPr/>
+        </p:nvCxnSpPr>
+        <p:spPr>
+          <a:xfrm flipH="1">
+            <a:off x="4636901" y="3117143"/>
+            <a:ext cx="1738453" cy="725962"/>
+          </a:xfrm>
+          <a:prstGeom prst="straightConnector1">
+            <a:avLst/>
+          </a:prstGeom>
+          <a:ln w="19050" cap="flat" cmpd="sng" algn="ctr">
+            <a:solidFill>
+              <a:schemeClr val="tx1"/>
+            </a:solidFill>
+            <a:prstDash val="solid"/>
+            <a:round/>
+            <a:headEnd type="none" w="med" len="med"/>
+            <a:tailEnd type="arrow" w="med" len="med"/>
+          </a:ln>
+          <a:effectLst/>
+        </p:spPr>
+        <p:style>
+          <a:lnRef idx="2">
+            <a:schemeClr val="accent1"/>
+          </a:lnRef>
+          <a:fillRef idx="0">
+            <a:schemeClr val="accent1"/>
+          </a:fillRef>
+          <a:effectRef idx="1">
+            <a:schemeClr val="accent1"/>
+          </a:effectRef>
+          <a:fontRef idx="minor">
+            <a:schemeClr val="tx1"/>
+          </a:fontRef>
+        </p:style>
+      </p:cxnSp>
+      <p:cxnSp>
+        <p:nvCxnSpPr>
+          <p:cNvPr id="79" name="Straight Arrow Connector 78">
+            <a:extLst>
+              <a:ext uri="{FF2B5EF4-FFF2-40B4-BE49-F238E27FC236}">
+                <a16:creationId xmlns:a16="http://schemas.microsoft.com/office/drawing/2014/main" id="{52F43EE2-72AF-C186-E887-C41D504A7D11}"/>
+              </a:ext>
+            </a:extLst>
+          </p:cNvPr>
+          <p:cNvCxnSpPr>
+            <a:cxnSpLocks/>
+            <a:stCxn id="57" idx="3"/>
+            <a:endCxn id="148" idx="0"/>
+          </p:cNvCxnSpPr>
+          <p:nvPr/>
+        </p:nvCxnSpPr>
+        <p:spPr>
+          <a:xfrm>
+            <a:off x="6377510" y="4099965"/>
+            <a:ext cx="2856" cy="237550"/>
+          </a:xfrm>
+          <a:prstGeom prst="straightConnector1">
+            <a:avLst/>
+          </a:prstGeom>
+          <a:ln w="19050" cap="flat" cmpd="sng" algn="ctr">
+            <a:solidFill>
+              <a:schemeClr val="tx1"/>
+            </a:solidFill>
+            <a:prstDash val="solid"/>
+            <a:round/>
+            <a:headEnd type="none" w="med" len="med"/>
+            <a:tailEnd type="arrow" w="med" len="med"/>
+          </a:ln>
+          <a:effectLst/>
+        </p:spPr>
+        <p:style>
+          <a:lnRef idx="2">
+            <a:schemeClr val="accent1"/>
+          </a:lnRef>
+          <a:fillRef idx="0">
+            <a:schemeClr val="accent1"/>
+          </a:fillRef>
+          <a:effectRef idx="1">
+            <a:schemeClr val="accent1"/>
+          </a:effectRef>
+          <a:fontRef idx="minor">
+            <a:schemeClr val="tx1"/>
+          </a:fontRef>
+        </p:style>
+      </p:cxnSp>
+      <p:sp>
+        <p:nvSpPr>
+          <p:cNvPr id="85" name="Oval 84">
+            <a:extLst>
+              <a:ext uri="{FF2B5EF4-FFF2-40B4-BE49-F238E27FC236}">
+                <a16:creationId xmlns:a16="http://schemas.microsoft.com/office/drawing/2014/main" id="{9C8CF338-C750-F5D0-FC5C-EDF0EBF42C5C}"/>
               </a:ext>
             </a:extLst>
           </p:cNvPr>
@@ -3634,7 +4988,7 @@
         </p:nvSpPr>
         <p:spPr>
           <a:xfrm>
-            <a:off x="2395983" y="4838952"/>
+            <a:off x="7530144" y="1870844"/>
             <a:ext cx="86952" cy="86952"/>
           </a:xfrm>
           <a:prstGeom prst="ellipse">
@@ -3674,10 +5028,10 @@
       </p:sp>
       <p:sp>
         <p:nvSpPr>
-          <p:cNvPr id="13" name="Oval 12">
-            <a:extLst>
-              <a:ext uri="{FF2B5EF4-FFF2-40B4-BE49-F238E27FC236}">
-                <a16:creationId xmlns:a16="http://schemas.microsoft.com/office/drawing/2014/main" id="{FDFCE618-2B3A-325E-B40C-8C0FCB8B2C01}"/>
+          <p:cNvPr id="86" name="Oval 85">
+            <a:extLst>
+              <a:ext uri="{FF2B5EF4-FFF2-40B4-BE49-F238E27FC236}">
+                <a16:creationId xmlns:a16="http://schemas.microsoft.com/office/drawing/2014/main" id="{D18D3B6F-B4D5-4CBB-EE9F-8BCCE41D8C69}"/>
               </a:ext>
             </a:extLst>
           </p:cNvPr>
@@ -3686,7 +5040,7 @@
         </p:nvSpPr>
         <p:spPr>
           <a:xfrm>
-            <a:off x="2395983" y="4987716"/>
+            <a:off x="7755073" y="1870844"/>
             <a:ext cx="86952" cy="86952"/>
           </a:xfrm>
           <a:prstGeom prst="ellipse">
@@ -3726,10 +5080,10 @@
       </p:sp>
       <p:sp>
         <p:nvSpPr>
-          <p:cNvPr id="26" name="Card 25">
-            <a:extLst>
-              <a:ext uri="{FF2B5EF4-FFF2-40B4-BE49-F238E27FC236}">
-                <a16:creationId xmlns:a16="http://schemas.microsoft.com/office/drawing/2014/main" id="{FC164F5C-A932-D5DE-4504-B0BB703AD537}"/>
+          <p:cNvPr id="87" name="Oval 86">
+            <a:extLst>
+              <a:ext uri="{FF2B5EF4-FFF2-40B4-BE49-F238E27FC236}">
+                <a16:creationId xmlns:a16="http://schemas.microsoft.com/office/drawing/2014/main" id="{AB098CCD-6678-C28F-DF23-3245360AEECA}"/>
               </a:ext>
             </a:extLst>
           </p:cNvPr>
@@ -3737,497 +5091,8 @@
           <p:nvPr/>
         </p:nvSpPr>
         <p:spPr>
-          <a:xfrm flipH="1">
-            <a:off x="3170878" y="2868860"/>
-            <a:ext cx="2632698" cy="894451"/>
-          </a:xfrm>
-          <a:prstGeom prst="flowChartPunchedCard">
-            <a:avLst/>
-          </a:prstGeom>
-          <a:solidFill>
-            <a:schemeClr val="bg1"/>
-          </a:solidFill>
-          <a:ln w="41275">
-            <a:solidFill>
-              <a:schemeClr val="tx1"/>
-            </a:solidFill>
-          </a:ln>
-          <a:effectLst/>
-        </p:spPr>
-        <p:style>
-          <a:lnRef idx="1">
-            <a:schemeClr val="accent1"/>
-          </a:lnRef>
-          <a:fillRef idx="3">
-            <a:schemeClr val="accent1"/>
-          </a:fillRef>
-          <a:effectRef idx="2">
-            <a:schemeClr val="accent1"/>
-          </a:effectRef>
-          <a:fontRef idx="minor">
-            <a:schemeClr val="lt1"/>
-          </a:fontRef>
-        </p:style>
-        <p:txBody>
-          <a:bodyPr rtlCol="0" anchor="ctr"/>
-          <a:lstStyle/>
-          <a:p>
-            <a:pPr algn="ctr"/>
-            <a:r>
-              <a:rPr lang="en-US" dirty="0">
-                <a:solidFill>
-                  <a:schemeClr val="tx1"/>
-                </a:solidFill>
-              </a:rPr>
-              <a:t>Original Implementation + HAPV</a:t>
-            </a:r>
-            <a:endParaRPr lang="en-US" sz="2000" dirty="0">
-              <a:solidFill>
-                <a:schemeClr val="tx1"/>
-              </a:solidFill>
-            </a:endParaRPr>
-          </a:p>
-        </p:txBody>
-      </p:sp>
-      <p:cxnSp>
-        <p:nvCxnSpPr>
-          <p:cNvPr id="30" name="Straight Arrow Connector 29">
-            <a:extLst>
-              <a:ext uri="{FF2B5EF4-FFF2-40B4-BE49-F238E27FC236}">
-                <a16:creationId xmlns:a16="http://schemas.microsoft.com/office/drawing/2014/main" id="{D88CBB88-8CF3-06AF-67A9-28D5D2596C89}"/>
-              </a:ext>
-            </a:extLst>
-          </p:cNvPr>
-          <p:cNvCxnSpPr>
-            <a:cxnSpLocks/>
-            <a:stCxn id="26" idx="2"/>
-            <a:endCxn id="49" idx="0"/>
-          </p:cNvCxnSpPr>
-          <p:nvPr/>
-        </p:nvCxnSpPr>
-        <p:spPr>
           <a:xfrm>
-            <a:off x="4487227" y="3763311"/>
-            <a:ext cx="0" cy="314219"/>
-          </a:xfrm>
-          <a:prstGeom prst="straightConnector1">
-            <a:avLst/>
-          </a:prstGeom>
-          <a:ln w="41275" cap="flat" cmpd="sng" algn="ctr">
-            <a:solidFill>
-              <a:schemeClr val="tx1"/>
-            </a:solidFill>
-            <a:prstDash val="solid"/>
-            <a:round/>
-            <a:headEnd type="none" w="med" len="med"/>
-            <a:tailEnd type="arrow" w="med" len="med"/>
-          </a:ln>
-          <a:effectLst/>
-        </p:spPr>
-        <p:style>
-          <a:lnRef idx="2">
-            <a:schemeClr val="accent1"/>
-          </a:lnRef>
-          <a:fillRef idx="0">
-            <a:schemeClr val="accent1"/>
-          </a:fillRef>
-          <a:effectRef idx="1">
-            <a:schemeClr val="accent1"/>
-          </a:effectRef>
-          <a:fontRef idx="minor">
-            <a:schemeClr val="tx1"/>
-          </a:fontRef>
-        </p:style>
-      </p:cxnSp>
-      <p:sp>
-        <p:nvSpPr>
-          <p:cNvPr id="49" name="Rectangle 48">
-            <a:extLst>
-              <a:ext uri="{FF2B5EF4-FFF2-40B4-BE49-F238E27FC236}">
-                <a16:creationId xmlns:a16="http://schemas.microsoft.com/office/drawing/2014/main" id="{01430AE0-BB23-C545-2607-2A14B3D3C9DB}"/>
-              </a:ext>
-            </a:extLst>
-          </p:cNvPr>
-          <p:cNvSpPr/>
-          <p:nvPr/>
-        </p:nvSpPr>
-        <p:spPr>
-          <a:xfrm>
-            <a:off x="3742461" y="4077530"/>
-            <a:ext cx="1489532" cy="690720"/>
-          </a:xfrm>
-          <a:prstGeom prst="rect">
-            <a:avLst/>
-          </a:prstGeom>
-          <a:noFill/>
-        </p:spPr>
-        <p:style>
-          <a:lnRef idx="2">
-            <a:schemeClr val="dk1"/>
-          </a:lnRef>
-          <a:fillRef idx="1">
-            <a:schemeClr val="lt1"/>
-          </a:fillRef>
-          <a:effectRef idx="0">
-            <a:schemeClr val="dk1"/>
-          </a:effectRef>
-          <a:fontRef idx="minor">
-            <a:schemeClr val="dk1"/>
-          </a:fontRef>
-        </p:style>
-        <p:txBody>
-          <a:bodyPr rtlCol="0" anchor="ctr"/>
-          <a:lstStyle/>
-          <a:p>
-            <a:pPr algn="ctr"/>
-            <a:r>
-              <a:rPr lang="en-US" sz="1600" dirty="0"/>
-              <a:t>Models</a:t>
-            </a:r>
-          </a:p>
-          <a:p>
-            <a:pPr algn="ctr"/>
-            <a:r>
-              <a:rPr lang="en-US" sz="1600" dirty="0"/>
-              <a:t>[M</a:t>
-            </a:r>
-            <a:r>
-              <a:rPr lang="en-US" sz="1600" baseline="-25000" dirty="0"/>
-              <a:t>1</a:t>
-            </a:r>
-            <a:r>
-              <a:rPr lang="en-US" sz="1600" dirty="0"/>
-              <a:t>, M</a:t>
-            </a:r>
-            <a:r>
-              <a:rPr lang="en-US" sz="1600" baseline="-25000" dirty="0"/>
-              <a:t>2</a:t>
-            </a:r>
-            <a:r>
-              <a:rPr lang="en-US" sz="1600" dirty="0"/>
-              <a:t>, …, M</a:t>
-            </a:r>
-            <a:r>
-              <a:rPr lang="en-US" sz="1600" baseline="-25000" dirty="0"/>
-              <a:t>n</a:t>
-            </a:r>
-            <a:r>
-              <a:rPr lang="en-US" sz="1600" dirty="0"/>
-              <a:t>]</a:t>
-            </a:r>
-            <a:endParaRPr lang="en-US" dirty="0"/>
-          </a:p>
-        </p:txBody>
-      </p:sp>
-      <p:sp>
-        <p:nvSpPr>
-          <p:cNvPr id="95" name="Can 94">
-            <a:extLst>
-              <a:ext uri="{FF2B5EF4-FFF2-40B4-BE49-F238E27FC236}">
-                <a16:creationId xmlns:a16="http://schemas.microsoft.com/office/drawing/2014/main" id="{A20DF9DB-8F90-BE5F-F21E-60DD435FBB3C}"/>
-              </a:ext>
-            </a:extLst>
-          </p:cNvPr>
-          <p:cNvSpPr/>
-          <p:nvPr/>
-        </p:nvSpPr>
-        <p:spPr>
-          <a:xfrm>
-            <a:off x="3434708" y="2334963"/>
-            <a:ext cx="352803" cy="256860"/>
-          </a:xfrm>
-          <a:prstGeom prst="can">
-            <a:avLst/>
-          </a:prstGeom>
-          <a:solidFill>
-            <a:schemeClr val="bg1"/>
-          </a:solidFill>
-          <a:ln w="28575" cmpd="sng">
-            <a:solidFill>
-              <a:schemeClr val="tx1"/>
-            </a:solidFill>
-          </a:ln>
-          <a:effectLst/>
-        </p:spPr>
-        <p:style>
-          <a:lnRef idx="1">
-            <a:schemeClr val="accent1"/>
-          </a:lnRef>
-          <a:fillRef idx="3">
-            <a:schemeClr val="accent1"/>
-          </a:fillRef>
-          <a:effectRef idx="2">
-            <a:schemeClr val="accent1"/>
-          </a:effectRef>
-          <a:fontRef idx="minor">
-            <a:schemeClr val="lt1"/>
-          </a:fontRef>
-        </p:style>
-        <p:txBody>
-          <a:bodyPr rtlCol="0" anchor="ctr"/>
-          <a:lstStyle/>
-          <a:p>
-            <a:pPr algn="ctr"/>
-            <a:endParaRPr lang="en-US" sz="2000" dirty="0">
-              <a:solidFill>
-                <a:schemeClr val="tx1"/>
-              </a:solidFill>
-            </a:endParaRPr>
-          </a:p>
-        </p:txBody>
-      </p:sp>
-      <p:sp>
-        <p:nvSpPr>
-          <p:cNvPr id="96" name="TextBox 95">
-            <a:extLst>
-              <a:ext uri="{FF2B5EF4-FFF2-40B4-BE49-F238E27FC236}">
-                <a16:creationId xmlns:a16="http://schemas.microsoft.com/office/drawing/2014/main" id="{E7DDC3C4-28F7-D49A-8072-9AB2E1AB078F}"/>
-              </a:ext>
-            </a:extLst>
-          </p:cNvPr>
-          <p:cNvSpPr txBox="1"/>
-          <p:nvPr/>
-        </p:nvSpPr>
-        <p:spPr>
-          <a:xfrm>
-            <a:off x="3366190" y="1993716"/>
-            <a:ext cx="510139" cy="369332"/>
-          </a:xfrm>
-          <a:prstGeom prst="rect">
-            <a:avLst/>
-          </a:prstGeom>
-          <a:noFill/>
-        </p:spPr>
-        <p:txBody>
-          <a:bodyPr wrap="square" rtlCol="0">
-            <a:spAutoFit/>
-          </a:bodyPr>
-          <a:lstStyle/>
-          <a:p>
-            <a:pPr algn="ctr"/>
-            <a:r>
-              <a:rPr lang="en-US" dirty="0"/>
-              <a:t>S</a:t>
-            </a:r>
-            <a:r>
-              <a:rPr lang="en-US" baseline="-25000" dirty="0"/>
-              <a:t>1</a:t>
-            </a:r>
-            <a:endParaRPr lang="en-US" dirty="0"/>
-          </a:p>
-        </p:txBody>
-      </p:sp>
-      <p:sp>
-        <p:nvSpPr>
-          <p:cNvPr id="97" name="Can 96">
-            <a:extLst>
-              <a:ext uri="{FF2B5EF4-FFF2-40B4-BE49-F238E27FC236}">
-                <a16:creationId xmlns:a16="http://schemas.microsoft.com/office/drawing/2014/main" id="{AE5462D3-DAA4-5266-1637-20A57685B0F0}"/>
-              </a:ext>
-            </a:extLst>
-          </p:cNvPr>
-          <p:cNvSpPr/>
-          <p:nvPr/>
-        </p:nvSpPr>
-        <p:spPr>
-          <a:xfrm>
-            <a:off x="3933104" y="2338949"/>
-            <a:ext cx="352803" cy="256860"/>
-          </a:xfrm>
-          <a:prstGeom prst="can">
-            <a:avLst/>
-          </a:prstGeom>
-          <a:solidFill>
-            <a:schemeClr val="bg1"/>
-          </a:solidFill>
-          <a:ln w="28575" cmpd="sng">
-            <a:solidFill>
-              <a:schemeClr val="tx1"/>
-            </a:solidFill>
-          </a:ln>
-          <a:effectLst/>
-        </p:spPr>
-        <p:style>
-          <a:lnRef idx="1">
-            <a:schemeClr val="accent1"/>
-          </a:lnRef>
-          <a:fillRef idx="3">
-            <a:schemeClr val="accent1"/>
-          </a:fillRef>
-          <a:effectRef idx="2">
-            <a:schemeClr val="accent1"/>
-          </a:effectRef>
-          <a:fontRef idx="minor">
-            <a:schemeClr val="lt1"/>
-          </a:fontRef>
-        </p:style>
-        <p:txBody>
-          <a:bodyPr rtlCol="0" anchor="ctr"/>
-          <a:lstStyle/>
-          <a:p>
-            <a:pPr algn="ctr"/>
-            <a:endParaRPr lang="en-US" sz="2000" dirty="0">
-              <a:solidFill>
-                <a:schemeClr val="tx1"/>
-              </a:solidFill>
-            </a:endParaRPr>
-          </a:p>
-        </p:txBody>
-      </p:sp>
-      <p:sp>
-        <p:nvSpPr>
-          <p:cNvPr id="98" name="TextBox 97">
-            <a:extLst>
-              <a:ext uri="{FF2B5EF4-FFF2-40B4-BE49-F238E27FC236}">
-                <a16:creationId xmlns:a16="http://schemas.microsoft.com/office/drawing/2014/main" id="{B6C480A4-E139-3E88-36F2-B27E56CF5E36}"/>
-              </a:ext>
-            </a:extLst>
-          </p:cNvPr>
-          <p:cNvSpPr txBox="1"/>
-          <p:nvPr/>
-        </p:nvSpPr>
-        <p:spPr>
-          <a:xfrm>
-            <a:off x="3864586" y="1997702"/>
-            <a:ext cx="510139" cy="369332"/>
-          </a:xfrm>
-          <a:prstGeom prst="rect">
-            <a:avLst/>
-          </a:prstGeom>
-          <a:noFill/>
-        </p:spPr>
-        <p:txBody>
-          <a:bodyPr wrap="square" rtlCol="0">
-            <a:spAutoFit/>
-          </a:bodyPr>
-          <a:lstStyle/>
-          <a:p>
-            <a:pPr algn="ctr"/>
-            <a:r>
-              <a:rPr lang="en-US" dirty="0"/>
-              <a:t>S</a:t>
-            </a:r>
-            <a:r>
-              <a:rPr lang="en-US" baseline="-25000" dirty="0"/>
-              <a:t>2</a:t>
-            </a:r>
-            <a:endParaRPr lang="en-US" dirty="0"/>
-          </a:p>
-        </p:txBody>
-      </p:sp>
-      <p:sp>
-        <p:nvSpPr>
-          <p:cNvPr id="99" name="Can 98">
-            <a:extLst>
-              <a:ext uri="{FF2B5EF4-FFF2-40B4-BE49-F238E27FC236}">
-                <a16:creationId xmlns:a16="http://schemas.microsoft.com/office/drawing/2014/main" id="{8510DA1C-91CD-327D-CF14-D651F287B198}"/>
-              </a:ext>
-            </a:extLst>
-          </p:cNvPr>
-          <p:cNvSpPr/>
-          <p:nvPr/>
-        </p:nvSpPr>
-        <p:spPr>
-          <a:xfrm>
-            <a:off x="4999806" y="2334963"/>
-            <a:ext cx="352803" cy="256860"/>
-          </a:xfrm>
-          <a:prstGeom prst="can">
-            <a:avLst/>
-          </a:prstGeom>
-          <a:solidFill>
-            <a:schemeClr val="bg1"/>
-          </a:solidFill>
-          <a:ln w="28575" cmpd="sng">
-            <a:solidFill>
-              <a:schemeClr val="tx1"/>
-            </a:solidFill>
-          </a:ln>
-          <a:effectLst/>
-        </p:spPr>
-        <p:style>
-          <a:lnRef idx="1">
-            <a:schemeClr val="accent1"/>
-          </a:lnRef>
-          <a:fillRef idx="3">
-            <a:schemeClr val="accent1"/>
-          </a:fillRef>
-          <a:effectRef idx="2">
-            <a:schemeClr val="accent1"/>
-          </a:effectRef>
-          <a:fontRef idx="minor">
-            <a:schemeClr val="lt1"/>
-          </a:fontRef>
-        </p:style>
-        <p:txBody>
-          <a:bodyPr rtlCol="0" anchor="ctr"/>
-          <a:lstStyle/>
-          <a:p>
-            <a:pPr algn="ctr"/>
-            <a:endParaRPr lang="en-US" sz="2000" dirty="0">
-              <a:solidFill>
-                <a:schemeClr val="tx1"/>
-              </a:solidFill>
-            </a:endParaRPr>
-          </a:p>
-        </p:txBody>
-      </p:sp>
-      <p:sp>
-        <p:nvSpPr>
-          <p:cNvPr id="100" name="TextBox 99">
-            <a:extLst>
-              <a:ext uri="{FF2B5EF4-FFF2-40B4-BE49-F238E27FC236}">
-                <a16:creationId xmlns:a16="http://schemas.microsoft.com/office/drawing/2014/main" id="{3BCFA069-4997-5876-98BC-B95742E1F67F}"/>
-              </a:ext>
-            </a:extLst>
-          </p:cNvPr>
-          <p:cNvSpPr txBox="1"/>
-          <p:nvPr/>
-        </p:nvSpPr>
-        <p:spPr>
-          <a:xfrm>
-            <a:off x="4931288" y="1993716"/>
-            <a:ext cx="510139" cy="369332"/>
-          </a:xfrm>
-          <a:prstGeom prst="rect">
-            <a:avLst/>
-          </a:prstGeom>
-          <a:noFill/>
-        </p:spPr>
-        <p:txBody>
-          <a:bodyPr wrap="square" rtlCol="0">
-            <a:spAutoFit/>
-          </a:bodyPr>
-          <a:lstStyle/>
-          <a:p>
-            <a:pPr algn="ctr"/>
-            <a:r>
-              <a:rPr lang="en-US" dirty="0"/>
-              <a:t>S</a:t>
-            </a:r>
-            <a:r>
-              <a:rPr lang="en-US" baseline="-25000" dirty="0"/>
-              <a:t>n</a:t>
-            </a:r>
-            <a:endParaRPr lang="en-US" dirty="0"/>
-          </a:p>
-        </p:txBody>
-      </p:sp>
-      <p:sp>
-        <p:nvSpPr>
-          <p:cNvPr id="101" name="Oval 100">
-            <a:extLst>
-              <a:ext uri="{FF2B5EF4-FFF2-40B4-BE49-F238E27FC236}">
-                <a16:creationId xmlns:a16="http://schemas.microsoft.com/office/drawing/2014/main" id="{7B5EE43A-1240-172D-9439-4B74E7DF22B8}"/>
-              </a:ext>
-            </a:extLst>
-          </p:cNvPr>
-          <p:cNvSpPr/>
-          <p:nvPr/>
-        </p:nvSpPr>
-        <p:spPr>
-          <a:xfrm>
-            <a:off x="4471190" y="2444237"/>
+            <a:off x="7307120" y="2883429"/>
             <a:ext cx="86952" cy="86952"/>
           </a:xfrm>
           <a:prstGeom prst="ellipse">
@@ -4265,636 +5130,21 @@
           </a:p>
         </p:txBody>
       </p:sp>
-      <p:cxnSp>
-        <p:nvCxnSpPr>
-          <p:cNvPr id="103" name="Straight Arrow Connector 102">
-            <a:extLst>
-              <a:ext uri="{FF2B5EF4-FFF2-40B4-BE49-F238E27FC236}">
-                <a16:creationId xmlns:a16="http://schemas.microsoft.com/office/drawing/2014/main" id="{210743A6-593E-6EF1-9DCD-6A2D5A6C3872}"/>
-              </a:ext>
-            </a:extLst>
-          </p:cNvPr>
-          <p:cNvCxnSpPr>
-            <a:cxnSpLocks/>
-            <a:stCxn id="95" idx="3"/>
-          </p:cNvCxnSpPr>
+      <p:sp>
+        <p:nvSpPr>
+          <p:cNvPr id="88" name="Oval 87">
+            <a:extLst>
+              <a:ext uri="{FF2B5EF4-FFF2-40B4-BE49-F238E27FC236}">
+                <a16:creationId xmlns:a16="http://schemas.microsoft.com/office/drawing/2014/main" id="{12EDBF04-CFED-FFAF-71F7-631A6E856C1C}"/>
+              </a:ext>
+            </a:extLst>
+          </p:cNvPr>
+          <p:cNvSpPr/>
           <p:nvPr/>
-        </p:nvCxnSpPr>
+        </p:nvSpPr>
         <p:spPr>
           <a:xfrm>
-            <a:off x="3611110" y="2591823"/>
-            <a:ext cx="0" cy="273051"/>
-          </a:xfrm>
-          <a:prstGeom prst="straightConnector1">
-            <a:avLst/>
-          </a:prstGeom>
-          <a:ln w="41275" cap="flat" cmpd="sng" algn="ctr">
-            <a:solidFill>
-              <a:schemeClr val="tx1"/>
-            </a:solidFill>
-            <a:prstDash val="solid"/>
-            <a:round/>
-            <a:headEnd type="none" w="med" len="med"/>
-            <a:tailEnd type="arrow" w="med" len="med"/>
-          </a:ln>
-          <a:effectLst/>
-        </p:spPr>
-        <p:style>
-          <a:lnRef idx="2">
-            <a:schemeClr val="accent1"/>
-          </a:lnRef>
-          <a:fillRef idx="0">
-            <a:schemeClr val="accent1"/>
-          </a:fillRef>
-          <a:effectRef idx="1">
-            <a:schemeClr val="accent1"/>
-          </a:effectRef>
-          <a:fontRef idx="minor">
-            <a:schemeClr val="tx1"/>
-          </a:fontRef>
-        </p:style>
-      </p:cxnSp>
-      <p:cxnSp>
-        <p:nvCxnSpPr>
-          <p:cNvPr id="107" name="Straight Arrow Connector 106">
-            <a:extLst>
-              <a:ext uri="{FF2B5EF4-FFF2-40B4-BE49-F238E27FC236}">
-                <a16:creationId xmlns:a16="http://schemas.microsoft.com/office/drawing/2014/main" id="{436FBDF1-1B8B-8E3B-CDD8-E505E0F80E87}"/>
-              </a:ext>
-            </a:extLst>
-          </p:cNvPr>
-          <p:cNvCxnSpPr>
-            <a:cxnSpLocks/>
-            <a:stCxn id="97" idx="3"/>
-          </p:cNvCxnSpPr>
-          <p:nvPr/>
-        </p:nvCxnSpPr>
-        <p:spPr>
-          <a:xfrm>
-            <a:off x="4109506" y="2595809"/>
-            <a:ext cx="0" cy="269065"/>
-          </a:xfrm>
-          <a:prstGeom prst="straightConnector1">
-            <a:avLst/>
-          </a:prstGeom>
-          <a:ln w="41275" cap="flat" cmpd="sng" algn="ctr">
-            <a:solidFill>
-              <a:schemeClr val="tx1"/>
-            </a:solidFill>
-            <a:prstDash val="solid"/>
-            <a:round/>
-            <a:headEnd type="none" w="med" len="med"/>
-            <a:tailEnd type="arrow" w="med" len="med"/>
-          </a:ln>
-          <a:effectLst/>
-        </p:spPr>
-        <p:style>
-          <a:lnRef idx="2">
-            <a:schemeClr val="accent1"/>
-          </a:lnRef>
-          <a:fillRef idx="0">
-            <a:schemeClr val="accent1"/>
-          </a:fillRef>
-          <a:effectRef idx="1">
-            <a:schemeClr val="accent1"/>
-          </a:effectRef>
-          <a:fontRef idx="minor">
-            <a:schemeClr val="tx1"/>
-          </a:fontRef>
-        </p:style>
-      </p:cxnSp>
-      <p:cxnSp>
-        <p:nvCxnSpPr>
-          <p:cNvPr id="109" name="Straight Arrow Connector 108">
-            <a:extLst>
-              <a:ext uri="{FF2B5EF4-FFF2-40B4-BE49-F238E27FC236}">
-                <a16:creationId xmlns:a16="http://schemas.microsoft.com/office/drawing/2014/main" id="{2F4C7D8C-2E25-A11D-9A30-EB45425B33F0}"/>
-              </a:ext>
-            </a:extLst>
-          </p:cNvPr>
-          <p:cNvCxnSpPr>
-            <a:cxnSpLocks/>
-            <a:stCxn id="99" idx="3"/>
-          </p:cNvCxnSpPr>
-          <p:nvPr/>
-        </p:nvCxnSpPr>
-        <p:spPr>
-          <a:xfrm>
-            <a:off x="5176208" y="2591823"/>
-            <a:ext cx="0" cy="273051"/>
-          </a:xfrm>
-          <a:prstGeom prst="straightConnector1">
-            <a:avLst/>
-          </a:prstGeom>
-          <a:ln w="41275" cap="flat" cmpd="sng" algn="ctr">
-            <a:solidFill>
-              <a:schemeClr val="tx1"/>
-            </a:solidFill>
-            <a:prstDash val="solid"/>
-            <a:round/>
-            <a:headEnd type="none" w="med" len="med"/>
-            <a:tailEnd type="arrow" w="med" len="med"/>
-          </a:ln>
-          <a:effectLst/>
-        </p:spPr>
-        <p:style>
-          <a:lnRef idx="2">
-            <a:schemeClr val="accent1"/>
-          </a:lnRef>
-          <a:fillRef idx="0">
-            <a:schemeClr val="accent1"/>
-          </a:fillRef>
-          <a:effectRef idx="1">
-            <a:schemeClr val="accent1"/>
-          </a:effectRef>
-          <a:fontRef idx="minor">
-            <a:schemeClr val="tx1"/>
-          </a:fontRef>
-        </p:style>
-      </p:cxnSp>
-      <p:cxnSp>
-        <p:nvCxnSpPr>
-          <p:cNvPr id="114" name="Straight Arrow Connector 113">
-            <a:extLst>
-              <a:ext uri="{FF2B5EF4-FFF2-40B4-BE49-F238E27FC236}">
-                <a16:creationId xmlns:a16="http://schemas.microsoft.com/office/drawing/2014/main" id="{89107CC6-42A9-618B-90F7-923C74625A81}"/>
-              </a:ext>
-            </a:extLst>
-          </p:cNvPr>
-          <p:cNvCxnSpPr>
-            <a:cxnSpLocks/>
-            <a:stCxn id="147" idx="3"/>
-            <a:endCxn id="225" idx="1"/>
-          </p:cNvCxnSpPr>
-          <p:nvPr/>
-        </p:nvCxnSpPr>
-        <p:spPr>
-          <a:xfrm>
-            <a:off x="8337212" y="3862496"/>
-            <a:ext cx="193529" cy="2555"/>
-          </a:xfrm>
-          <a:prstGeom prst="straightConnector1">
-            <a:avLst/>
-          </a:prstGeom>
-          <a:ln w="38100" cap="flat" cmpd="sng" algn="ctr">
-            <a:solidFill>
-              <a:schemeClr val="tx1"/>
-            </a:solidFill>
-            <a:prstDash val="solid"/>
-            <a:round/>
-            <a:headEnd type="none" w="med" len="med"/>
-            <a:tailEnd type="arrow" w="med" len="med"/>
-          </a:ln>
-          <a:effectLst/>
-        </p:spPr>
-        <p:style>
-          <a:lnRef idx="2">
-            <a:schemeClr val="accent1"/>
-          </a:lnRef>
-          <a:fillRef idx="0">
-            <a:schemeClr val="accent1"/>
-          </a:fillRef>
-          <a:effectRef idx="1">
-            <a:schemeClr val="accent1"/>
-          </a:effectRef>
-          <a:fontRef idx="minor">
-            <a:schemeClr val="tx1"/>
-          </a:fontRef>
-        </p:style>
-      </p:cxnSp>
-      <p:cxnSp>
-        <p:nvCxnSpPr>
-          <p:cNvPr id="127" name="Elbow Connector 126">
-            <a:extLst>
-              <a:ext uri="{FF2B5EF4-FFF2-40B4-BE49-F238E27FC236}">
-                <a16:creationId xmlns:a16="http://schemas.microsoft.com/office/drawing/2014/main" id="{4C913314-2A64-7A17-CC88-E229AE1BB95A}"/>
-              </a:ext>
-            </a:extLst>
-          </p:cNvPr>
-          <p:cNvCxnSpPr>
-            <a:cxnSpLocks/>
-            <a:stCxn id="10" idx="4"/>
-          </p:cNvCxnSpPr>
-          <p:nvPr/>
-        </p:nvCxnSpPr>
-        <p:spPr>
-          <a:xfrm flipV="1">
-            <a:off x="2615861" y="4650249"/>
-            <a:ext cx="1126600" cy="641899"/>
-          </a:xfrm>
-          <a:prstGeom prst="bentConnector3">
-            <a:avLst>
-              <a:gd name="adj1" fmla="val 50000"/>
-            </a:avLst>
-          </a:prstGeom>
-          <a:ln w="38100" cap="flat" cmpd="sng" algn="ctr">
-            <a:solidFill>
-              <a:schemeClr val="dk1"/>
-            </a:solidFill>
-            <a:prstDash val="solid"/>
-            <a:round/>
-            <a:headEnd type="none" w="med" len="med"/>
-            <a:tailEnd type="arrow" w="med" len="med"/>
-          </a:ln>
-        </p:spPr>
-        <p:style>
-          <a:lnRef idx="0">
-            <a:scrgbClr r="0" g="0" b="0"/>
-          </a:lnRef>
-          <a:fillRef idx="0">
-            <a:scrgbClr r="0" g="0" b="0"/>
-          </a:fillRef>
-          <a:effectRef idx="0">
-            <a:scrgbClr r="0" g="0" b="0"/>
-          </a:effectRef>
-          <a:fontRef idx="minor">
-            <a:schemeClr val="tx1"/>
-          </a:fontRef>
-        </p:style>
-      </p:cxnSp>
-      <p:cxnSp>
-        <p:nvCxnSpPr>
-          <p:cNvPr id="141" name="Straight Arrow Connector 140">
-            <a:extLst>
-              <a:ext uri="{FF2B5EF4-FFF2-40B4-BE49-F238E27FC236}">
-                <a16:creationId xmlns:a16="http://schemas.microsoft.com/office/drawing/2014/main" id="{B1F66D7F-7414-6001-8B8D-245E69EC00E6}"/>
-              </a:ext>
-            </a:extLst>
-          </p:cNvPr>
-          <p:cNvCxnSpPr>
-            <a:cxnSpLocks/>
-            <a:stCxn id="8" idx="4"/>
-            <a:endCxn id="49" idx="1"/>
-          </p:cNvCxnSpPr>
-          <p:nvPr/>
-        </p:nvCxnSpPr>
-        <p:spPr>
-          <a:xfrm>
-            <a:off x="2615861" y="4417504"/>
-            <a:ext cx="1126600" cy="5386"/>
-          </a:xfrm>
-          <a:prstGeom prst="straightConnector1">
-            <a:avLst/>
-          </a:prstGeom>
-          <a:ln w="38100" cap="flat" cmpd="sng" algn="ctr">
-            <a:solidFill>
-              <a:schemeClr val="tx1"/>
-            </a:solidFill>
-            <a:prstDash val="solid"/>
-            <a:round/>
-            <a:headEnd type="none" w="med" len="med"/>
-            <a:tailEnd type="arrow" w="med" len="med"/>
-          </a:ln>
-          <a:effectLst/>
-        </p:spPr>
-        <p:style>
-          <a:lnRef idx="2">
-            <a:schemeClr val="accent1"/>
-          </a:lnRef>
-          <a:fillRef idx="0">
-            <a:schemeClr val="accent1"/>
-          </a:fillRef>
-          <a:effectRef idx="1">
-            <a:schemeClr val="accent1"/>
-          </a:effectRef>
-          <a:fontRef idx="minor">
-            <a:schemeClr val="tx1"/>
-          </a:fontRef>
-        </p:style>
-      </p:cxnSp>
-      <p:sp>
-        <p:nvSpPr>
-          <p:cNvPr id="147" name="Rectangle 146">
-            <a:extLst>
-              <a:ext uri="{FF2B5EF4-FFF2-40B4-BE49-F238E27FC236}">
-                <a16:creationId xmlns:a16="http://schemas.microsoft.com/office/drawing/2014/main" id="{43F7D83F-8C47-2E2F-00B0-5860609CD34A}"/>
-              </a:ext>
-            </a:extLst>
-          </p:cNvPr>
-          <p:cNvSpPr/>
-          <p:nvPr/>
-        </p:nvSpPr>
-        <p:spPr>
-          <a:xfrm>
-            <a:off x="6126463" y="3716381"/>
-            <a:ext cx="2210749" cy="292230"/>
-          </a:xfrm>
-          <a:prstGeom prst="rect">
-            <a:avLst/>
-          </a:prstGeom>
-          <a:noFill/>
-        </p:spPr>
-        <p:style>
-          <a:lnRef idx="2">
-            <a:schemeClr val="dk1"/>
-          </a:lnRef>
-          <a:fillRef idx="1">
-            <a:schemeClr val="lt1"/>
-          </a:fillRef>
-          <a:effectRef idx="0">
-            <a:schemeClr val="dk1"/>
-          </a:effectRef>
-          <a:fontRef idx="minor">
-            <a:schemeClr val="dk1"/>
-          </a:fontRef>
-        </p:style>
-        <p:txBody>
-          <a:bodyPr rtlCol="0" anchor="ctr"/>
-          <a:lstStyle/>
-          <a:p>
-            <a:pPr algn="ctr"/>
-            <a:r>
-              <a:rPr lang="en-US" sz="1600" dirty="0"/>
-              <a:t>[</a:t>
-            </a:r>
-            <a:r>
-              <a:rPr lang="en-US" sz="1600" i="1" dirty="0">
-                <a:latin typeface="APPLE CHANCERY" panose="03020702040506060504" pitchFamily="66" charset="-79"/>
-                <a:cs typeface="APPLE CHANCERY" panose="03020702040506060504" pitchFamily="66" charset="-79"/>
-              </a:rPr>
-              <a:t>l</a:t>
-            </a:r>
-            <a:r>
-              <a:rPr lang="en-US" sz="1600" dirty="0"/>
-              <a:t> </a:t>
-            </a:r>
-            <a:r>
-              <a:rPr lang="en-US" sz="1600" baseline="-25000" dirty="0"/>
-              <a:t>S1_M1</a:t>
-            </a:r>
-            <a:r>
-              <a:rPr lang="en-US" sz="1600" dirty="0"/>
-              <a:t>, </a:t>
-            </a:r>
-            <a:r>
-              <a:rPr lang="en-US" sz="1600" i="1" dirty="0">
-                <a:latin typeface="APPLE CHANCERY" panose="03020702040506060504" pitchFamily="66" charset="-79"/>
-                <a:cs typeface="APPLE CHANCERY" panose="03020702040506060504" pitchFamily="66" charset="-79"/>
-              </a:rPr>
-              <a:t>l</a:t>
-            </a:r>
-            <a:r>
-              <a:rPr lang="en-US" sz="1600" dirty="0"/>
-              <a:t> </a:t>
-            </a:r>
-            <a:r>
-              <a:rPr lang="en-US" sz="1600" baseline="-25000" dirty="0"/>
-              <a:t>S1_M2</a:t>
-            </a:r>
-            <a:r>
-              <a:rPr lang="en-US" sz="1600" dirty="0"/>
-              <a:t>, …, </a:t>
-            </a:r>
-            <a:r>
-              <a:rPr lang="en-US" sz="1600" i="1" dirty="0">
-                <a:latin typeface="APPLE CHANCERY" panose="03020702040506060504" pitchFamily="66" charset="-79"/>
-                <a:cs typeface="APPLE CHANCERY" panose="03020702040506060504" pitchFamily="66" charset="-79"/>
-              </a:rPr>
-              <a:t>l</a:t>
-            </a:r>
-            <a:r>
-              <a:rPr lang="en-US" sz="1600" dirty="0"/>
-              <a:t> </a:t>
-            </a:r>
-            <a:r>
-              <a:rPr lang="en-US" sz="1600" baseline="-25000" dirty="0"/>
-              <a:t>S1_Mn</a:t>
-            </a:r>
-            <a:r>
-              <a:rPr lang="en-US" sz="1600" dirty="0"/>
-              <a:t>]</a:t>
-            </a:r>
-            <a:endParaRPr lang="en-US" dirty="0"/>
-          </a:p>
-        </p:txBody>
-      </p:sp>
-      <p:sp>
-        <p:nvSpPr>
-          <p:cNvPr id="148" name="Rectangle 147">
-            <a:extLst>
-              <a:ext uri="{FF2B5EF4-FFF2-40B4-BE49-F238E27FC236}">
-                <a16:creationId xmlns:a16="http://schemas.microsoft.com/office/drawing/2014/main" id="{C2DE7BA1-4B06-2E3D-3ECE-7A25350BF9E3}"/>
-              </a:ext>
-            </a:extLst>
-          </p:cNvPr>
-          <p:cNvSpPr/>
-          <p:nvPr/>
-        </p:nvSpPr>
-        <p:spPr>
-          <a:xfrm>
-            <a:off x="6126463" y="4270426"/>
-            <a:ext cx="2210749" cy="292230"/>
-          </a:xfrm>
-          <a:prstGeom prst="rect">
-            <a:avLst/>
-          </a:prstGeom>
-          <a:noFill/>
-        </p:spPr>
-        <p:style>
-          <a:lnRef idx="2">
-            <a:schemeClr val="dk1"/>
-          </a:lnRef>
-          <a:fillRef idx="1">
-            <a:schemeClr val="lt1"/>
-          </a:fillRef>
-          <a:effectRef idx="0">
-            <a:schemeClr val="dk1"/>
-          </a:effectRef>
-          <a:fontRef idx="minor">
-            <a:schemeClr val="dk1"/>
-          </a:fontRef>
-        </p:style>
-        <p:txBody>
-          <a:bodyPr rtlCol="0" anchor="ctr"/>
-          <a:lstStyle/>
-          <a:p>
-            <a:pPr algn="ctr"/>
-            <a:r>
-              <a:rPr lang="en-US" sz="1600" dirty="0"/>
-              <a:t>[</a:t>
-            </a:r>
-            <a:r>
-              <a:rPr lang="en-US" sz="1600" i="1" dirty="0">
-                <a:latin typeface="APPLE CHANCERY" panose="03020702040506060504" pitchFamily="66" charset="-79"/>
-                <a:cs typeface="APPLE CHANCERY" panose="03020702040506060504" pitchFamily="66" charset="-79"/>
-              </a:rPr>
-              <a:t>l</a:t>
-            </a:r>
-            <a:r>
-              <a:rPr lang="en-US" sz="1600" dirty="0"/>
-              <a:t> </a:t>
-            </a:r>
-            <a:r>
-              <a:rPr lang="en-US" sz="1600" baseline="-25000" dirty="0"/>
-              <a:t>S2_M1</a:t>
-            </a:r>
-            <a:r>
-              <a:rPr lang="en-US" sz="1600" dirty="0"/>
-              <a:t>, </a:t>
-            </a:r>
-            <a:r>
-              <a:rPr lang="en-US" sz="1600" i="1" dirty="0">
-                <a:latin typeface="APPLE CHANCERY" panose="03020702040506060504" pitchFamily="66" charset="-79"/>
-                <a:cs typeface="APPLE CHANCERY" panose="03020702040506060504" pitchFamily="66" charset="-79"/>
-              </a:rPr>
-              <a:t>l</a:t>
-            </a:r>
-            <a:r>
-              <a:rPr lang="en-US" sz="1600" dirty="0"/>
-              <a:t> </a:t>
-            </a:r>
-            <a:r>
-              <a:rPr lang="en-US" sz="1600" baseline="-25000" dirty="0"/>
-              <a:t>S2_M2</a:t>
-            </a:r>
-            <a:r>
-              <a:rPr lang="en-US" sz="1600" dirty="0"/>
-              <a:t>, …, </a:t>
-            </a:r>
-            <a:r>
-              <a:rPr lang="en-US" sz="1600" i="1" dirty="0">
-                <a:latin typeface="APPLE CHANCERY" panose="03020702040506060504" pitchFamily="66" charset="-79"/>
-                <a:cs typeface="APPLE CHANCERY" panose="03020702040506060504" pitchFamily="66" charset="-79"/>
-              </a:rPr>
-              <a:t>l</a:t>
-            </a:r>
-            <a:r>
-              <a:rPr lang="en-US" sz="1600" dirty="0"/>
-              <a:t> </a:t>
-            </a:r>
-            <a:r>
-              <a:rPr lang="en-US" sz="1600" baseline="-25000" dirty="0"/>
-              <a:t>S2_Mn</a:t>
-            </a:r>
-            <a:r>
-              <a:rPr lang="en-US" sz="1600" dirty="0"/>
-              <a:t>]</a:t>
-            </a:r>
-            <a:endParaRPr lang="en-US" dirty="0"/>
-          </a:p>
-        </p:txBody>
-      </p:sp>
-      <p:sp>
-        <p:nvSpPr>
-          <p:cNvPr id="149" name="Rectangle 148">
-            <a:extLst>
-              <a:ext uri="{FF2B5EF4-FFF2-40B4-BE49-F238E27FC236}">
-                <a16:creationId xmlns:a16="http://schemas.microsoft.com/office/drawing/2014/main" id="{291229C0-3727-333E-7B4B-F96BDDFF9894}"/>
-              </a:ext>
-            </a:extLst>
-          </p:cNvPr>
-          <p:cNvSpPr/>
-          <p:nvPr/>
-        </p:nvSpPr>
-        <p:spPr>
-          <a:xfrm>
-            <a:off x="6126463" y="5146033"/>
-            <a:ext cx="2210749" cy="292230"/>
-          </a:xfrm>
-          <a:prstGeom prst="rect">
-            <a:avLst/>
-          </a:prstGeom>
-          <a:noFill/>
-        </p:spPr>
-        <p:style>
-          <a:lnRef idx="2">
-            <a:schemeClr val="dk1"/>
-          </a:lnRef>
-          <a:fillRef idx="1">
-            <a:schemeClr val="lt1"/>
-          </a:fillRef>
-          <a:effectRef idx="0">
-            <a:schemeClr val="dk1"/>
-          </a:effectRef>
-          <a:fontRef idx="minor">
-            <a:schemeClr val="dk1"/>
-          </a:fontRef>
-        </p:style>
-        <p:txBody>
-          <a:bodyPr rtlCol="0" anchor="ctr"/>
-          <a:lstStyle/>
-          <a:p>
-            <a:pPr algn="ctr"/>
-            <a:r>
-              <a:rPr lang="en-US" sz="1600" dirty="0"/>
-              <a:t>[</a:t>
-            </a:r>
-            <a:r>
-              <a:rPr lang="en-US" sz="1600" i="1" dirty="0">
-                <a:latin typeface="APPLE CHANCERY" panose="03020702040506060504" pitchFamily="66" charset="-79"/>
-                <a:cs typeface="APPLE CHANCERY" panose="03020702040506060504" pitchFamily="66" charset="-79"/>
-              </a:rPr>
-              <a:t>l</a:t>
-            </a:r>
-            <a:r>
-              <a:rPr lang="en-US" sz="1600" dirty="0"/>
-              <a:t> </a:t>
-            </a:r>
-            <a:r>
-              <a:rPr lang="en-US" sz="1600" baseline="-25000" dirty="0"/>
-              <a:t>Sn_M1</a:t>
-            </a:r>
-            <a:r>
-              <a:rPr lang="en-US" sz="1600" dirty="0"/>
-              <a:t>, </a:t>
-            </a:r>
-            <a:r>
-              <a:rPr lang="en-US" sz="1600" i="1" dirty="0">
-                <a:latin typeface="APPLE CHANCERY" panose="03020702040506060504" pitchFamily="66" charset="-79"/>
-                <a:cs typeface="APPLE CHANCERY" panose="03020702040506060504" pitchFamily="66" charset="-79"/>
-              </a:rPr>
-              <a:t>l</a:t>
-            </a:r>
-            <a:r>
-              <a:rPr lang="en-US" sz="1600" dirty="0"/>
-              <a:t> </a:t>
-            </a:r>
-            <a:r>
-              <a:rPr lang="en-US" sz="1600" baseline="-25000" dirty="0"/>
-              <a:t>Sn_M2</a:t>
-            </a:r>
-            <a:r>
-              <a:rPr lang="en-US" sz="1600" dirty="0"/>
-              <a:t>, …, </a:t>
-            </a:r>
-            <a:r>
-              <a:rPr lang="en-US" sz="1600" i="1" dirty="0">
-                <a:latin typeface="APPLE CHANCERY" panose="03020702040506060504" pitchFamily="66" charset="-79"/>
-                <a:cs typeface="APPLE CHANCERY" panose="03020702040506060504" pitchFamily="66" charset="-79"/>
-              </a:rPr>
-              <a:t>l</a:t>
-            </a:r>
-            <a:r>
-              <a:rPr lang="en-US" sz="1600" dirty="0"/>
-              <a:t> </a:t>
-            </a:r>
-            <a:r>
-              <a:rPr lang="en-US" sz="1600" baseline="-25000" dirty="0" err="1"/>
-              <a:t>Sn_Mn</a:t>
-            </a:r>
-            <a:r>
-              <a:rPr lang="en-US" sz="1600" dirty="0"/>
-              <a:t>]</a:t>
-            </a:r>
-            <a:endParaRPr lang="en-US" dirty="0"/>
-          </a:p>
-        </p:txBody>
-      </p:sp>
-      <p:sp>
-        <p:nvSpPr>
-          <p:cNvPr id="150" name="Oval 149">
-            <a:extLst>
-              <a:ext uri="{FF2B5EF4-FFF2-40B4-BE49-F238E27FC236}">
-                <a16:creationId xmlns:a16="http://schemas.microsoft.com/office/drawing/2014/main" id="{01B4820C-E1CD-2B34-4661-AABC256E6EED}"/>
-              </a:ext>
-            </a:extLst>
-          </p:cNvPr>
-          <p:cNvSpPr/>
-          <p:nvPr/>
-        </p:nvSpPr>
-        <p:spPr>
-          <a:xfrm>
-            <a:off x="7192707" y="4806418"/>
+            <a:off x="7530144" y="2883429"/>
             <a:ext cx="86952" cy="86952"/>
           </a:xfrm>
           <a:prstGeom prst="ellipse">
@@ -4934,10 +5184,10 @@
       </p:sp>
       <p:sp>
         <p:nvSpPr>
-          <p:cNvPr id="151" name="Oval 150">
-            <a:extLst>
-              <a:ext uri="{FF2B5EF4-FFF2-40B4-BE49-F238E27FC236}">
-                <a16:creationId xmlns:a16="http://schemas.microsoft.com/office/drawing/2014/main" id="{6609F299-1BF9-E0EE-637E-07DDD281B16E}"/>
+          <p:cNvPr id="89" name="Oval 88">
+            <a:extLst>
+              <a:ext uri="{FF2B5EF4-FFF2-40B4-BE49-F238E27FC236}">
+                <a16:creationId xmlns:a16="http://schemas.microsoft.com/office/drawing/2014/main" id="{3C5ACD60-D165-640C-36B4-BA7FD62F5D18}"/>
               </a:ext>
             </a:extLst>
           </p:cNvPr>
@@ -4946,7 +5196,7 @@
         </p:nvSpPr>
         <p:spPr>
           <a:xfrm>
-            <a:off x="7192707" y="4955182"/>
+            <a:off x="7755073" y="2883429"/>
             <a:ext cx="86952" cy="86952"/>
           </a:xfrm>
           <a:prstGeom prst="ellipse">
@@ -4984,387 +5234,21 @@
           </a:p>
         </p:txBody>
       </p:sp>
-      <p:cxnSp>
-        <p:nvCxnSpPr>
-          <p:cNvPr id="182" name="Elbow Connector 181">
-            <a:extLst>
-              <a:ext uri="{FF2B5EF4-FFF2-40B4-BE49-F238E27FC236}">
-                <a16:creationId xmlns:a16="http://schemas.microsoft.com/office/drawing/2014/main" id="{94DB3F9C-4909-6C2B-B496-288C8FFD8DB7}"/>
-              </a:ext>
-            </a:extLst>
-          </p:cNvPr>
-          <p:cNvCxnSpPr>
-            <a:cxnSpLocks/>
-            <a:endCxn id="149" idx="1"/>
-          </p:cNvCxnSpPr>
+      <p:sp>
+        <p:nvSpPr>
+          <p:cNvPr id="90" name="Oval 89">
+            <a:extLst>
+              <a:ext uri="{FF2B5EF4-FFF2-40B4-BE49-F238E27FC236}">
+                <a16:creationId xmlns:a16="http://schemas.microsoft.com/office/drawing/2014/main" id="{A77B7325-D592-E62A-D67B-3A20AD869185}"/>
+              </a:ext>
+            </a:extLst>
+          </p:cNvPr>
+          <p:cNvSpPr/>
           <p:nvPr/>
-        </p:nvCxnSpPr>
+        </p:nvSpPr>
         <p:spPr>
           <a:xfrm>
-            <a:off x="5231993" y="4666555"/>
-            <a:ext cx="894470" cy="625593"/>
-          </a:xfrm>
-          <a:prstGeom prst="bentConnector3">
-            <a:avLst>
-              <a:gd name="adj1" fmla="val 50000"/>
-            </a:avLst>
-          </a:prstGeom>
-          <a:ln w="38100" cap="flat" cmpd="sng" algn="ctr">
-            <a:solidFill>
-              <a:schemeClr val="tx1"/>
-            </a:solidFill>
-            <a:prstDash val="solid"/>
-            <a:round/>
-            <a:headEnd type="none" w="med" len="med"/>
-            <a:tailEnd type="arrow" w="med" len="med"/>
-          </a:ln>
-        </p:spPr>
-        <p:style>
-          <a:lnRef idx="0">
-            <a:scrgbClr r="0" g="0" b="0"/>
-          </a:lnRef>
-          <a:fillRef idx="0">
-            <a:scrgbClr r="0" g="0" b="0"/>
-          </a:fillRef>
-          <a:effectRef idx="0">
-            <a:scrgbClr r="0" g="0" b="0"/>
-          </a:effectRef>
-          <a:fontRef idx="minor">
-            <a:schemeClr val="tx1"/>
-          </a:fontRef>
-        </p:style>
-      </p:cxnSp>
-      <p:sp>
-        <p:nvSpPr>
-          <p:cNvPr id="225" name="Rectangle 224">
-            <a:extLst>
-              <a:ext uri="{FF2B5EF4-FFF2-40B4-BE49-F238E27FC236}">
-                <a16:creationId xmlns:a16="http://schemas.microsoft.com/office/drawing/2014/main" id="{84EA15FD-FD0B-BE6A-C70D-3EDE72B9BE6C}"/>
-              </a:ext>
-            </a:extLst>
-          </p:cNvPr>
-          <p:cNvSpPr/>
-          <p:nvPr/>
-        </p:nvSpPr>
-        <p:spPr>
-          <a:xfrm>
-            <a:off x="8530741" y="3721490"/>
-            <a:ext cx="396543" cy="287121"/>
-          </a:xfrm>
-          <a:prstGeom prst="rect">
-            <a:avLst/>
-          </a:prstGeom>
-          <a:noFill/>
-        </p:spPr>
-        <p:style>
-          <a:lnRef idx="2">
-            <a:schemeClr val="dk1"/>
-          </a:lnRef>
-          <a:fillRef idx="1">
-            <a:schemeClr val="lt1"/>
-          </a:fillRef>
-          <a:effectRef idx="0">
-            <a:schemeClr val="dk1"/>
-          </a:effectRef>
-          <a:fontRef idx="minor">
-            <a:schemeClr val="dk1"/>
-          </a:fontRef>
-        </p:style>
-        <p:txBody>
-          <a:bodyPr rtlCol="0" anchor="ctr"/>
-          <a:lstStyle/>
-          <a:p>
-            <a:pPr algn="ctr"/>
-            <a:r>
-              <a:rPr lang="en-US" sz="1600" i="1" dirty="0">
-                <a:latin typeface="APPLE CHANCERY" panose="03020702040506060504" pitchFamily="66" charset="-79"/>
-                <a:cs typeface="APPLE CHANCERY" panose="03020702040506060504" pitchFamily="66" charset="-79"/>
-              </a:rPr>
-              <a:t>l</a:t>
-            </a:r>
-            <a:r>
-              <a:rPr lang="en-US" sz="1600" i="1" baseline="-25000" dirty="0"/>
-              <a:t>1</a:t>
-            </a:r>
-            <a:endParaRPr lang="en-US" sz="2400" i="1" baseline="-25000" dirty="0"/>
-          </a:p>
-        </p:txBody>
-      </p:sp>
-      <p:cxnSp>
-        <p:nvCxnSpPr>
-          <p:cNvPr id="229" name="Straight Arrow Connector 228">
-            <a:extLst>
-              <a:ext uri="{FF2B5EF4-FFF2-40B4-BE49-F238E27FC236}">
-                <a16:creationId xmlns:a16="http://schemas.microsoft.com/office/drawing/2014/main" id="{62CCDADE-21FA-E995-DA81-19E65AD54B8D}"/>
-              </a:ext>
-            </a:extLst>
-          </p:cNvPr>
-          <p:cNvCxnSpPr>
-            <a:cxnSpLocks/>
-            <a:endCxn id="230" idx="1"/>
-          </p:cNvCxnSpPr>
-          <p:nvPr/>
-        </p:nvCxnSpPr>
-        <p:spPr>
-          <a:xfrm>
-            <a:off x="8337212" y="4410789"/>
-            <a:ext cx="193529" cy="2555"/>
-          </a:xfrm>
-          <a:prstGeom prst="straightConnector1">
-            <a:avLst/>
-          </a:prstGeom>
-          <a:ln w="38100" cap="flat" cmpd="sng" algn="ctr">
-            <a:solidFill>
-              <a:schemeClr val="tx1"/>
-            </a:solidFill>
-            <a:prstDash val="solid"/>
-            <a:round/>
-            <a:headEnd type="none" w="med" len="med"/>
-            <a:tailEnd type="arrow" w="med" len="med"/>
-          </a:ln>
-          <a:effectLst/>
-        </p:spPr>
-        <p:style>
-          <a:lnRef idx="2">
-            <a:schemeClr val="accent1"/>
-          </a:lnRef>
-          <a:fillRef idx="0">
-            <a:schemeClr val="accent1"/>
-          </a:fillRef>
-          <a:effectRef idx="1">
-            <a:schemeClr val="accent1"/>
-          </a:effectRef>
-          <a:fontRef idx="minor">
-            <a:schemeClr val="tx1"/>
-          </a:fontRef>
-        </p:style>
-      </p:cxnSp>
-      <p:sp>
-        <p:nvSpPr>
-          <p:cNvPr id="230" name="Rectangle 229">
-            <a:extLst>
-              <a:ext uri="{FF2B5EF4-FFF2-40B4-BE49-F238E27FC236}">
-                <a16:creationId xmlns:a16="http://schemas.microsoft.com/office/drawing/2014/main" id="{0C677D7E-4937-AFC8-E6AF-6473F13C8366}"/>
-              </a:ext>
-            </a:extLst>
-          </p:cNvPr>
-          <p:cNvSpPr/>
-          <p:nvPr/>
-        </p:nvSpPr>
-        <p:spPr>
-          <a:xfrm>
-            <a:off x="8530741" y="4269783"/>
-            <a:ext cx="396543" cy="287121"/>
-          </a:xfrm>
-          <a:prstGeom prst="rect">
-            <a:avLst/>
-          </a:prstGeom>
-          <a:noFill/>
-        </p:spPr>
-        <p:style>
-          <a:lnRef idx="2">
-            <a:schemeClr val="dk1"/>
-          </a:lnRef>
-          <a:fillRef idx="1">
-            <a:schemeClr val="lt1"/>
-          </a:fillRef>
-          <a:effectRef idx="0">
-            <a:schemeClr val="dk1"/>
-          </a:effectRef>
-          <a:fontRef idx="minor">
-            <a:schemeClr val="dk1"/>
-          </a:fontRef>
-        </p:style>
-        <p:txBody>
-          <a:bodyPr rtlCol="0" anchor="ctr"/>
-          <a:lstStyle/>
-          <a:p>
-            <a:pPr algn="ctr"/>
-            <a:r>
-              <a:rPr lang="en-US" sz="1600" i="1" dirty="0">
-                <a:latin typeface="APPLE CHANCERY" panose="03020702040506060504" pitchFamily="66" charset="-79"/>
-                <a:cs typeface="APPLE CHANCERY" panose="03020702040506060504" pitchFamily="66" charset="-79"/>
-              </a:rPr>
-              <a:t>l</a:t>
-            </a:r>
-            <a:r>
-              <a:rPr lang="en-US" sz="1600" i="1" baseline="-25000" dirty="0"/>
-              <a:t>2</a:t>
-            </a:r>
-            <a:endParaRPr lang="en-US" sz="2400" i="1" baseline="-25000" dirty="0"/>
-          </a:p>
-        </p:txBody>
-      </p:sp>
-      <p:cxnSp>
-        <p:nvCxnSpPr>
-          <p:cNvPr id="231" name="Straight Arrow Connector 230">
-            <a:extLst>
-              <a:ext uri="{FF2B5EF4-FFF2-40B4-BE49-F238E27FC236}">
-                <a16:creationId xmlns:a16="http://schemas.microsoft.com/office/drawing/2014/main" id="{FB62B6C6-5D26-BB31-7DDC-5B05F8C98314}"/>
-              </a:ext>
-            </a:extLst>
-          </p:cNvPr>
-          <p:cNvCxnSpPr>
-            <a:cxnSpLocks/>
-            <a:endCxn id="232" idx="1"/>
-          </p:cNvCxnSpPr>
-          <p:nvPr/>
-        </p:nvCxnSpPr>
-        <p:spPr>
-          <a:xfrm>
-            <a:off x="8337212" y="5287039"/>
-            <a:ext cx="193529" cy="2555"/>
-          </a:xfrm>
-          <a:prstGeom prst="straightConnector1">
-            <a:avLst/>
-          </a:prstGeom>
-          <a:ln w="38100" cap="flat" cmpd="sng" algn="ctr">
-            <a:solidFill>
-              <a:schemeClr val="tx1"/>
-            </a:solidFill>
-            <a:prstDash val="solid"/>
-            <a:round/>
-            <a:headEnd type="none" w="med" len="med"/>
-            <a:tailEnd type="arrow" w="med" len="med"/>
-          </a:ln>
-          <a:effectLst/>
-        </p:spPr>
-        <p:style>
-          <a:lnRef idx="2">
-            <a:schemeClr val="accent1"/>
-          </a:lnRef>
-          <a:fillRef idx="0">
-            <a:schemeClr val="accent1"/>
-          </a:fillRef>
-          <a:effectRef idx="1">
-            <a:schemeClr val="accent1"/>
-          </a:effectRef>
-          <a:fontRef idx="minor">
-            <a:schemeClr val="tx1"/>
-          </a:fontRef>
-        </p:style>
-      </p:cxnSp>
-      <p:sp>
-        <p:nvSpPr>
-          <p:cNvPr id="232" name="Rectangle 231">
-            <a:extLst>
-              <a:ext uri="{FF2B5EF4-FFF2-40B4-BE49-F238E27FC236}">
-                <a16:creationId xmlns:a16="http://schemas.microsoft.com/office/drawing/2014/main" id="{05AF38B0-866A-58F2-5A94-5E2C2D0A4992}"/>
-              </a:ext>
-            </a:extLst>
-          </p:cNvPr>
-          <p:cNvSpPr/>
-          <p:nvPr/>
-        </p:nvSpPr>
-        <p:spPr>
-          <a:xfrm>
-            <a:off x="8530741" y="5146033"/>
-            <a:ext cx="396543" cy="287121"/>
-          </a:xfrm>
-          <a:prstGeom prst="rect">
-            <a:avLst/>
-          </a:prstGeom>
-          <a:noFill/>
-        </p:spPr>
-        <p:style>
-          <a:lnRef idx="2">
-            <a:schemeClr val="dk1"/>
-          </a:lnRef>
-          <a:fillRef idx="1">
-            <a:schemeClr val="lt1"/>
-          </a:fillRef>
-          <a:effectRef idx="0">
-            <a:schemeClr val="dk1"/>
-          </a:effectRef>
-          <a:fontRef idx="minor">
-            <a:schemeClr val="dk1"/>
-          </a:fontRef>
-        </p:style>
-        <p:txBody>
-          <a:bodyPr rtlCol="0" anchor="ctr"/>
-          <a:lstStyle/>
-          <a:p>
-            <a:pPr algn="ctr"/>
-            <a:r>
-              <a:rPr lang="en-US" sz="1600" i="1" dirty="0">
-                <a:latin typeface="APPLE CHANCERY" panose="03020702040506060504" pitchFamily="66" charset="-79"/>
-                <a:cs typeface="APPLE CHANCERY" panose="03020702040506060504" pitchFamily="66" charset="-79"/>
-              </a:rPr>
-              <a:t>l</a:t>
-            </a:r>
-            <a:r>
-              <a:rPr lang="en-US" sz="1600" i="1" baseline="-25000" dirty="0"/>
-              <a:t>n</a:t>
-            </a:r>
-            <a:endParaRPr lang="en-US" sz="2400" i="1" baseline="-25000" dirty="0"/>
-          </a:p>
-        </p:txBody>
-      </p:sp>
-      <p:cxnSp>
-        <p:nvCxnSpPr>
-          <p:cNvPr id="16" name="Straight Arrow Connector 15">
-            <a:extLst>
-              <a:ext uri="{FF2B5EF4-FFF2-40B4-BE49-F238E27FC236}">
-                <a16:creationId xmlns:a16="http://schemas.microsoft.com/office/drawing/2014/main" id="{9314D1DF-48FC-E0E9-F295-689D0A05DF9C}"/>
-              </a:ext>
-            </a:extLst>
-          </p:cNvPr>
-          <p:cNvCxnSpPr>
-            <a:cxnSpLocks/>
-            <a:stCxn id="49" idx="3"/>
-            <a:endCxn id="148" idx="1"/>
-          </p:cNvCxnSpPr>
-          <p:nvPr/>
-        </p:nvCxnSpPr>
-        <p:spPr>
-          <a:xfrm flipV="1">
-            <a:off x="5231993" y="4416541"/>
-            <a:ext cx="894470" cy="6349"/>
-          </a:xfrm>
-          <a:prstGeom prst="straightConnector1">
-            <a:avLst/>
-          </a:prstGeom>
-          <a:ln w="38100" cap="flat" cmpd="sng" algn="ctr">
-            <a:solidFill>
-              <a:schemeClr val="tx1"/>
-            </a:solidFill>
-            <a:prstDash val="solid"/>
-            <a:round/>
-            <a:headEnd type="none" w="med" len="med"/>
-            <a:tailEnd type="arrow" w="med" len="med"/>
-          </a:ln>
-          <a:effectLst/>
-        </p:spPr>
-        <p:style>
-          <a:lnRef idx="2">
-            <a:schemeClr val="accent1"/>
-          </a:lnRef>
-          <a:fillRef idx="0">
-            <a:schemeClr val="accent1"/>
-          </a:fillRef>
-          <a:effectRef idx="1">
-            <a:schemeClr val="accent1"/>
-          </a:effectRef>
-          <a:fontRef idx="minor">
-            <a:schemeClr val="tx1"/>
-          </a:fontRef>
-        </p:style>
-      </p:cxnSp>
-      <p:sp>
-        <p:nvSpPr>
-          <p:cNvPr id="20" name="Oval 19">
-            <a:extLst>
-              <a:ext uri="{FF2B5EF4-FFF2-40B4-BE49-F238E27FC236}">
-                <a16:creationId xmlns:a16="http://schemas.microsoft.com/office/drawing/2014/main" id="{2F7CBA78-B5C5-18D9-D94F-795715090B66}"/>
-              </a:ext>
-            </a:extLst>
-          </p:cNvPr>
-          <p:cNvSpPr/>
-          <p:nvPr/>
-        </p:nvSpPr>
-        <p:spPr>
-          <a:xfrm>
-            <a:off x="2395983" y="4693020"/>
+            <a:off x="7307120" y="4440154"/>
             <a:ext cx="86952" cy="86952"/>
           </a:xfrm>
           <a:prstGeom prst="ellipse">
@@ -5404,10 +5288,10 @@
       </p:sp>
       <p:sp>
         <p:nvSpPr>
-          <p:cNvPr id="21" name="Oval 20">
-            <a:extLst>
-              <a:ext uri="{FF2B5EF4-FFF2-40B4-BE49-F238E27FC236}">
-                <a16:creationId xmlns:a16="http://schemas.microsoft.com/office/drawing/2014/main" id="{4EBD7594-45F9-39A8-9B76-6F52BE82CF2F}"/>
+          <p:cNvPr id="91" name="Oval 90">
+            <a:extLst>
+              <a:ext uri="{FF2B5EF4-FFF2-40B4-BE49-F238E27FC236}">
+                <a16:creationId xmlns:a16="http://schemas.microsoft.com/office/drawing/2014/main" id="{47FA45A1-8A8B-DBBA-6FAE-111ADE477A84}"/>
               </a:ext>
             </a:extLst>
           </p:cNvPr>
@@ -5416,7 +5300,7 @@
         </p:nvSpPr>
         <p:spPr>
           <a:xfrm>
-            <a:off x="7192707" y="4659043"/>
+            <a:off x="7530144" y="4440154"/>
             <a:ext cx="86952" cy="86952"/>
           </a:xfrm>
           <a:prstGeom prst="ellipse">
@@ -5456,10 +5340,10 @@
       </p:sp>
       <p:sp>
         <p:nvSpPr>
-          <p:cNvPr id="22" name="Oval 21">
-            <a:extLst>
-              <a:ext uri="{FF2B5EF4-FFF2-40B4-BE49-F238E27FC236}">
-                <a16:creationId xmlns:a16="http://schemas.microsoft.com/office/drawing/2014/main" id="{04A20878-C716-71F3-D4CA-0390C7B0FD25}"/>
+          <p:cNvPr id="92" name="Oval 91">
+            <a:extLst>
+              <a:ext uri="{FF2B5EF4-FFF2-40B4-BE49-F238E27FC236}">
+                <a16:creationId xmlns:a16="http://schemas.microsoft.com/office/drawing/2014/main" id="{0A776623-1382-8F27-20A1-1B93769AAE95}"/>
               </a:ext>
             </a:extLst>
           </p:cNvPr>
@@ -5468,7 +5352,7 @@
         </p:nvSpPr>
         <p:spPr>
           <a:xfrm>
-            <a:off x="4595512" y="2444237"/>
+            <a:off x="7755073" y="4440154"/>
             <a:ext cx="86952" cy="86952"/>
           </a:xfrm>
           <a:prstGeom prst="ellipse">
@@ -5508,10 +5392,10 @@
       </p:sp>
       <p:sp>
         <p:nvSpPr>
-          <p:cNvPr id="23" name="Oval 22">
-            <a:extLst>
-              <a:ext uri="{FF2B5EF4-FFF2-40B4-BE49-F238E27FC236}">
-                <a16:creationId xmlns:a16="http://schemas.microsoft.com/office/drawing/2014/main" id="{2C0778CE-A8FB-39AD-2282-FF3A0C711A0A}"/>
+          <p:cNvPr id="93" name="Oval 92">
+            <a:extLst>
+              <a:ext uri="{FF2B5EF4-FFF2-40B4-BE49-F238E27FC236}">
+                <a16:creationId xmlns:a16="http://schemas.microsoft.com/office/drawing/2014/main" id="{C6CBCC0D-D609-42A3-32EF-074F757ACF9A}"/>
               </a:ext>
             </a:extLst>
           </p:cNvPr>
@@ -5520,7 +5404,7 @@
         </p:nvSpPr>
         <p:spPr>
           <a:xfrm>
-            <a:off x="4724466" y="2444237"/>
+            <a:off x="7307120" y="5043055"/>
             <a:ext cx="86952" cy="86952"/>
           </a:xfrm>
           <a:prstGeom prst="ellipse">
@@ -5558,50 +5442,153 @@
           </a:p>
         </p:txBody>
       </p:sp>
+      <p:sp>
+        <p:nvSpPr>
+          <p:cNvPr id="94" name="Oval 93">
+            <a:extLst>
+              <a:ext uri="{FF2B5EF4-FFF2-40B4-BE49-F238E27FC236}">
+                <a16:creationId xmlns:a16="http://schemas.microsoft.com/office/drawing/2014/main" id="{A19483E0-6086-882D-52B4-6ECD618E5DC8}"/>
+              </a:ext>
+            </a:extLst>
+          </p:cNvPr>
+          <p:cNvSpPr/>
+          <p:nvPr/>
+        </p:nvSpPr>
+        <p:spPr>
+          <a:xfrm>
+            <a:off x="7530144" y="5043055"/>
+            <a:ext cx="86952" cy="86952"/>
+          </a:xfrm>
+          <a:prstGeom prst="ellipse">
+            <a:avLst/>
+          </a:prstGeom>
+          <a:solidFill>
+            <a:schemeClr val="tx1"/>
+          </a:solidFill>
+          <a:ln>
+            <a:noFill/>
+          </a:ln>
+        </p:spPr>
+        <p:style>
+          <a:lnRef idx="2">
+            <a:schemeClr val="dk1">
+              <a:shade val="15000"/>
+            </a:schemeClr>
+          </a:lnRef>
+          <a:fillRef idx="1">
+            <a:schemeClr val="dk1"/>
+          </a:fillRef>
+          <a:effectRef idx="0">
+            <a:schemeClr val="dk1"/>
+          </a:effectRef>
+          <a:fontRef idx="minor">
+            <a:schemeClr val="lt1"/>
+          </a:fontRef>
+        </p:style>
+        <p:txBody>
+          <a:bodyPr rtlCol="0" anchor="ctr"/>
+          <a:lstStyle/>
+          <a:p>
+            <a:pPr algn="ctr"/>
+            <a:endParaRPr lang="en-US"/>
+          </a:p>
+        </p:txBody>
+      </p:sp>
+      <p:sp>
+        <p:nvSpPr>
+          <p:cNvPr id="102" name="Oval 101">
+            <a:extLst>
+              <a:ext uri="{FF2B5EF4-FFF2-40B4-BE49-F238E27FC236}">
+                <a16:creationId xmlns:a16="http://schemas.microsoft.com/office/drawing/2014/main" id="{6A9FA8D4-EF7B-8728-8363-5689F6F59917}"/>
+              </a:ext>
+            </a:extLst>
+          </p:cNvPr>
+          <p:cNvSpPr/>
+          <p:nvPr/>
+        </p:nvSpPr>
+        <p:spPr>
+          <a:xfrm>
+            <a:off x="7755073" y="5043055"/>
+            <a:ext cx="86952" cy="86952"/>
+          </a:xfrm>
+          <a:prstGeom prst="ellipse">
+            <a:avLst/>
+          </a:prstGeom>
+          <a:solidFill>
+            <a:schemeClr val="tx1"/>
+          </a:solidFill>
+          <a:ln>
+            <a:noFill/>
+          </a:ln>
+        </p:spPr>
+        <p:style>
+          <a:lnRef idx="2">
+            <a:schemeClr val="dk1">
+              <a:shade val="15000"/>
+            </a:schemeClr>
+          </a:lnRef>
+          <a:fillRef idx="1">
+            <a:schemeClr val="dk1"/>
+          </a:fillRef>
+          <a:effectRef idx="0">
+            <a:schemeClr val="dk1"/>
+          </a:effectRef>
+          <a:fontRef idx="minor">
+            <a:schemeClr val="lt1"/>
+          </a:fontRef>
+        </p:style>
+        <p:txBody>
+          <a:bodyPr rtlCol="0" anchor="ctr"/>
+          <a:lstStyle/>
+          <a:p>
+            <a:pPr algn="ctr"/>
+            <a:endParaRPr lang="en-US"/>
+          </a:p>
+        </p:txBody>
+      </p:sp>
       <p:cxnSp>
         <p:nvCxnSpPr>
-          <p:cNvPr id="44" name="Elbow Connector 43">
-            <a:extLst>
-              <a:ext uri="{FF2B5EF4-FFF2-40B4-BE49-F238E27FC236}">
-                <a16:creationId xmlns:a16="http://schemas.microsoft.com/office/drawing/2014/main" id="{27081F1A-2DCE-5D4D-22A5-17DAC3C5C075}"/>
+          <p:cNvPr id="104" name="Straight Arrow Connector 103">
+            <a:extLst>
+              <a:ext uri="{FF2B5EF4-FFF2-40B4-BE49-F238E27FC236}">
+                <a16:creationId xmlns:a16="http://schemas.microsoft.com/office/drawing/2014/main" id="{86C1F2E1-0AA5-7ABB-5588-D03CECCADCD6}"/>
               </a:ext>
             </a:extLst>
           </p:cNvPr>
           <p:cNvCxnSpPr>
             <a:cxnSpLocks/>
-            <a:stCxn id="6" idx="4"/>
+            <a:endCxn id="55" idx="1"/>
           </p:cNvCxnSpPr>
           <p:nvPr/>
         </p:nvCxnSpPr>
         <p:spPr>
-          <a:xfrm>
-            <a:off x="2615861" y="3867626"/>
-            <a:ext cx="1126600" cy="314551"/>
+          <a:xfrm flipH="1">
+            <a:off x="4636901" y="3085964"/>
+            <a:ext cx="2893243" cy="757141"/>
           </a:xfrm>
-          <a:prstGeom prst="bentConnector3">
-            <a:avLst>
-              <a:gd name="adj1" fmla="val 50000"/>
-            </a:avLst>
+          <a:prstGeom prst="straightConnector1">
+            <a:avLst/>
           </a:prstGeom>
-          <a:ln w="38100" cap="flat" cmpd="sng" algn="ctr">
+          <a:ln w="19050" cap="flat" cmpd="sng" algn="ctr">
             <a:solidFill>
-              <a:schemeClr val="dk1"/>
+              <a:schemeClr val="tx1"/>
             </a:solidFill>
-            <a:prstDash val="solid"/>
+            <a:prstDash val="lgDash"/>
             <a:round/>
             <a:headEnd type="none" w="med" len="med"/>
             <a:tailEnd type="arrow" w="med" len="med"/>
           </a:ln>
+          <a:effectLst/>
         </p:spPr>
         <p:style>
-          <a:lnRef idx="0">
-            <a:scrgbClr r="0" g="0" b="0"/>
+          <a:lnRef idx="2">
+            <a:schemeClr val="accent1"/>
           </a:lnRef>
           <a:fillRef idx="0">
-            <a:scrgbClr r="0" g="0" b="0"/>
+            <a:schemeClr val="accent1"/>
           </a:fillRef>
-          <a:effectRef idx="0">
-            <a:scrgbClr r="0" g="0" b="0"/>
+          <a:effectRef idx="1">
+            <a:schemeClr val="accent1"/>
           </a:effectRef>
           <a:fontRef idx="minor">
             <a:schemeClr val="tx1"/>
@@ -5610,30 +5597,78 @@
       </p:cxnSp>
       <p:cxnSp>
         <p:nvCxnSpPr>
-          <p:cNvPr id="47" name="Elbow Connector 46">
-            <a:extLst>
-              <a:ext uri="{FF2B5EF4-FFF2-40B4-BE49-F238E27FC236}">
-                <a16:creationId xmlns:a16="http://schemas.microsoft.com/office/drawing/2014/main" id="{2D6EA20F-7F9F-DA6E-3287-3E06B3C76036}"/>
+          <p:cNvPr id="108" name="Straight Arrow Connector 107">
+            <a:extLst>
+              <a:ext uri="{FF2B5EF4-FFF2-40B4-BE49-F238E27FC236}">
+                <a16:creationId xmlns:a16="http://schemas.microsoft.com/office/drawing/2014/main" id="{A4782381-EA6D-8E04-3A83-5723B142B55F}"/>
               </a:ext>
             </a:extLst>
           </p:cNvPr>
           <p:cNvCxnSpPr>
             <a:cxnSpLocks/>
-            <a:endCxn id="147" idx="1"/>
+            <a:endCxn id="57" idx="1"/>
           </p:cNvCxnSpPr>
           <p:nvPr/>
         </p:nvCxnSpPr>
         <p:spPr>
-          <a:xfrm flipV="1">
-            <a:off x="5231993" y="3862496"/>
-            <a:ext cx="894470" cy="317481"/>
+          <a:xfrm flipH="1">
+            <a:off x="6377510" y="3085964"/>
+            <a:ext cx="1145685" cy="757141"/>
           </a:xfrm>
-          <a:prstGeom prst="bentConnector3">
-            <a:avLst>
-              <a:gd name="adj1" fmla="val 50000"/>
-            </a:avLst>
+          <a:prstGeom prst="straightConnector1">
+            <a:avLst/>
           </a:prstGeom>
-          <a:ln w="38100" cap="flat" cmpd="sng" algn="ctr">
+          <a:ln w="19050" cap="flat" cmpd="sng" algn="ctr">
+            <a:solidFill>
+              <a:schemeClr val="tx1"/>
+            </a:solidFill>
+            <a:prstDash val="lgDash"/>
+            <a:round/>
+            <a:headEnd type="none" w="med" len="med"/>
+            <a:tailEnd type="arrow" w="med" len="med"/>
+          </a:ln>
+          <a:effectLst/>
+        </p:spPr>
+        <p:style>
+          <a:lnRef idx="2">
+            <a:schemeClr val="accent1"/>
+          </a:lnRef>
+          <a:fillRef idx="0">
+            <a:schemeClr val="accent1"/>
+          </a:fillRef>
+          <a:effectRef idx="1">
+            <a:schemeClr val="accent1"/>
+          </a:effectRef>
+          <a:fontRef idx="minor">
+            <a:schemeClr val="tx1"/>
+          </a:fontRef>
+        </p:style>
+      </p:cxnSp>
+      <p:cxnSp>
+        <p:nvCxnSpPr>
+          <p:cNvPr id="116" name="Straight Arrow Connector 115">
+            <a:extLst>
+              <a:ext uri="{FF2B5EF4-FFF2-40B4-BE49-F238E27FC236}">
+                <a16:creationId xmlns:a16="http://schemas.microsoft.com/office/drawing/2014/main" id="{E9A4AA69-7047-745D-C690-E311E9959DA3}"/>
+              </a:ext>
+            </a:extLst>
+          </p:cNvPr>
+          <p:cNvCxnSpPr>
+            <a:cxnSpLocks/>
+            <a:stCxn id="147" idx="2"/>
+            <a:endCxn id="225" idx="0"/>
+          </p:cNvCxnSpPr>
+          <p:nvPr/>
+        </p:nvCxnSpPr>
+        <p:spPr>
+          <a:xfrm flipH="1">
+            <a:off x="4636536" y="4631291"/>
+            <a:ext cx="1" cy="308460"/>
+          </a:xfrm>
+          <a:prstGeom prst="straightConnector1">
+            <a:avLst/>
+          </a:prstGeom>
+          <a:ln w="19050" cap="flat" cmpd="sng" algn="ctr">
             <a:solidFill>
               <a:schemeClr val="tx1"/>
             </a:solidFill>
@@ -5642,16 +5677,17 @@
             <a:headEnd type="none" w="med" len="med"/>
             <a:tailEnd type="arrow" w="med" len="med"/>
           </a:ln>
+          <a:effectLst/>
         </p:spPr>
         <p:style>
-          <a:lnRef idx="0">
-            <a:scrgbClr r="0" g="0" b="0"/>
+          <a:lnRef idx="2">
+            <a:schemeClr val="accent1"/>
           </a:lnRef>
           <a:fillRef idx="0">
-            <a:scrgbClr r="0" g="0" b="0"/>
+            <a:schemeClr val="accent1"/>
           </a:fillRef>
-          <a:effectRef idx="0">
-            <a:scrgbClr r="0" g="0" b="0"/>
+          <a:effectRef idx="1">
+            <a:schemeClr val="accent1"/>
           </a:effectRef>
           <a:fontRef idx="minor">
             <a:schemeClr val="tx1"/>
